--- a/2차 프로젝트/2차 프로젝트.pptx
+++ b/2차 프로젝트/2차 프로젝트.pptx
@@ -12,12 +12,20 @@
     <p:sldId id="260" r:id="rId6"/>
     <p:sldId id="261" r:id="rId7"/>
     <p:sldId id="262" r:id="rId8"/>
-    <p:sldId id="263" r:id="rId9"/>
-    <p:sldId id="264" r:id="rId10"/>
-    <p:sldId id="268" r:id="rId11"/>
-    <p:sldId id="265" r:id="rId12"/>
-    <p:sldId id="267" r:id="rId13"/>
-    <p:sldId id="266" r:id="rId14"/>
+    <p:sldId id="274" r:id="rId9"/>
+    <p:sldId id="263" r:id="rId10"/>
+    <p:sldId id="269" r:id="rId11"/>
+    <p:sldId id="264" r:id="rId12"/>
+    <p:sldId id="268" r:id="rId13"/>
+    <p:sldId id="265" r:id="rId14"/>
+    <p:sldId id="276" r:id="rId15"/>
+    <p:sldId id="278" r:id="rId16"/>
+    <p:sldId id="279" r:id="rId17"/>
+    <p:sldId id="277" r:id="rId18"/>
+    <p:sldId id="280" r:id="rId19"/>
+    <p:sldId id="282" r:id="rId20"/>
+    <p:sldId id="284" r:id="rId21"/>
+    <p:sldId id="285" r:id="rId22"/>
   </p:sldIdLst>
   <p:sldSz cx="12192000" cy="6858000"/>
   <p:notesSz cx="6858000" cy="9144000"/>
@@ -255,7 +263,7 @@
           <a:p>
             <a:fld id="{FEAD0F73-53BF-479A-84C8-0CEF6817562F}" type="datetimeFigureOut">
               <a:rPr lang="ko-KR" altLang="en-US" smtClean="0"/>
-              <a:t>2023-12-19</a:t>
+              <a:t>2023-12-21</a:t>
             </a:fld>
             <a:endParaRPr lang="ko-KR" altLang="en-US"/>
           </a:p>
@@ -425,7 +433,7 @@
           <a:p>
             <a:fld id="{FEAD0F73-53BF-479A-84C8-0CEF6817562F}" type="datetimeFigureOut">
               <a:rPr lang="ko-KR" altLang="en-US" smtClean="0"/>
-              <a:t>2023-12-19</a:t>
+              <a:t>2023-12-21</a:t>
             </a:fld>
             <a:endParaRPr lang="ko-KR" altLang="en-US"/>
           </a:p>
@@ -605,7 +613,7 @@
           <a:p>
             <a:fld id="{FEAD0F73-53BF-479A-84C8-0CEF6817562F}" type="datetimeFigureOut">
               <a:rPr lang="ko-KR" altLang="en-US" smtClean="0"/>
-              <a:t>2023-12-19</a:t>
+              <a:t>2023-12-21</a:t>
             </a:fld>
             <a:endParaRPr lang="ko-KR" altLang="en-US"/>
           </a:p>
@@ -775,7 +783,7 @@
           <a:p>
             <a:fld id="{FEAD0F73-53BF-479A-84C8-0CEF6817562F}" type="datetimeFigureOut">
               <a:rPr lang="ko-KR" altLang="en-US" smtClean="0"/>
-              <a:t>2023-12-19</a:t>
+              <a:t>2023-12-21</a:t>
             </a:fld>
             <a:endParaRPr lang="ko-KR" altLang="en-US"/>
           </a:p>
@@ -1021,7 +1029,7 @@
           <a:p>
             <a:fld id="{FEAD0F73-53BF-479A-84C8-0CEF6817562F}" type="datetimeFigureOut">
               <a:rPr lang="ko-KR" altLang="en-US" smtClean="0"/>
-              <a:t>2023-12-19</a:t>
+              <a:t>2023-12-21</a:t>
             </a:fld>
             <a:endParaRPr lang="ko-KR" altLang="en-US"/>
           </a:p>
@@ -1253,7 +1261,7 @@
           <a:p>
             <a:fld id="{FEAD0F73-53BF-479A-84C8-0CEF6817562F}" type="datetimeFigureOut">
               <a:rPr lang="ko-KR" altLang="en-US" smtClean="0"/>
-              <a:t>2023-12-19</a:t>
+              <a:t>2023-12-21</a:t>
             </a:fld>
             <a:endParaRPr lang="ko-KR" altLang="en-US"/>
           </a:p>
@@ -1620,7 +1628,7 @@
           <a:p>
             <a:fld id="{FEAD0F73-53BF-479A-84C8-0CEF6817562F}" type="datetimeFigureOut">
               <a:rPr lang="ko-KR" altLang="en-US" smtClean="0"/>
-              <a:t>2023-12-19</a:t>
+              <a:t>2023-12-21</a:t>
             </a:fld>
             <a:endParaRPr lang="ko-KR" altLang="en-US"/>
           </a:p>
@@ -1738,7 +1746,7 @@
           <a:p>
             <a:fld id="{FEAD0F73-53BF-479A-84C8-0CEF6817562F}" type="datetimeFigureOut">
               <a:rPr lang="ko-KR" altLang="en-US" smtClean="0"/>
-              <a:t>2023-12-19</a:t>
+              <a:t>2023-12-21</a:t>
             </a:fld>
             <a:endParaRPr lang="ko-KR" altLang="en-US"/>
           </a:p>
@@ -1833,7 +1841,7 @@
           <a:p>
             <a:fld id="{FEAD0F73-53BF-479A-84C8-0CEF6817562F}" type="datetimeFigureOut">
               <a:rPr lang="ko-KR" altLang="en-US" smtClean="0"/>
-              <a:t>2023-12-19</a:t>
+              <a:t>2023-12-21</a:t>
             </a:fld>
             <a:endParaRPr lang="ko-KR" altLang="en-US"/>
           </a:p>
@@ -2110,7 +2118,7 @@
           <a:p>
             <a:fld id="{FEAD0F73-53BF-479A-84C8-0CEF6817562F}" type="datetimeFigureOut">
               <a:rPr lang="ko-KR" altLang="en-US" smtClean="0"/>
-              <a:t>2023-12-19</a:t>
+              <a:t>2023-12-21</a:t>
             </a:fld>
             <a:endParaRPr lang="ko-KR" altLang="en-US"/>
           </a:p>
@@ -2363,7 +2371,7 @@
           <a:p>
             <a:fld id="{FEAD0F73-53BF-479A-84C8-0CEF6817562F}" type="datetimeFigureOut">
               <a:rPr lang="ko-KR" altLang="en-US" smtClean="0"/>
-              <a:t>2023-12-19</a:t>
+              <a:t>2023-12-21</a:t>
             </a:fld>
             <a:endParaRPr lang="ko-KR" altLang="en-US"/>
           </a:p>
@@ -2576,7 +2584,7 @@
           <a:p>
             <a:fld id="{FEAD0F73-53BF-479A-84C8-0CEF6817562F}" type="datetimeFigureOut">
               <a:rPr lang="ko-KR" altLang="en-US" smtClean="0"/>
-              <a:t>2023-12-19</a:t>
+              <a:t>2023-12-21</a:t>
             </a:fld>
             <a:endParaRPr lang="ko-KR" altLang="en-US"/>
           </a:p>
@@ -3046,6 +3054,13 @@
   <p:clrMapOvr>
     <a:masterClrMapping/>
   </p:clrMapOvr>
+  <p:timing>
+    <p:tnLst>
+      <p:par>
+        <p:cTn id="1" dur="indefinite" restart="never" nodeType="tmRoot"/>
+      </p:par>
+    </p:tnLst>
+  </p:timing>
 </p:sld>
 </file>
 
@@ -3076,44 +3091,296 @@
             <p:ph type="title"/>
           </p:nvPr>
         </p:nvSpPr>
-        <p:spPr/>
-        <p:txBody>
-          <a:bodyPr/>
+        <p:spPr>
+          <a:xfrm>
+            <a:off x="702733" y="326948"/>
+            <a:ext cx="10515600" cy="532342"/>
+          </a:xfrm>
+        </p:spPr>
+        <p:txBody>
+          <a:bodyPr>
+            <a:normAutofit/>
+          </a:bodyPr>
           <a:lstStyle/>
           <a:p>
-            <a:endParaRPr lang="ko-KR" altLang="en-US"/>
-          </a:p>
-        </p:txBody>
-      </p:sp>
-      <p:sp>
-        <p:nvSpPr>
-          <p:cNvPr id="3" name="내용 개체 틀 2"/>
-          <p:cNvSpPr>
-            <a:spLocks noGrp="1"/>
+            <a:r>
+              <a:rPr lang="en-US" altLang="ko-KR" sz="2800" dirty="0" smtClean="0"/>
+              <a:t>3-1.</a:t>
+            </a:r>
+            <a:r>
+              <a:rPr lang="ko-KR" altLang="en-US" sz="2800" dirty="0" err="1" smtClean="0"/>
+              <a:t>메인화면</a:t>
+            </a:r>
+            <a:endParaRPr lang="ko-KR" altLang="en-US" sz="2800" dirty="0"/>
+          </a:p>
+        </p:txBody>
+      </p:sp>
+      <p:sp>
+        <p:nvSpPr>
+          <p:cNvPr id="18" name="내용 개체 틀 2"/>
+          <p:cNvSpPr txBox="1">
+            <a:spLocks/>
           </p:cNvSpPr>
-          <p:nvPr>
-            <p:ph idx="1"/>
-          </p:nvPr>
-        </p:nvSpPr>
-        <p:spPr/>
-        <p:txBody>
-          <a:bodyPr/>
-          <a:lstStyle/>
-          <a:p>
-            <a:endParaRPr lang="ko-KR" altLang="en-US"/>
-          </a:p>
-        </p:txBody>
-      </p:sp>
+          <p:nvPr/>
+        </p:nvSpPr>
+        <p:spPr>
+          <a:xfrm>
+            <a:off x="702733" y="859290"/>
+            <a:ext cx="4091247" cy="369552"/>
+          </a:xfrm>
+          <a:prstGeom prst="rect">
+            <a:avLst/>
+          </a:prstGeom>
+        </p:spPr>
+        <p:txBody>
+          <a:bodyPr vert="horz" lIns="91440" tIns="45720" rIns="91440" bIns="45720" rtlCol="0">
+            <a:normAutofit/>
+          </a:bodyPr>
+          <a:lstStyle>
+            <a:lvl1pPr marL="228600" indent="-228600" algn="l" defTabSz="914400" rtl="0" eaLnBrk="1" latinLnBrk="1" hangingPunct="1">
+              <a:lnSpc>
+                <a:spcPct val="90000"/>
+              </a:lnSpc>
+              <a:spcBef>
+                <a:spcPts val="1000"/>
+              </a:spcBef>
+              <a:buFont typeface="Arial" panose="020B0604020202020204" pitchFamily="34" charset="0"/>
+              <a:buChar char="•"/>
+              <a:defRPr sz="2800" kern="1200">
+                <a:solidFill>
+                  <a:schemeClr val="tx1"/>
+                </a:solidFill>
+                <a:latin typeface="+mn-lt"/>
+                <a:ea typeface="+mn-ea"/>
+                <a:cs typeface="+mn-cs"/>
+              </a:defRPr>
+            </a:lvl1pPr>
+            <a:lvl2pPr marL="685800" indent="-228600" algn="l" defTabSz="914400" rtl="0" eaLnBrk="1" latinLnBrk="1" hangingPunct="1">
+              <a:lnSpc>
+                <a:spcPct val="90000"/>
+              </a:lnSpc>
+              <a:spcBef>
+                <a:spcPts val="500"/>
+              </a:spcBef>
+              <a:buFont typeface="Arial" panose="020B0604020202020204" pitchFamily="34" charset="0"/>
+              <a:buChar char="•"/>
+              <a:defRPr sz="2400" kern="1200">
+                <a:solidFill>
+                  <a:schemeClr val="tx1"/>
+                </a:solidFill>
+                <a:latin typeface="+mn-lt"/>
+                <a:ea typeface="+mn-ea"/>
+                <a:cs typeface="+mn-cs"/>
+              </a:defRPr>
+            </a:lvl2pPr>
+            <a:lvl3pPr marL="1143000" indent="-228600" algn="l" defTabSz="914400" rtl="0" eaLnBrk="1" latinLnBrk="1" hangingPunct="1">
+              <a:lnSpc>
+                <a:spcPct val="90000"/>
+              </a:lnSpc>
+              <a:spcBef>
+                <a:spcPts val="500"/>
+              </a:spcBef>
+              <a:buFont typeface="Arial" panose="020B0604020202020204" pitchFamily="34" charset="0"/>
+              <a:buChar char="•"/>
+              <a:defRPr sz="2000" kern="1200">
+                <a:solidFill>
+                  <a:schemeClr val="tx1"/>
+                </a:solidFill>
+                <a:latin typeface="+mn-lt"/>
+                <a:ea typeface="+mn-ea"/>
+                <a:cs typeface="+mn-cs"/>
+              </a:defRPr>
+            </a:lvl3pPr>
+            <a:lvl4pPr marL="1600200" indent="-228600" algn="l" defTabSz="914400" rtl="0" eaLnBrk="1" latinLnBrk="1" hangingPunct="1">
+              <a:lnSpc>
+                <a:spcPct val="90000"/>
+              </a:lnSpc>
+              <a:spcBef>
+                <a:spcPts val="500"/>
+              </a:spcBef>
+              <a:buFont typeface="Arial" panose="020B0604020202020204" pitchFamily="34" charset="0"/>
+              <a:buChar char="•"/>
+              <a:defRPr sz="1800" kern="1200">
+                <a:solidFill>
+                  <a:schemeClr val="tx1"/>
+                </a:solidFill>
+                <a:latin typeface="+mn-lt"/>
+                <a:ea typeface="+mn-ea"/>
+                <a:cs typeface="+mn-cs"/>
+              </a:defRPr>
+            </a:lvl4pPr>
+            <a:lvl5pPr marL="2057400" indent="-228600" algn="l" defTabSz="914400" rtl="0" eaLnBrk="1" latinLnBrk="1" hangingPunct="1">
+              <a:lnSpc>
+                <a:spcPct val="90000"/>
+              </a:lnSpc>
+              <a:spcBef>
+                <a:spcPts val="500"/>
+              </a:spcBef>
+              <a:buFont typeface="Arial" panose="020B0604020202020204" pitchFamily="34" charset="0"/>
+              <a:buChar char="•"/>
+              <a:defRPr sz="1800" kern="1200">
+                <a:solidFill>
+                  <a:schemeClr val="tx1"/>
+                </a:solidFill>
+                <a:latin typeface="+mn-lt"/>
+                <a:ea typeface="+mn-ea"/>
+                <a:cs typeface="+mn-cs"/>
+              </a:defRPr>
+            </a:lvl5pPr>
+            <a:lvl6pPr marL="2514600" indent="-228600" algn="l" defTabSz="914400" rtl="0" eaLnBrk="1" latinLnBrk="1" hangingPunct="1">
+              <a:lnSpc>
+                <a:spcPct val="90000"/>
+              </a:lnSpc>
+              <a:spcBef>
+                <a:spcPts val="500"/>
+              </a:spcBef>
+              <a:buFont typeface="Arial" panose="020B0604020202020204" pitchFamily="34" charset="0"/>
+              <a:buChar char="•"/>
+              <a:defRPr sz="1800" kern="1200">
+                <a:solidFill>
+                  <a:schemeClr val="tx1"/>
+                </a:solidFill>
+                <a:latin typeface="+mn-lt"/>
+                <a:ea typeface="+mn-ea"/>
+                <a:cs typeface="+mn-cs"/>
+              </a:defRPr>
+            </a:lvl6pPr>
+            <a:lvl7pPr marL="2971800" indent="-228600" algn="l" defTabSz="914400" rtl="0" eaLnBrk="1" latinLnBrk="1" hangingPunct="1">
+              <a:lnSpc>
+                <a:spcPct val="90000"/>
+              </a:lnSpc>
+              <a:spcBef>
+                <a:spcPts val="500"/>
+              </a:spcBef>
+              <a:buFont typeface="Arial" panose="020B0604020202020204" pitchFamily="34" charset="0"/>
+              <a:buChar char="•"/>
+              <a:defRPr sz="1800" kern="1200">
+                <a:solidFill>
+                  <a:schemeClr val="tx1"/>
+                </a:solidFill>
+                <a:latin typeface="+mn-lt"/>
+                <a:ea typeface="+mn-ea"/>
+                <a:cs typeface="+mn-cs"/>
+              </a:defRPr>
+            </a:lvl7pPr>
+            <a:lvl8pPr marL="3429000" indent="-228600" algn="l" defTabSz="914400" rtl="0" eaLnBrk="1" latinLnBrk="1" hangingPunct="1">
+              <a:lnSpc>
+                <a:spcPct val="90000"/>
+              </a:lnSpc>
+              <a:spcBef>
+                <a:spcPts val="500"/>
+              </a:spcBef>
+              <a:buFont typeface="Arial" panose="020B0604020202020204" pitchFamily="34" charset="0"/>
+              <a:buChar char="•"/>
+              <a:defRPr sz="1800" kern="1200">
+                <a:solidFill>
+                  <a:schemeClr val="tx1"/>
+                </a:solidFill>
+                <a:latin typeface="+mn-lt"/>
+                <a:ea typeface="+mn-ea"/>
+                <a:cs typeface="+mn-cs"/>
+              </a:defRPr>
+            </a:lvl8pPr>
+            <a:lvl9pPr marL="3886200" indent="-228600" algn="l" defTabSz="914400" rtl="0" eaLnBrk="1" latinLnBrk="1" hangingPunct="1">
+              <a:lnSpc>
+                <a:spcPct val="90000"/>
+              </a:lnSpc>
+              <a:spcBef>
+                <a:spcPts val="500"/>
+              </a:spcBef>
+              <a:buFont typeface="Arial" panose="020B0604020202020204" pitchFamily="34" charset="0"/>
+              <a:buChar char="•"/>
+              <a:defRPr sz="1800" kern="1200">
+                <a:solidFill>
+                  <a:schemeClr val="tx1"/>
+                </a:solidFill>
+                <a:latin typeface="+mn-lt"/>
+                <a:ea typeface="+mn-ea"/>
+                <a:cs typeface="+mn-cs"/>
+              </a:defRPr>
+            </a:lvl9pPr>
+          </a:lstStyle>
+          <a:p>
+            <a:pPr marL="0" indent="0">
+              <a:buFont typeface="Arial" panose="020B0604020202020204" pitchFamily="34" charset="0"/>
+              <a:buNone/>
+            </a:pPr>
+            <a:r>
+              <a:rPr lang="en-US" altLang="ko-KR" sz="1800" dirty="0" smtClean="0"/>
+              <a:t>*</a:t>
+            </a:r>
+            <a:r>
+              <a:rPr lang="ko-KR" altLang="en-US" sz="1800" dirty="0" smtClean="0"/>
+              <a:t>로그인 상태</a:t>
+            </a:r>
+            <a:r>
+              <a:rPr lang="en-US" altLang="ko-KR" sz="1800" dirty="0" smtClean="0"/>
+              <a:t>,</a:t>
+            </a:r>
+            <a:r>
+              <a:rPr lang="ko-KR" altLang="en-US" sz="1800" dirty="0" smtClean="0"/>
+              <a:t>변경된 </a:t>
+            </a:r>
+            <a:r>
+              <a:rPr lang="ko-KR" altLang="en-US" sz="1800" dirty="0" err="1" smtClean="0"/>
+              <a:t>메뉴바</a:t>
+            </a:r>
+            <a:endParaRPr lang="ko-KR" altLang="en-US" sz="1800" dirty="0"/>
+          </a:p>
+        </p:txBody>
+      </p:sp>
+      <p:pic>
+        <p:nvPicPr>
+          <p:cNvPr id="3" name="그림 2"/>
+          <p:cNvPicPr>
+            <a:picLocks noChangeAspect="1"/>
+          </p:cNvPicPr>
+          <p:nvPr/>
+        </p:nvPicPr>
+        <p:blipFill>
+          <a:blip r:embed="rId2">
+            <a:extLst>
+              <a:ext uri="{28A0092B-C50C-407E-A947-70E740481C1C}">
+                <a14:useLocalDpi xmlns:a14="http://schemas.microsoft.com/office/drawing/2010/main" val="0"/>
+              </a:ext>
+            </a:extLst>
+          </a:blip>
+          <a:stretch>
+            <a:fillRect/>
+          </a:stretch>
+        </p:blipFill>
+        <p:spPr>
+          <a:xfrm>
+            <a:off x="702733" y="1761183"/>
+            <a:ext cx="6206067" cy="4413203"/>
+          </a:xfrm>
+          <a:prstGeom prst="rect">
+            <a:avLst/>
+          </a:prstGeom>
+          <a:ln>
+            <a:solidFill>
+              <a:schemeClr val="tx1"/>
+            </a:solidFill>
+          </a:ln>
+        </p:spPr>
+      </p:pic>
     </p:spTree>
     <p:extLst>
       <p:ext uri="{BB962C8B-B14F-4D97-AF65-F5344CB8AC3E}">
-        <p14:creationId xmlns:p14="http://schemas.microsoft.com/office/powerpoint/2010/main" val="206751836"/>
+        <p14:creationId xmlns:p14="http://schemas.microsoft.com/office/powerpoint/2010/main" val="2956115447"/>
       </p:ext>
     </p:extLst>
   </p:cSld>
   <p:clrMapOvr>
     <a:masterClrMapping/>
   </p:clrMapOvr>
+  <p:timing>
+    <p:tnLst>
+      <p:par>
+        <p:cTn id="1" dur="indefinite" restart="never" nodeType="tmRoot"/>
+      </p:par>
+    </p:tnLst>
+  </p:timing>
 </p:sld>
 </file>
 
@@ -3136,25 +3403,6 @@
       </p:grpSpPr>
       <p:sp>
         <p:nvSpPr>
-          <p:cNvPr id="2" name="제목 1"/>
-          <p:cNvSpPr>
-            <a:spLocks noGrp="1"/>
-          </p:cNvSpPr>
-          <p:nvPr>
-            <p:ph type="title"/>
-          </p:nvPr>
-        </p:nvSpPr>
-        <p:spPr/>
-        <p:txBody>
-          <a:bodyPr/>
-          <a:lstStyle/>
-          <a:p>
-            <a:endParaRPr lang="ko-KR" altLang="en-US"/>
-          </a:p>
-        </p:txBody>
-      </p:sp>
-      <p:sp>
-        <p:nvSpPr>
           <p:cNvPr id="3" name="내용 개체 틀 2"/>
           <p:cNvSpPr>
             <a:spLocks noGrp="1"/>
@@ -3163,25 +3411,415 @@
             <p:ph idx="1"/>
           </p:nvPr>
         </p:nvSpPr>
-        <p:spPr/>
+        <p:spPr>
+          <a:xfrm>
+            <a:off x="875452" y="267758"/>
+            <a:ext cx="10515600" cy="528109"/>
+          </a:xfrm>
+        </p:spPr>
         <p:txBody>
           <a:bodyPr/>
           <a:lstStyle/>
           <a:p>
-            <a:endParaRPr lang="ko-KR" altLang="en-US"/>
-          </a:p>
-        </p:txBody>
-      </p:sp>
+            <a:pPr marL="0" indent="0">
+              <a:buNone/>
+            </a:pPr>
+            <a:r>
+              <a:rPr lang="en-US" altLang="ko-KR" dirty="0" smtClean="0"/>
+              <a:t>3-2.</a:t>
+            </a:r>
+            <a:r>
+              <a:rPr lang="ko-KR" altLang="en-US" dirty="0" smtClean="0"/>
+              <a:t>로그인 및 회원가입</a:t>
+            </a:r>
+            <a:endParaRPr lang="ko-KR" altLang="en-US" dirty="0"/>
+          </a:p>
+        </p:txBody>
+      </p:sp>
+      <p:sp>
+        <p:nvSpPr>
+          <p:cNvPr id="7" name="내용 개체 틀 2"/>
+          <p:cNvSpPr txBox="1">
+            <a:spLocks/>
+          </p:cNvSpPr>
+          <p:nvPr/>
+        </p:nvSpPr>
+        <p:spPr>
+          <a:xfrm>
+            <a:off x="875452" y="795867"/>
+            <a:ext cx="1119603" cy="369552"/>
+          </a:xfrm>
+          <a:prstGeom prst="rect">
+            <a:avLst/>
+          </a:prstGeom>
+        </p:spPr>
+        <p:txBody>
+          <a:bodyPr vert="horz" lIns="91440" tIns="45720" rIns="91440" bIns="45720" rtlCol="0">
+            <a:normAutofit/>
+          </a:bodyPr>
+          <a:lstStyle>
+            <a:lvl1pPr marL="228600" indent="-228600" algn="l" defTabSz="914400" rtl="0" eaLnBrk="1" latinLnBrk="1" hangingPunct="1">
+              <a:lnSpc>
+                <a:spcPct val="90000"/>
+              </a:lnSpc>
+              <a:spcBef>
+                <a:spcPts val="1000"/>
+              </a:spcBef>
+              <a:buFont typeface="Arial" panose="020B0604020202020204" pitchFamily="34" charset="0"/>
+              <a:buChar char="•"/>
+              <a:defRPr sz="2800" kern="1200">
+                <a:solidFill>
+                  <a:schemeClr val="tx1"/>
+                </a:solidFill>
+                <a:latin typeface="+mn-lt"/>
+                <a:ea typeface="+mn-ea"/>
+                <a:cs typeface="+mn-cs"/>
+              </a:defRPr>
+            </a:lvl1pPr>
+            <a:lvl2pPr marL="685800" indent="-228600" algn="l" defTabSz="914400" rtl="0" eaLnBrk="1" latinLnBrk="1" hangingPunct="1">
+              <a:lnSpc>
+                <a:spcPct val="90000"/>
+              </a:lnSpc>
+              <a:spcBef>
+                <a:spcPts val="500"/>
+              </a:spcBef>
+              <a:buFont typeface="Arial" panose="020B0604020202020204" pitchFamily="34" charset="0"/>
+              <a:buChar char="•"/>
+              <a:defRPr sz="2400" kern="1200">
+                <a:solidFill>
+                  <a:schemeClr val="tx1"/>
+                </a:solidFill>
+                <a:latin typeface="+mn-lt"/>
+                <a:ea typeface="+mn-ea"/>
+                <a:cs typeface="+mn-cs"/>
+              </a:defRPr>
+            </a:lvl2pPr>
+            <a:lvl3pPr marL="1143000" indent="-228600" algn="l" defTabSz="914400" rtl="0" eaLnBrk="1" latinLnBrk="1" hangingPunct="1">
+              <a:lnSpc>
+                <a:spcPct val="90000"/>
+              </a:lnSpc>
+              <a:spcBef>
+                <a:spcPts val="500"/>
+              </a:spcBef>
+              <a:buFont typeface="Arial" panose="020B0604020202020204" pitchFamily="34" charset="0"/>
+              <a:buChar char="•"/>
+              <a:defRPr sz="2000" kern="1200">
+                <a:solidFill>
+                  <a:schemeClr val="tx1"/>
+                </a:solidFill>
+                <a:latin typeface="+mn-lt"/>
+                <a:ea typeface="+mn-ea"/>
+                <a:cs typeface="+mn-cs"/>
+              </a:defRPr>
+            </a:lvl3pPr>
+            <a:lvl4pPr marL="1600200" indent="-228600" algn="l" defTabSz="914400" rtl="0" eaLnBrk="1" latinLnBrk="1" hangingPunct="1">
+              <a:lnSpc>
+                <a:spcPct val="90000"/>
+              </a:lnSpc>
+              <a:spcBef>
+                <a:spcPts val="500"/>
+              </a:spcBef>
+              <a:buFont typeface="Arial" panose="020B0604020202020204" pitchFamily="34" charset="0"/>
+              <a:buChar char="•"/>
+              <a:defRPr sz="1800" kern="1200">
+                <a:solidFill>
+                  <a:schemeClr val="tx1"/>
+                </a:solidFill>
+                <a:latin typeface="+mn-lt"/>
+                <a:ea typeface="+mn-ea"/>
+                <a:cs typeface="+mn-cs"/>
+              </a:defRPr>
+            </a:lvl4pPr>
+            <a:lvl5pPr marL="2057400" indent="-228600" algn="l" defTabSz="914400" rtl="0" eaLnBrk="1" latinLnBrk="1" hangingPunct="1">
+              <a:lnSpc>
+                <a:spcPct val="90000"/>
+              </a:lnSpc>
+              <a:spcBef>
+                <a:spcPts val="500"/>
+              </a:spcBef>
+              <a:buFont typeface="Arial" panose="020B0604020202020204" pitchFamily="34" charset="0"/>
+              <a:buChar char="•"/>
+              <a:defRPr sz="1800" kern="1200">
+                <a:solidFill>
+                  <a:schemeClr val="tx1"/>
+                </a:solidFill>
+                <a:latin typeface="+mn-lt"/>
+                <a:ea typeface="+mn-ea"/>
+                <a:cs typeface="+mn-cs"/>
+              </a:defRPr>
+            </a:lvl5pPr>
+            <a:lvl6pPr marL="2514600" indent="-228600" algn="l" defTabSz="914400" rtl="0" eaLnBrk="1" latinLnBrk="1" hangingPunct="1">
+              <a:lnSpc>
+                <a:spcPct val="90000"/>
+              </a:lnSpc>
+              <a:spcBef>
+                <a:spcPts val="500"/>
+              </a:spcBef>
+              <a:buFont typeface="Arial" panose="020B0604020202020204" pitchFamily="34" charset="0"/>
+              <a:buChar char="•"/>
+              <a:defRPr sz="1800" kern="1200">
+                <a:solidFill>
+                  <a:schemeClr val="tx1"/>
+                </a:solidFill>
+                <a:latin typeface="+mn-lt"/>
+                <a:ea typeface="+mn-ea"/>
+                <a:cs typeface="+mn-cs"/>
+              </a:defRPr>
+            </a:lvl6pPr>
+            <a:lvl7pPr marL="2971800" indent="-228600" algn="l" defTabSz="914400" rtl="0" eaLnBrk="1" latinLnBrk="1" hangingPunct="1">
+              <a:lnSpc>
+                <a:spcPct val="90000"/>
+              </a:lnSpc>
+              <a:spcBef>
+                <a:spcPts val="500"/>
+              </a:spcBef>
+              <a:buFont typeface="Arial" panose="020B0604020202020204" pitchFamily="34" charset="0"/>
+              <a:buChar char="•"/>
+              <a:defRPr sz="1800" kern="1200">
+                <a:solidFill>
+                  <a:schemeClr val="tx1"/>
+                </a:solidFill>
+                <a:latin typeface="+mn-lt"/>
+                <a:ea typeface="+mn-ea"/>
+                <a:cs typeface="+mn-cs"/>
+              </a:defRPr>
+            </a:lvl7pPr>
+            <a:lvl8pPr marL="3429000" indent="-228600" algn="l" defTabSz="914400" rtl="0" eaLnBrk="1" latinLnBrk="1" hangingPunct="1">
+              <a:lnSpc>
+                <a:spcPct val="90000"/>
+              </a:lnSpc>
+              <a:spcBef>
+                <a:spcPts val="500"/>
+              </a:spcBef>
+              <a:buFont typeface="Arial" panose="020B0604020202020204" pitchFamily="34" charset="0"/>
+              <a:buChar char="•"/>
+              <a:defRPr sz="1800" kern="1200">
+                <a:solidFill>
+                  <a:schemeClr val="tx1"/>
+                </a:solidFill>
+                <a:latin typeface="+mn-lt"/>
+                <a:ea typeface="+mn-ea"/>
+                <a:cs typeface="+mn-cs"/>
+              </a:defRPr>
+            </a:lvl8pPr>
+            <a:lvl9pPr marL="3886200" indent="-228600" algn="l" defTabSz="914400" rtl="0" eaLnBrk="1" latinLnBrk="1" hangingPunct="1">
+              <a:lnSpc>
+                <a:spcPct val="90000"/>
+              </a:lnSpc>
+              <a:spcBef>
+                <a:spcPts val="500"/>
+              </a:spcBef>
+              <a:buFont typeface="Arial" panose="020B0604020202020204" pitchFamily="34" charset="0"/>
+              <a:buChar char="•"/>
+              <a:defRPr sz="1800" kern="1200">
+                <a:solidFill>
+                  <a:schemeClr val="tx1"/>
+                </a:solidFill>
+                <a:latin typeface="+mn-lt"/>
+                <a:ea typeface="+mn-ea"/>
+                <a:cs typeface="+mn-cs"/>
+              </a:defRPr>
+            </a:lvl9pPr>
+          </a:lstStyle>
+          <a:p>
+            <a:pPr marL="0" indent="0">
+              <a:buFont typeface="Arial" panose="020B0604020202020204" pitchFamily="34" charset="0"/>
+              <a:buNone/>
+            </a:pPr>
+            <a:r>
+              <a:rPr lang="en-US" altLang="ko-KR" sz="1800" dirty="0" smtClean="0"/>
+              <a:t>*</a:t>
+            </a:r>
+            <a:r>
+              <a:rPr lang="ko-KR" altLang="en-US" sz="1800" dirty="0" smtClean="0"/>
+              <a:t>로그인</a:t>
+            </a:r>
+            <a:endParaRPr lang="ko-KR" altLang="en-US" sz="1800" dirty="0"/>
+          </a:p>
+        </p:txBody>
+      </p:sp>
+      <p:sp>
+        <p:nvSpPr>
+          <p:cNvPr id="9" name="TextBox 8"/>
+          <p:cNvSpPr txBox="1"/>
+          <p:nvPr/>
+        </p:nvSpPr>
+        <p:spPr>
+          <a:xfrm>
+            <a:off x="6937585" y="1323976"/>
+            <a:ext cx="4453467" cy="1477328"/>
+          </a:xfrm>
+          <a:prstGeom prst="rect">
+            <a:avLst/>
+          </a:prstGeom>
+          <a:noFill/>
+        </p:spPr>
+        <p:txBody>
+          <a:bodyPr wrap="square" rtlCol="0">
+            <a:spAutoFit/>
+          </a:bodyPr>
+          <a:lstStyle/>
+          <a:p>
+            <a:r>
+              <a:rPr lang="ko-KR" altLang="en-US" dirty="0" smtClean="0"/>
+              <a:t>로그인 화면으로 아이디 </a:t>
+            </a:r>
+            <a:r>
+              <a:rPr lang="en-US" altLang="ko-KR" dirty="0" smtClean="0"/>
+              <a:t>/ </a:t>
+            </a:r>
+            <a:r>
+              <a:rPr lang="ko-KR" altLang="en-US" dirty="0" smtClean="0"/>
+              <a:t>비밀번호 </a:t>
+            </a:r>
+            <a:r>
+              <a:rPr lang="ko-KR" altLang="en-US" dirty="0" err="1" smtClean="0"/>
+              <a:t>입력후에</a:t>
+            </a:r>
+            <a:r>
+              <a:rPr lang="en-US" altLang="ko-KR" dirty="0" smtClean="0"/>
+              <a:t> </a:t>
+            </a:r>
+            <a:r>
+              <a:rPr lang="ko-KR" altLang="en-US" dirty="0" smtClean="0"/>
+              <a:t>로그인</a:t>
+            </a:r>
+            <a:r>
+              <a:rPr lang="en-US" altLang="ko-KR" dirty="0" smtClean="0"/>
+              <a:t>box</a:t>
+            </a:r>
+            <a:r>
+              <a:rPr lang="ko-KR" altLang="en-US" dirty="0" smtClean="0"/>
+              <a:t>를 누르게 되면</a:t>
+            </a:r>
+            <a:r>
+              <a:rPr lang="en-US" altLang="ko-KR" dirty="0" smtClean="0"/>
+              <a:t>, </a:t>
+            </a:r>
+            <a:r>
+              <a:rPr lang="ko-KR" altLang="en-US" dirty="0" err="1" smtClean="0"/>
+              <a:t>홈화면으로</a:t>
+            </a:r>
+            <a:r>
+              <a:rPr lang="ko-KR" altLang="en-US" dirty="0" smtClean="0"/>
+              <a:t> 넘어감</a:t>
+            </a:r>
+            <a:r>
+              <a:rPr lang="en-US" altLang="ko-KR" dirty="0" smtClean="0"/>
+              <a:t>.</a:t>
+            </a:r>
+          </a:p>
+          <a:p>
+            <a:r>
+              <a:rPr lang="ko-KR" altLang="en-US" dirty="0" smtClean="0"/>
+              <a:t>회원가입</a:t>
+            </a:r>
+            <a:r>
+              <a:rPr lang="en-US" altLang="ko-KR" dirty="0" smtClean="0"/>
+              <a:t>box</a:t>
+            </a:r>
+            <a:r>
+              <a:rPr lang="ko-KR" altLang="en-US" dirty="0" smtClean="0"/>
+              <a:t>를 누를 시</a:t>
+            </a:r>
+            <a:r>
+              <a:rPr lang="en-US" altLang="ko-KR" dirty="0" smtClean="0"/>
+              <a:t>,</a:t>
+            </a:r>
+            <a:r>
+              <a:rPr lang="ko-KR" altLang="en-US" dirty="0" smtClean="0"/>
+              <a:t>회원가입 페이지로 넘어감</a:t>
+            </a:r>
+            <a:r>
+              <a:rPr lang="en-US" altLang="ko-KR" dirty="0" smtClean="0"/>
+              <a:t>. </a:t>
+            </a:r>
+            <a:endParaRPr lang="en-US" altLang="ko-KR" dirty="0"/>
+          </a:p>
+        </p:txBody>
+      </p:sp>
+      <p:sp>
+        <p:nvSpPr>
+          <p:cNvPr id="10" name="TextBox 9"/>
+          <p:cNvSpPr txBox="1"/>
+          <p:nvPr/>
+        </p:nvSpPr>
+        <p:spPr>
+          <a:xfrm>
+            <a:off x="6937585" y="3921712"/>
+            <a:ext cx="4978400" cy="369332"/>
+          </a:xfrm>
+          <a:prstGeom prst="rect">
+            <a:avLst/>
+          </a:prstGeom>
+          <a:noFill/>
+        </p:spPr>
+        <p:txBody>
+          <a:bodyPr wrap="square" rtlCol="0">
+            <a:spAutoFit/>
+          </a:bodyPr>
+          <a:lstStyle/>
+          <a:p>
+            <a:r>
+              <a:rPr lang="en-US" altLang="ko-KR" dirty="0" smtClean="0"/>
+              <a:t>API : localhost/login</a:t>
+            </a:r>
+            <a:endParaRPr lang="ko-KR" altLang="en-US" dirty="0"/>
+          </a:p>
+        </p:txBody>
+      </p:sp>
+      <p:pic>
+        <p:nvPicPr>
+          <p:cNvPr id="2" name="그림 1"/>
+          <p:cNvPicPr>
+            <a:picLocks noChangeAspect="1"/>
+          </p:cNvPicPr>
+          <p:nvPr/>
+        </p:nvPicPr>
+        <p:blipFill>
+          <a:blip r:embed="rId2">
+            <a:extLst>
+              <a:ext uri="{28A0092B-C50C-407E-A947-70E740481C1C}">
+                <a14:useLocalDpi xmlns:a14="http://schemas.microsoft.com/office/drawing/2010/main" val="0"/>
+              </a:ext>
+            </a:extLst>
+          </a:blip>
+          <a:stretch>
+            <a:fillRect/>
+          </a:stretch>
+        </p:blipFill>
+        <p:spPr>
+          <a:xfrm>
+            <a:off x="875452" y="1323976"/>
+            <a:ext cx="6062133" cy="4310850"/>
+          </a:xfrm>
+          <a:prstGeom prst="rect">
+            <a:avLst/>
+          </a:prstGeom>
+          <a:ln>
+            <a:solidFill>
+              <a:schemeClr val="tx1"/>
+            </a:solidFill>
+          </a:ln>
+        </p:spPr>
+      </p:pic>
     </p:spTree>
     <p:extLst>
       <p:ext uri="{BB962C8B-B14F-4D97-AF65-F5344CB8AC3E}">
-        <p14:creationId xmlns:p14="http://schemas.microsoft.com/office/powerpoint/2010/main" val="1464714069"/>
+        <p14:creationId xmlns:p14="http://schemas.microsoft.com/office/powerpoint/2010/main" val="3484782310"/>
       </p:ext>
     </p:extLst>
   </p:cSld>
   <p:clrMapOvr>
     <a:masterClrMapping/>
   </p:clrMapOvr>
+  <p:timing>
+    <p:tnLst>
+      <p:par>
+        <p:cTn id="1" dur="indefinite" restart="never" nodeType="tmRoot"/>
+      </p:par>
+    </p:tnLst>
+  </p:timing>
 </p:sld>
 </file>
 
@@ -3212,44 +3850,438 @@
             <p:ph type="title"/>
           </p:nvPr>
         </p:nvSpPr>
-        <p:spPr/>
-        <p:txBody>
-          <a:bodyPr/>
+        <p:spPr>
+          <a:xfrm>
+            <a:off x="838200" y="365125"/>
+            <a:ext cx="10515600" cy="549275"/>
+          </a:xfrm>
+        </p:spPr>
+        <p:txBody>
+          <a:bodyPr>
+            <a:normAutofit/>
+          </a:bodyPr>
           <a:lstStyle/>
           <a:p>
-            <a:endParaRPr lang="ko-KR" altLang="en-US"/>
-          </a:p>
-        </p:txBody>
-      </p:sp>
-      <p:sp>
-        <p:nvSpPr>
-          <p:cNvPr id="3" name="내용 개체 틀 2"/>
-          <p:cNvSpPr>
-            <a:spLocks noGrp="1"/>
+            <a:r>
+              <a:rPr lang="en-US" altLang="ko-KR" sz="2800" dirty="0"/>
+              <a:t>3-2.</a:t>
+            </a:r>
+            <a:r>
+              <a:rPr lang="ko-KR" altLang="en-US" sz="2800" dirty="0"/>
+              <a:t>로그인 및 회원가입</a:t>
+            </a:r>
+          </a:p>
+        </p:txBody>
+      </p:sp>
+      <p:sp>
+        <p:nvSpPr>
+          <p:cNvPr id="4" name="내용 개체 틀 2"/>
+          <p:cNvSpPr txBox="1">
+            <a:spLocks/>
           </p:cNvSpPr>
-          <p:nvPr>
-            <p:ph idx="1"/>
-          </p:nvPr>
-        </p:nvSpPr>
-        <p:spPr/>
-        <p:txBody>
-          <a:bodyPr/>
+          <p:nvPr/>
+        </p:nvSpPr>
+        <p:spPr>
+          <a:xfrm>
+            <a:off x="838200" y="1465337"/>
+            <a:ext cx="1235827" cy="369552"/>
+          </a:xfrm>
+          <a:prstGeom prst="rect">
+            <a:avLst/>
+          </a:prstGeom>
+        </p:spPr>
+        <p:txBody>
+          <a:bodyPr vert="horz" lIns="91440" tIns="45720" rIns="91440" bIns="45720" rtlCol="0">
+            <a:normAutofit/>
+          </a:bodyPr>
+          <a:lstStyle>
+            <a:lvl1pPr marL="228600" indent="-228600" algn="l" defTabSz="914400" rtl="0" eaLnBrk="1" latinLnBrk="1" hangingPunct="1">
+              <a:lnSpc>
+                <a:spcPct val="90000"/>
+              </a:lnSpc>
+              <a:spcBef>
+                <a:spcPts val="1000"/>
+              </a:spcBef>
+              <a:buFont typeface="Arial" panose="020B0604020202020204" pitchFamily="34" charset="0"/>
+              <a:buChar char="•"/>
+              <a:defRPr sz="2800" kern="1200">
+                <a:solidFill>
+                  <a:schemeClr val="tx1"/>
+                </a:solidFill>
+                <a:latin typeface="+mn-lt"/>
+                <a:ea typeface="+mn-ea"/>
+                <a:cs typeface="+mn-cs"/>
+              </a:defRPr>
+            </a:lvl1pPr>
+            <a:lvl2pPr marL="685800" indent="-228600" algn="l" defTabSz="914400" rtl="0" eaLnBrk="1" latinLnBrk="1" hangingPunct="1">
+              <a:lnSpc>
+                <a:spcPct val="90000"/>
+              </a:lnSpc>
+              <a:spcBef>
+                <a:spcPts val="500"/>
+              </a:spcBef>
+              <a:buFont typeface="Arial" panose="020B0604020202020204" pitchFamily="34" charset="0"/>
+              <a:buChar char="•"/>
+              <a:defRPr sz="2400" kern="1200">
+                <a:solidFill>
+                  <a:schemeClr val="tx1"/>
+                </a:solidFill>
+                <a:latin typeface="+mn-lt"/>
+                <a:ea typeface="+mn-ea"/>
+                <a:cs typeface="+mn-cs"/>
+              </a:defRPr>
+            </a:lvl2pPr>
+            <a:lvl3pPr marL="1143000" indent="-228600" algn="l" defTabSz="914400" rtl="0" eaLnBrk="1" latinLnBrk="1" hangingPunct="1">
+              <a:lnSpc>
+                <a:spcPct val="90000"/>
+              </a:lnSpc>
+              <a:spcBef>
+                <a:spcPts val="500"/>
+              </a:spcBef>
+              <a:buFont typeface="Arial" panose="020B0604020202020204" pitchFamily="34" charset="0"/>
+              <a:buChar char="•"/>
+              <a:defRPr sz="2000" kern="1200">
+                <a:solidFill>
+                  <a:schemeClr val="tx1"/>
+                </a:solidFill>
+                <a:latin typeface="+mn-lt"/>
+                <a:ea typeface="+mn-ea"/>
+                <a:cs typeface="+mn-cs"/>
+              </a:defRPr>
+            </a:lvl3pPr>
+            <a:lvl4pPr marL="1600200" indent="-228600" algn="l" defTabSz="914400" rtl="0" eaLnBrk="1" latinLnBrk="1" hangingPunct="1">
+              <a:lnSpc>
+                <a:spcPct val="90000"/>
+              </a:lnSpc>
+              <a:spcBef>
+                <a:spcPts val="500"/>
+              </a:spcBef>
+              <a:buFont typeface="Arial" panose="020B0604020202020204" pitchFamily="34" charset="0"/>
+              <a:buChar char="•"/>
+              <a:defRPr sz="1800" kern="1200">
+                <a:solidFill>
+                  <a:schemeClr val="tx1"/>
+                </a:solidFill>
+                <a:latin typeface="+mn-lt"/>
+                <a:ea typeface="+mn-ea"/>
+                <a:cs typeface="+mn-cs"/>
+              </a:defRPr>
+            </a:lvl4pPr>
+            <a:lvl5pPr marL="2057400" indent="-228600" algn="l" defTabSz="914400" rtl="0" eaLnBrk="1" latinLnBrk="1" hangingPunct="1">
+              <a:lnSpc>
+                <a:spcPct val="90000"/>
+              </a:lnSpc>
+              <a:spcBef>
+                <a:spcPts val="500"/>
+              </a:spcBef>
+              <a:buFont typeface="Arial" panose="020B0604020202020204" pitchFamily="34" charset="0"/>
+              <a:buChar char="•"/>
+              <a:defRPr sz="1800" kern="1200">
+                <a:solidFill>
+                  <a:schemeClr val="tx1"/>
+                </a:solidFill>
+                <a:latin typeface="+mn-lt"/>
+                <a:ea typeface="+mn-ea"/>
+                <a:cs typeface="+mn-cs"/>
+              </a:defRPr>
+            </a:lvl5pPr>
+            <a:lvl6pPr marL="2514600" indent="-228600" algn="l" defTabSz="914400" rtl="0" eaLnBrk="1" latinLnBrk="1" hangingPunct="1">
+              <a:lnSpc>
+                <a:spcPct val="90000"/>
+              </a:lnSpc>
+              <a:spcBef>
+                <a:spcPts val="500"/>
+              </a:spcBef>
+              <a:buFont typeface="Arial" panose="020B0604020202020204" pitchFamily="34" charset="0"/>
+              <a:buChar char="•"/>
+              <a:defRPr sz="1800" kern="1200">
+                <a:solidFill>
+                  <a:schemeClr val="tx1"/>
+                </a:solidFill>
+                <a:latin typeface="+mn-lt"/>
+                <a:ea typeface="+mn-ea"/>
+                <a:cs typeface="+mn-cs"/>
+              </a:defRPr>
+            </a:lvl6pPr>
+            <a:lvl7pPr marL="2971800" indent="-228600" algn="l" defTabSz="914400" rtl="0" eaLnBrk="1" latinLnBrk="1" hangingPunct="1">
+              <a:lnSpc>
+                <a:spcPct val="90000"/>
+              </a:lnSpc>
+              <a:spcBef>
+                <a:spcPts val="500"/>
+              </a:spcBef>
+              <a:buFont typeface="Arial" panose="020B0604020202020204" pitchFamily="34" charset="0"/>
+              <a:buChar char="•"/>
+              <a:defRPr sz="1800" kern="1200">
+                <a:solidFill>
+                  <a:schemeClr val="tx1"/>
+                </a:solidFill>
+                <a:latin typeface="+mn-lt"/>
+                <a:ea typeface="+mn-ea"/>
+                <a:cs typeface="+mn-cs"/>
+              </a:defRPr>
+            </a:lvl7pPr>
+            <a:lvl8pPr marL="3429000" indent="-228600" algn="l" defTabSz="914400" rtl="0" eaLnBrk="1" latinLnBrk="1" hangingPunct="1">
+              <a:lnSpc>
+                <a:spcPct val="90000"/>
+              </a:lnSpc>
+              <a:spcBef>
+                <a:spcPts val="500"/>
+              </a:spcBef>
+              <a:buFont typeface="Arial" panose="020B0604020202020204" pitchFamily="34" charset="0"/>
+              <a:buChar char="•"/>
+              <a:defRPr sz="1800" kern="1200">
+                <a:solidFill>
+                  <a:schemeClr val="tx1"/>
+                </a:solidFill>
+                <a:latin typeface="+mn-lt"/>
+                <a:ea typeface="+mn-ea"/>
+                <a:cs typeface="+mn-cs"/>
+              </a:defRPr>
+            </a:lvl8pPr>
+            <a:lvl9pPr marL="3886200" indent="-228600" algn="l" defTabSz="914400" rtl="0" eaLnBrk="1" latinLnBrk="1" hangingPunct="1">
+              <a:lnSpc>
+                <a:spcPct val="90000"/>
+              </a:lnSpc>
+              <a:spcBef>
+                <a:spcPts val="500"/>
+              </a:spcBef>
+              <a:buFont typeface="Arial" panose="020B0604020202020204" pitchFamily="34" charset="0"/>
+              <a:buChar char="•"/>
+              <a:defRPr sz="1800" kern="1200">
+                <a:solidFill>
+                  <a:schemeClr val="tx1"/>
+                </a:solidFill>
+                <a:latin typeface="+mn-lt"/>
+                <a:ea typeface="+mn-ea"/>
+                <a:cs typeface="+mn-cs"/>
+              </a:defRPr>
+            </a:lvl9pPr>
+          </a:lstStyle>
+          <a:p>
+            <a:pPr marL="0" indent="0">
+              <a:buFont typeface="Arial" panose="020B0604020202020204" pitchFamily="34" charset="0"/>
+              <a:buNone/>
+            </a:pPr>
+            <a:r>
+              <a:rPr lang="en-US" altLang="ko-KR" sz="1800" dirty="0" smtClean="0"/>
+              <a:t>*</a:t>
+            </a:r>
+            <a:r>
+              <a:rPr lang="ko-KR" altLang="en-US" sz="1800" dirty="0" smtClean="0"/>
+              <a:t>회원가입</a:t>
+            </a:r>
+            <a:endParaRPr lang="ko-KR" altLang="en-US" sz="1800" dirty="0"/>
+          </a:p>
+        </p:txBody>
+      </p:sp>
+      <p:sp>
+        <p:nvSpPr>
+          <p:cNvPr id="6" name="TextBox 5"/>
+          <p:cNvSpPr txBox="1"/>
+          <p:nvPr/>
+        </p:nvSpPr>
+        <p:spPr>
+          <a:xfrm>
+            <a:off x="6838485" y="2118952"/>
+            <a:ext cx="4453467" cy="2308324"/>
+          </a:xfrm>
+          <a:prstGeom prst="rect">
+            <a:avLst/>
+          </a:prstGeom>
+          <a:noFill/>
+        </p:spPr>
+        <p:txBody>
+          <a:bodyPr wrap="square" rtlCol="0">
+            <a:spAutoFit/>
+          </a:bodyPr>
           <a:lstStyle/>
           <a:p>
-            <a:endParaRPr lang="ko-KR" altLang="en-US"/>
-          </a:p>
-        </p:txBody>
-      </p:sp>
+            <a:r>
+              <a:rPr lang="ko-KR" altLang="en-US" dirty="0" smtClean="0"/>
+              <a:t>회원가입 페이지로</a:t>
+            </a:r>
+            <a:r>
+              <a:rPr lang="en-US" altLang="ko-KR" dirty="0" smtClean="0"/>
+              <a:t>,</a:t>
+            </a:r>
+            <a:r>
+              <a:rPr lang="ko-KR" altLang="en-US" dirty="0" smtClean="0"/>
+              <a:t>필수입력정보중에 하나라도 입력하지 않거나</a:t>
+            </a:r>
+            <a:r>
+              <a:rPr lang="en-US" altLang="ko-KR" dirty="0" smtClean="0"/>
+              <a:t>, </a:t>
+            </a:r>
+            <a:r>
+              <a:rPr lang="ko-KR" altLang="en-US" dirty="0" smtClean="0"/>
+              <a:t>약관에 있는 필수 체크박스를 체크하지 않고</a:t>
+            </a:r>
+            <a:r>
+              <a:rPr lang="en-US" altLang="ko-KR" dirty="0" smtClean="0"/>
+              <a:t>, </a:t>
+            </a:r>
+            <a:r>
+              <a:rPr lang="ko-KR" altLang="en-US" dirty="0" smtClean="0"/>
+              <a:t>회원가입</a:t>
+            </a:r>
+            <a:r>
+              <a:rPr lang="en-US" altLang="ko-KR" dirty="0" smtClean="0"/>
+              <a:t>Box</a:t>
+            </a:r>
+            <a:r>
+              <a:rPr lang="ko-KR" altLang="en-US" dirty="0" smtClean="0"/>
+              <a:t>를 누르면 </a:t>
+            </a:r>
+            <a:r>
+              <a:rPr lang="en-US" altLang="ko-KR" dirty="0" smtClean="0"/>
+              <a:t>Art</a:t>
+            </a:r>
+            <a:r>
+              <a:rPr lang="ko-KR" altLang="en-US" dirty="0" smtClean="0"/>
+              <a:t>키로 입력하라고 알림</a:t>
+            </a:r>
+            <a:r>
+              <a:rPr lang="en-US" altLang="ko-KR" dirty="0" smtClean="0"/>
+              <a:t>.</a:t>
+            </a:r>
+            <a:r>
+              <a:rPr lang="ko-KR" altLang="en-US" dirty="0" smtClean="0"/>
+              <a:t>또한</a:t>
+            </a:r>
+            <a:r>
+              <a:rPr lang="en-US" altLang="ko-KR" dirty="0" smtClean="0"/>
+              <a:t>,</a:t>
+            </a:r>
+            <a:r>
+              <a:rPr lang="ko-KR" altLang="en-US" dirty="0" smtClean="0"/>
+              <a:t>아이디 및 이메일은 옆에 있는 </a:t>
+            </a:r>
+            <a:r>
+              <a:rPr lang="ko-KR" altLang="en-US" dirty="0" err="1" smtClean="0"/>
+              <a:t>중복검사를</a:t>
+            </a:r>
+            <a:r>
+              <a:rPr lang="ko-KR" altLang="en-US" dirty="0"/>
+              <a:t> </a:t>
+            </a:r>
+            <a:r>
+              <a:rPr lang="ko-KR" altLang="en-US" dirty="0" smtClean="0"/>
+              <a:t>무조건 클릭해야한다</a:t>
+            </a:r>
+            <a:r>
+              <a:rPr lang="en-US" altLang="ko-KR" dirty="0" smtClean="0"/>
+              <a:t>.</a:t>
+            </a:r>
+            <a:r>
+              <a:rPr lang="ko-KR" altLang="en-US" dirty="0" err="1" smtClean="0"/>
+              <a:t>필수사항을</a:t>
+            </a:r>
+            <a:r>
+              <a:rPr lang="ko-KR" altLang="en-US" dirty="0" smtClean="0"/>
+              <a:t> 모두 입력하고 회원가입을 눌러서 성공하면</a:t>
+            </a:r>
+            <a:r>
+              <a:rPr lang="en-US" altLang="ko-KR" dirty="0" smtClean="0"/>
+              <a:t>,</a:t>
+            </a:r>
+            <a:r>
+              <a:rPr lang="ko-KR" altLang="en-US" dirty="0" err="1" smtClean="0"/>
+              <a:t>홈화면으로</a:t>
+            </a:r>
+            <a:r>
+              <a:rPr lang="ko-KR" altLang="en-US" dirty="0" smtClean="0"/>
+              <a:t> 이동함</a:t>
+            </a:r>
+            <a:r>
+              <a:rPr lang="en-US" altLang="ko-KR" dirty="0" smtClean="0"/>
+              <a:t>.</a:t>
+            </a:r>
+          </a:p>
+        </p:txBody>
+      </p:sp>
+      <p:sp>
+        <p:nvSpPr>
+          <p:cNvPr id="7" name="TextBox 6"/>
+          <p:cNvSpPr txBox="1"/>
+          <p:nvPr/>
+        </p:nvSpPr>
+        <p:spPr>
+          <a:xfrm>
+            <a:off x="6838485" y="5631828"/>
+            <a:ext cx="4515315" cy="369332"/>
+          </a:xfrm>
+          <a:prstGeom prst="rect">
+            <a:avLst/>
+          </a:prstGeom>
+          <a:noFill/>
+        </p:spPr>
+        <p:txBody>
+          <a:bodyPr wrap="square" rtlCol="0">
+            <a:spAutoFit/>
+          </a:bodyPr>
+          <a:lstStyle/>
+          <a:p>
+            <a:r>
+              <a:rPr lang="en-US" altLang="ko-KR" dirty="0" smtClean="0"/>
+              <a:t>API : localhost/membership</a:t>
+            </a:r>
+            <a:endParaRPr lang="ko-KR" altLang="en-US" dirty="0"/>
+          </a:p>
+        </p:txBody>
+      </p:sp>
+      <p:pic>
+        <p:nvPicPr>
+          <p:cNvPr id="3" name="그림 2"/>
+          <p:cNvPicPr>
+            <a:picLocks noChangeAspect="1"/>
+          </p:cNvPicPr>
+          <p:nvPr/>
+        </p:nvPicPr>
+        <p:blipFill>
+          <a:blip r:embed="rId2" cstate="print">
+            <a:extLst>
+              <a:ext uri="{28A0092B-C50C-407E-A947-70E740481C1C}">
+                <a14:useLocalDpi xmlns:a14="http://schemas.microsoft.com/office/drawing/2010/main" val="0"/>
+              </a:ext>
+            </a:extLst>
+          </a:blip>
+          <a:stretch>
+            <a:fillRect/>
+          </a:stretch>
+        </p:blipFill>
+        <p:spPr>
+          <a:xfrm>
+            <a:off x="838200" y="2118951"/>
+            <a:ext cx="5715000" cy="4063999"/>
+          </a:xfrm>
+          <a:prstGeom prst="rect">
+            <a:avLst/>
+          </a:prstGeom>
+          <a:ln>
+            <a:solidFill>
+              <a:schemeClr val="tx1"/>
+            </a:solidFill>
+          </a:ln>
+        </p:spPr>
+      </p:pic>
     </p:spTree>
     <p:extLst>
       <p:ext uri="{BB962C8B-B14F-4D97-AF65-F5344CB8AC3E}">
-        <p14:creationId xmlns:p14="http://schemas.microsoft.com/office/powerpoint/2010/main" val="4225814619"/>
+        <p14:creationId xmlns:p14="http://schemas.microsoft.com/office/powerpoint/2010/main" val="206751836"/>
       </p:ext>
     </p:extLst>
   </p:cSld>
   <p:clrMapOvr>
     <a:masterClrMapping/>
   </p:clrMapOvr>
+  <p:timing>
+    <p:tnLst>
+      <p:par>
+        <p:cTn id="1" dur="indefinite" restart="never" nodeType="tmRoot"/>
+      </p:par>
+    </p:tnLst>
+  </p:timing>
 </p:sld>
 </file>
 
@@ -3280,44 +4312,3510 @@
             <p:ph type="title"/>
           </p:nvPr>
         </p:nvSpPr>
-        <p:spPr/>
-        <p:txBody>
-          <a:bodyPr/>
+        <p:spPr>
+          <a:xfrm>
+            <a:off x="838200" y="390698"/>
+            <a:ext cx="10515600" cy="693161"/>
+          </a:xfrm>
+        </p:spPr>
+        <p:txBody>
+          <a:bodyPr>
+            <a:normAutofit/>
+          </a:bodyPr>
           <a:lstStyle/>
           <a:p>
-            <a:endParaRPr lang="ko-KR" altLang="en-US"/>
-          </a:p>
-        </p:txBody>
-      </p:sp>
-      <p:sp>
-        <p:nvSpPr>
-          <p:cNvPr id="3" name="내용 개체 틀 2"/>
-          <p:cNvSpPr>
-            <a:spLocks noGrp="1"/>
+            <a:r>
+              <a:rPr lang="en-US" altLang="ko-KR" sz="2800" dirty="0" smtClean="0"/>
+              <a:t>3-3.</a:t>
+            </a:r>
+            <a:r>
+              <a:rPr lang="ko-KR" altLang="en-US" sz="2800" dirty="0" smtClean="0"/>
+              <a:t>공지사항</a:t>
+            </a:r>
+            <a:endParaRPr lang="ko-KR" altLang="en-US" sz="2800" dirty="0"/>
+          </a:p>
+        </p:txBody>
+      </p:sp>
+      <p:sp>
+        <p:nvSpPr>
+          <p:cNvPr id="7" name="내용 개체 틀 2"/>
+          <p:cNvSpPr txBox="1">
+            <a:spLocks/>
           </p:cNvSpPr>
-          <p:nvPr>
-            <p:ph idx="1"/>
-          </p:nvPr>
-        </p:nvSpPr>
-        <p:spPr/>
-        <p:txBody>
-          <a:bodyPr/>
+          <p:nvPr/>
+        </p:nvSpPr>
+        <p:spPr>
+          <a:xfrm>
+            <a:off x="836812" y="1076804"/>
+            <a:ext cx="1235827" cy="369552"/>
+          </a:xfrm>
+          <a:prstGeom prst="rect">
+            <a:avLst/>
+          </a:prstGeom>
+        </p:spPr>
+        <p:txBody>
+          <a:bodyPr vert="horz" lIns="91440" tIns="45720" rIns="91440" bIns="45720" rtlCol="0">
+            <a:normAutofit/>
+          </a:bodyPr>
+          <a:lstStyle>
+            <a:lvl1pPr marL="228600" indent="-228600" algn="l" defTabSz="914400" rtl="0" eaLnBrk="1" latinLnBrk="1" hangingPunct="1">
+              <a:lnSpc>
+                <a:spcPct val="90000"/>
+              </a:lnSpc>
+              <a:spcBef>
+                <a:spcPts val="1000"/>
+              </a:spcBef>
+              <a:buFont typeface="Arial" panose="020B0604020202020204" pitchFamily="34" charset="0"/>
+              <a:buChar char="•"/>
+              <a:defRPr sz="2800" kern="1200">
+                <a:solidFill>
+                  <a:schemeClr val="tx1"/>
+                </a:solidFill>
+                <a:latin typeface="+mn-lt"/>
+                <a:ea typeface="+mn-ea"/>
+                <a:cs typeface="+mn-cs"/>
+              </a:defRPr>
+            </a:lvl1pPr>
+            <a:lvl2pPr marL="685800" indent="-228600" algn="l" defTabSz="914400" rtl="0" eaLnBrk="1" latinLnBrk="1" hangingPunct="1">
+              <a:lnSpc>
+                <a:spcPct val="90000"/>
+              </a:lnSpc>
+              <a:spcBef>
+                <a:spcPts val="500"/>
+              </a:spcBef>
+              <a:buFont typeface="Arial" panose="020B0604020202020204" pitchFamily="34" charset="0"/>
+              <a:buChar char="•"/>
+              <a:defRPr sz="2400" kern="1200">
+                <a:solidFill>
+                  <a:schemeClr val="tx1"/>
+                </a:solidFill>
+                <a:latin typeface="+mn-lt"/>
+                <a:ea typeface="+mn-ea"/>
+                <a:cs typeface="+mn-cs"/>
+              </a:defRPr>
+            </a:lvl2pPr>
+            <a:lvl3pPr marL="1143000" indent="-228600" algn="l" defTabSz="914400" rtl="0" eaLnBrk="1" latinLnBrk="1" hangingPunct="1">
+              <a:lnSpc>
+                <a:spcPct val="90000"/>
+              </a:lnSpc>
+              <a:spcBef>
+                <a:spcPts val="500"/>
+              </a:spcBef>
+              <a:buFont typeface="Arial" panose="020B0604020202020204" pitchFamily="34" charset="0"/>
+              <a:buChar char="•"/>
+              <a:defRPr sz="2000" kern="1200">
+                <a:solidFill>
+                  <a:schemeClr val="tx1"/>
+                </a:solidFill>
+                <a:latin typeface="+mn-lt"/>
+                <a:ea typeface="+mn-ea"/>
+                <a:cs typeface="+mn-cs"/>
+              </a:defRPr>
+            </a:lvl3pPr>
+            <a:lvl4pPr marL="1600200" indent="-228600" algn="l" defTabSz="914400" rtl="0" eaLnBrk="1" latinLnBrk="1" hangingPunct="1">
+              <a:lnSpc>
+                <a:spcPct val="90000"/>
+              </a:lnSpc>
+              <a:spcBef>
+                <a:spcPts val="500"/>
+              </a:spcBef>
+              <a:buFont typeface="Arial" panose="020B0604020202020204" pitchFamily="34" charset="0"/>
+              <a:buChar char="•"/>
+              <a:defRPr sz="1800" kern="1200">
+                <a:solidFill>
+                  <a:schemeClr val="tx1"/>
+                </a:solidFill>
+                <a:latin typeface="+mn-lt"/>
+                <a:ea typeface="+mn-ea"/>
+                <a:cs typeface="+mn-cs"/>
+              </a:defRPr>
+            </a:lvl4pPr>
+            <a:lvl5pPr marL="2057400" indent="-228600" algn="l" defTabSz="914400" rtl="0" eaLnBrk="1" latinLnBrk="1" hangingPunct="1">
+              <a:lnSpc>
+                <a:spcPct val="90000"/>
+              </a:lnSpc>
+              <a:spcBef>
+                <a:spcPts val="500"/>
+              </a:spcBef>
+              <a:buFont typeface="Arial" panose="020B0604020202020204" pitchFamily="34" charset="0"/>
+              <a:buChar char="•"/>
+              <a:defRPr sz="1800" kern="1200">
+                <a:solidFill>
+                  <a:schemeClr val="tx1"/>
+                </a:solidFill>
+                <a:latin typeface="+mn-lt"/>
+                <a:ea typeface="+mn-ea"/>
+                <a:cs typeface="+mn-cs"/>
+              </a:defRPr>
+            </a:lvl5pPr>
+            <a:lvl6pPr marL="2514600" indent="-228600" algn="l" defTabSz="914400" rtl="0" eaLnBrk="1" latinLnBrk="1" hangingPunct="1">
+              <a:lnSpc>
+                <a:spcPct val="90000"/>
+              </a:lnSpc>
+              <a:spcBef>
+                <a:spcPts val="500"/>
+              </a:spcBef>
+              <a:buFont typeface="Arial" panose="020B0604020202020204" pitchFamily="34" charset="0"/>
+              <a:buChar char="•"/>
+              <a:defRPr sz="1800" kern="1200">
+                <a:solidFill>
+                  <a:schemeClr val="tx1"/>
+                </a:solidFill>
+                <a:latin typeface="+mn-lt"/>
+                <a:ea typeface="+mn-ea"/>
+                <a:cs typeface="+mn-cs"/>
+              </a:defRPr>
+            </a:lvl6pPr>
+            <a:lvl7pPr marL="2971800" indent="-228600" algn="l" defTabSz="914400" rtl="0" eaLnBrk="1" latinLnBrk="1" hangingPunct="1">
+              <a:lnSpc>
+                <a:spcPct val="90000"/>
+              </a:lnSpc>
+              <a:spcBef>
+                <a:spcPts val="500"/>
+              </a:spcBef>
+              <a:buFont typeface="Arial" panose="020B0604020202020204" pitchFamily="34" charset="0"/>
+              <a:buChar char="•"/>
+              <a:defRPr sz="1800" kern="1200">
+                <a:solidFill>
+                  <a:schemeClr val="tx1"/>
+                </a:solidFill>
+                <a:latin typeface="+mn-lt"/>
+                <a:ea typeface="+mn-ea"/>
+                <a:cs typeface="+mn-cs"/>
+              </a:defRPr>
+            </a:lvl7pPr>
+            <a:lvl8pPr marL="3429000" indent="-228600" algn="l" defTabSz="914400" rtl="0" eaLnBrk="1" latinLnBrk="1" hangingPunct="1">
+              <a:lnSpc>
+                <a:spcPct val="90000"/>
+              </a:lnSpc>
+              <a:spcBef>
+                <a:spcPts val="500"/>
+              </a:spcBef>
+              <a:buFont typeface="Arial" panose="020B0604020202020204" pitchFamily="34" charset="0"/>
+              <a:buChar char="•"/>
+              <a:defRPr sz="1800" kern="1200">
+                <a:solidFill>
+                  <a:schemeClr val="tx1"/>
+                </a:solidFill>
+                <a:latin typeface="+mn-lt"/>
+                <a:ea typeface="+mn-ea"/>
+                <a:cs typeface="+mn-cs"/>
+              </a:defRPr>
+            </a:lvl8pPr>
+            <a:lvl9pPr marL="3886200" indent="-228600" algn="l" defTabSz="914400" rtl="0" eaLnBrk="1" latinLnBrk="1" hangingPunct="1">
+              <a:lnSpc>
+                <a:spcPct val="90000"/>
+              </a:lnSpc>
+              <a:spcBef>
+                <a:spcPts val="500"/>
+              </a:spcBef>
+              <a:buFont typeface="Arial" panose="020B0604020202020204" pitchFamily="34" charset="0"/>
+              <a:buChar char="•"/>
+              <a:defRPr sz="1800" kern="1200">
+                <a:solidFill>
+                  <a:schemeClr val="tx1"/>
+                </a:solidFill>
+                <a:latin typeface="+mn-lt"/>
+                <a:ea typeface="+mn-ea"/>
+                <a:cs typeface="+mn-cs"/>
+              </a:defRPr>
+            </a:lvl9pPr>
+          </a:lstStyle>
+          <a:p>
+            <a:pPr marL="0" indent="0">
+              <a:buFont typeface="Arial" panose="020B0604020202020204" pitchFamily="34" charset="0"/>
+              <a:buNone/>
+            </a:pPr>
+            <a:r>
+              <a:rPr lang="en-US" altLang="ko-KR" sz="1800" dirty="0" smtClean="0"/>
+              <a:t>*</a:t>
+            </a:r>
+            <a:r>
+              <a:rPr lang="ko-KR" altLang="en-US" sz="1800" dirty="0" smtClean="0"/>
+              <a:t>공지사항</a:t>
+            </a:r>
+            <a:endParaRPr lang="ko-KR" altLang="en-US" sz="1800" dirty="0"/>
+          </a:p>
+        </p:txBody>
+      </p:sp>
+      <p:sp>
+        <p:nvSpPr>
+          <p:cNvPr id="8" name="내용 개체 틀 2"/>
+          <p:cNvSpPr txBox="1">
+            <a:spLocks/>
+          </p:cNvSpPr>
+          <p:nvPr/>
+        </p:nvSpPr>
+        <p:spPr>
+          <a:xfrm>
+            <a:off x="780010" y="4648079"/>
+            <a:ext cx="1838500" cy="369552"/>
+          </a:xfrm>
+          <a:prstGeom prst="rect">
+            <a:avLst/>
+          </a:prstGeom>
+        </p:spPr>
+        <p:txBody>
+          <a:bodyPr vert="horz" lIns="91440" tIns="45720" rIns="91440" bIns="45720" rtlCol="0">
+            <a:normAutofit/>
+          </a:bodyPr>
+          <a:lstStyle>
+            <a:lvl1pPr marL="228600" indent="-228600" algn="l" defTabSz="914400" rtl="0" eaLnBrk="1" latinLnBrk="1" hangingPunct="1">
+              <a:lnSpc>
+                <a:spcPct val="90000"/>
+              </a:lnSpc>
+              <a:spcBef>
+                <a:spcPts val="1000"/>
+              </a:spcBef>
+              <a:buFont typeface="Arial" panose="020B0604020202020204" pitchFamily="34" charset="0"/>
+              <a:buChar char="•"/>
+              <a:defRPr sz="2800" kern="1200">
+                <a:solidFill>
+                  <a:schemeClr val="tx1"/>
+                </a:solidFill>
+                <a:latin typeface="+mn-lt"/>
+                <a:ea typeface="+mn-ea"/>
+                <a:cs typeface="+mn-cs"/>
+              </a:defRPr>
+            </a:lvl1pPr>
+            <a:lvl2pPr marL="685800" indent="-228600" algn="l" defTabSz="914400" rtl="0" eaLnBrk="1" latinLnBrk="1" hangingPunct="1">
+              <a:lnSpc>
+                <a:spcPct val="90000"/>
+              </a:lnSpc>
+              <a:spcBef>
+                <a:spcPts val="500"/>
+              </a:spcBef>
+              <a:buFont typeface="Arial" panose="020B0604020202020204" pitchFamily="34" charset="0"/>
+              <a:buChar char="•"/>
+              <a:defRPr sz="2400" kern="1200">
+                <a:solidFill>
+                  <a:schemeClr val="tx1"/>
+                </a:solidFill>
+                <a:latin typeface="+mn-lt"/>
+                <a:ea typeface="+mn-ea"/>
+                <a:cs typeface="+mn-cs"/>
+              </a:defRPr>
+            </a:lvl2pPr>
+            <a:lvl3pPr marL="1143000" indent="-228600" algn="l" defTabSz="914400" rtl="0" eaLnBrk="1" latinLnBrk="1" hangingPunct="1">
+              <a:lnSpc>
+                <a:spcPct val="90000"/>
+              </a:lnSpc>
+              <a:spcBef>
+                <a:spcPts val="500"/>
+              </a:spcBef>
+              <a:buFont typeface="Arial" panose="020B0604020202020204" pitchFamily="34" charset="0"/>
+              <a:buChar char="•"/>
+              <a:defRPr sz="2000" kern="1200">
+                <a:solidFill>
+                  <a:schemeClr val="tx1"/>
+                </a:solidFill>
+                <a:latin typeface="+mn-lt"/>
+                <a:ea typeface="+mn-ea"/>
+                <a:cs typeface="+mn-cs"/>
+              </a:defRPr>
+            </a:lvl3pPr>
+            <a:lvl4pPr marL="1600200" indent="-228600" algn="l" defTabSz="914400" rtl="0" eaLnBrk="1" latinLnBrk="1" hangingPunct="1">
+              <a:lnSpc>
+                <a:spcPct val="90000"/>
+              </a:lnSpc>
+              <a:spcBef>
+                <a:spcPts val="500"/>
+              </a:spcBef>
+              <a:buFont typeface="Arial" panose="020B0604020202020204" pitchFamily="34" charset="0"/>
+              <a:buChar char="•"/>
+              <a:defRPr sz="1800" kern="1200">
+                <a:solidFill>
+                  <a:schemeClr val="tx1"/>
+                </a:solidFill>
+                <a:latin typeface="+mn-lt"/>
+                <a:ea typeface="+mn-ea"/>
+                <a:cs typeface="+mn-cs"/>
+              </a:defRPr>
+            </a:lvl4pPr>
+            <a:lvl5pPr marL="2057400" indent="-228600" algn="l" defTabSz="914400" rtl="0" eaLnBrk="1" latinLnBrk="1" hangingPunct="1">
+              <a:lnSpc>
+                <a:spcPct val="90000"/>
+              </a:lnSpc>
+              <a:spcBef>
+                <a:spcPts val="500"/>
+              </a:spcBef>
+              <a:buFont typeface="Arial" panose="020B0604020202020204" pitchFamily="34" charset="0"/>
+              <a:buChar char="•"/>
+              <a:defRPr sz="1800" kern="1200">
+                <a:solidFill>
+                  <a:schemeClr val="tx1"/>
+                </a:solidFill>
+                <a:latin typeface="+mn-lt"/>
+                <a:ea typeface="+mn-ea"/>
+                <a:cs typeface="+mn-cs"/>
+              </a:defRPr>
+            </a:lvl5pPr>
+            <a:lvl6pPr marL="2514600" indent="-228600" algn="l" defTabSz="914400" rtl="0" eaLnBrk="1" latinLnBrk="1" hangingPunct="1">
+              <a:lnSpc>
+                <a:spcPct val="90000"/>
+              </a:lnSpc>
+              <a:spcBef>
+                <a:spcPts val="500"/>
+              </a:spcBef>
+              <a:buFont typeface="Arial" panose="020B0604020202020204" pitchFamily="34" charset="0"/>
+              <a:buChar char="•"/>
+              <a:defRPr sz="1800" kern="1200">
+                <a:solidFill>
+                  <a:schemeClr val="tx1"/>
+                </a:solidFill>
+                <a:latin typeface="+mn-lt"/>
+                <a:ea typeface="+mn-ea"/>
+                <a:cs typeface="+mn-cs"/>
+              </a:defRPr>
+            </a:lvl6pPr>
+            <a:lvl7pPr marL="2971800" indent="-228600" algn="l" defTabSz="914400" rtl="0" eaLnBrk="1" latinLnBrk="1" hangingPunct="1">
+              <a:lnSpc>
+                <a:spcPct val="90000"/>
+              </a:lnSpc>
+              <a:spcBef>
+                <a:spcPts val="500"/>
+              </a:spcBef>
+              <a:buFont typeface="Arial" panose="020B0604020202020204" pitchFamily="34" charset="0"/>
+              <a:buChar char="•"/>
+              <a:defRPr sz="1800" kern="1200">
+                <a:solidFill>
+                  <a:schemeClr val="tx1"/>
+                </a:solidFill>
+                <a:latin typeface="+mn-lt"/>
+                <a:ea typeface="+mn-ea"/>
+                <a:cs typeface="+mn-cs"/>
+              </a:defRPr>
+            </a:lvl7pPr>
+            <a:lvl8pPr marL="3429000" indent="-228600" algn="l" defTabSz="914400" rtl="0" eaLnBrk="1" latinLnBrk="1" hangingPunct="1">
+              <a:lnSpc>
+                <a:spcPct val="90000"/>
+              </a:lnSpc>
+              <a:spcBef>
+                <a:spcPts val="500"/>
+              </a:spcBef>
+              <a:buFont typeface="Arial" panose="020B0604020202020204" pitchFamily="34" charset="0"/>
+              <a:buChar char="•"/>
+              <a:defRPr sz="1800" kern="1200">
+                <a:solidFill>
+                  <a:schemeClr val="tx1"/>
+                </a:solidFill>
+                <a:latin typeface="+mn-lt"/>
+                <a:ea typeface="+mn-ea"/>
+                <a:cs typeface="+mn-cs"/>
+              </a:defRPr>
+            </a:lvl8pPr>
+            <a:lvl9pPr marL="3886200" indent="-228600" algn="l" defTabSz="914400" rtl="0" eaLnBrk="1" latinLnBrk="1" hangingPunct="1">
+              <a:lnSpc>
+                <a:spcPct val="90000"/>
+              </a:lnSpc>
+              <a:spcBef>
+                <a:spcPts val="500"/>
+              </a:spcBef>
+              <a:buFont typeface="Arial" panose="020B0604020202020204" pitchFamily="34" charset="0"/>
+              <a:buChar char="•"/>
+              <a:defRPr sz="1800" kern="1200">
+                <a:solidFill>
+                  <a:schemeClr val="tx1"/>
+                </a:solidFill>
+                <a:latin typeface="+mn-lt"/>
+                <a:ea typeface="+mn-ea"/>
+                <a:cs typeface="+mn-cs"/>
+              </a:defRPr>
+            </a:lvl9pPr>
+          </a:lstStyle>
+          <a:p>
+            <a:pPr marL="0" indent="0">
+              <a:buFont typeface="Arial" panose="020B0604020202020204" pitchFamily="34" charset="0"/>
+              <a:buNone/>
+            </a:pPr>
+            <a:r>
+              <a:rPr lang="en-US" altLang="ko-KR" sz="1800" dirty="0" smtClean="0"/>
+              <a:t>*</a:t>
+            </a:r>
+            <a:r>
+              <a:rPr lang="ko-KR" altLang="en-US" sz="1800" dirty="0" smtClean="0"/>
+              <a:t>공지사항 내용</a:t>
+            </a:r>
+            <a:endParaRPr lang="ko-KR" altLang="en-US" sz="1800" dirty="0"/>
+          </a:p>
+        </p:txBody>
+      </p:sp>
+      <p:sp>
+        <p:nvSpPr>
+          <p:cNvPr id="9" name="TextBox 8"/>
+          <p:cNvSpPr txBox="1"/>
+          <p:nvPr/>
+        </p:nvSpPr>
+        <p:spPr>
+          <a:xfrm>
+            <a:off x="6279377" y="1472639"/>
+            <a:ext cx="5012944" cy="1477328"/>
+          </a:xfrm>
+          <a:prstGeom prst="rect">
+            <a:avLst/>
+          </a:prstGeom>
+          <a:noFill/>
+        </p:spPr>
+        <p:txBody>
+          <a:bodyPr wrap="square" rtlCol="0">
+            <a:spAutoFit/>
+          </a:bodyPr>
           <a:lstStyle/>
           <a:p>
-            <a:endParaRPr lang="ko-KR" altLang="en-US"/>
-          </a:p>
-        </p:txBody>
-      </p:sp>
+            <a:r>
+              <a:rPr lang="ko-KR" altLang="en-US" dirty="0" smtClean="0"/>
+              <a:t>공지사항 페이지</a:t>
+            </a:r>
+            <a:r>
+              <a:rPr lang="en-US" altLang="ko-KR" dirty="0" smtClean="0"/>
+              <a:t>.</a:t>
+            </a:r>
+          </a:p>
+          <a:p>
+            <a:r>
+              <a:rPr lang="ko-KR" altLang="en-US" dirty="0" smtClean="0"/>
+              <a:t>공지사항 리스트는 </a:t>
+            </a:r>
+            <a:r>
+              <a:rPr lang="en-US" altLang="ko-KR" dirty="0" smtClean="0"/>
+              <a:t>10</a:t>
+            </a:r>
+            <a:r>
+              <a:rPr lang="ko-KR" altLang="en-US" dirty="0" smtClean="0"/>
+              <a:t>개씩 </a:t>
+            </a:r>
+            <a:r>
+              <a:rPr lang="ko-KR" altLang="en-US" dirty="0" err="1" smtClean="0"/>
+              <a:t>페이징</a:t>
+            </a:r>
+            <a:r>
+              <a:rPr lang="en-US" altLang="ko-KR" dirty="0" smtClean="0"/>
+              <a:t>.</a:t>
+            </a:r>
+          </a:p>
+          <a:p>
+            <a:r>
+              <a:rPr lang="ko-KR" altLang="en-US" dirty="0" err="1" smtClean="0"/>
+              <a:t>공지번호</a:t>
+            </a:r>
+            <a:r>
+              <a:rPr lang="en-US" altLang="ko-KR" dirty="0" smtClean="0"/>
+              <a:t>,</a:t>
+            </a:r>
+            <a:r>
+              <a:rPr lang="ko-KR" altLang="en-US" dirty="0" smtClean="0"/>
+              <a:t>제목</a:t>
+            </a:r>
+            <a:r>
+              <a:rPr lang="en-US" altLang="ko-KR" dirty="0" smtClean="0"/>
+              <a:t>,</a:t>
+            </a:r>
+            <a:r>
+              <a:rPr lang="ko-KR" altLang="en-US" dirty="0" smtClean="0"/>
+              <a:t>작성자</a:t>
+            </a:r>
+            <a:r>
+              <a:rPr lang="en-US" altLang="ko-KR" dirty="0" smtClean="0"/>
+              <a:t>,</a:t>
+            </a:r>
+            <a:r>
+              <a:rPr lang="ko-KR" altLang="en-US" dirty="0" smtClean="0"/>
+              <a:t>작성일을 볼 수 있음</a:t>
+            </a:r>
+            <a:r>
+              <a:rPr lang="en-US" altLang="ko-KR" dirty="0" smtClean="0"/>
+              <a:t>.</a:t>
+            </a:r>
+          </a:p>
+          <a:p>
+            <a:r>
+              <a:rPr lang="ko-KR" altLang="en-US" dirty="0" smtClean="0"/>
+              <a:t>관리자만 </a:t>
+            </a:r>
+            <a:r>
+              <a:rPr lang="ko-KR" altLang="en-US" dirty="0" err="1" smtClean="0"/>
+              <a:t>작성가능</a:t>
+            </a:r>
+            <a:r>
+              <a:rPr lang="en-US" altLang="ko-KR" dirty="0" smtClean="0"/>
+              <a:t>.</a:t>
+            </a:r>
+          </a:p>
+          <a:p>
+            <a:r>
+              <a:rPr lang="ko-KR" altLang="en-US" dirty="0" smtClean="0"/>
+              <a:t>유저들은 읽기만 가능</a:t>
+            </a:r>
+            <a:r>
+              <a:rPr lang="en-US" altLang="ko-KR" dirty="0" smtClean="0"/>
+              <a:t>.</a:t>
+            </a:r>
+          </a:p>
+        </p:txBody>
+      </p:sp>
+      <p:sp>
+        <p:nvSpPr>
+          <p:cNvPr id="10" name="TextBox 9"/>
+          <p:cNvSpPr txBox="1"/>
+          <p:nvPr/>
+        </p:nvSpPr>
+        <p:spPr>
+          <a:xfrm>
+            <a:off x="6279377" y="5017631"/>
+            <a:ext cx="5183874" cy="1200329"/>
+          </a:xfrm>
+          <a:prstGeom prst="rect">
+            <a:avLst/>
+          </a:prstGeom>
+          <a:noFill/>
+        </p:spPr>
+        <p:txBody>
+          <a:bodyPr wrap="square" rtlCol="0">
+            <a:spAutoFit/>
+          </a:bodyPr>
+          <a:lstStyle/>
+          <a:p>
+            <a:r>
+              <a:rPr lang="ko-KR" altLang="en-US" dirty="0" smtClean="0"/>
+              <a:t>공지사항</a:t>
+            </a:r>
+            <a:r>
+              <a:rPr lang="en-US" altLang="ko-KR" dirty="0" smtClean="0"/>
+              <a:t>-API </a:t>
+            </a:r>
+            <a:r>
+              <a:rPr lang="en-US" altLang="ko-KR" dirty="0"/>
+              <a:t>: </a:t>
+            </a:r>
+            <a:r>
+              <a:rPr lang="en-US" altLang="ko-KR" dirty="0" smtClean="0"/>
+              <a:t>localhost/notification/paging?=page=n</a:t>
+            </a:r>
+          </a:p>
+          <a:p>
+            <a:r>
+              <a:rPr lang="ko-KR" altLang="en-US" dirty="0" smtClean="0"/>
+              <a:t>공지사항 내용</a:t>
+            </a:r>
+            <a:r>
+              <a:rPr lang="en-US" altLang="ko-KR" dirty="0"/>
+              <a:t>-API : </a:t>
+            </a:r>
+            <a:r>
+              <a:rPr lang="en-US" altLang="ko-KR" dirty="0" smtClean="0"/>
+              <a:t>localhost/notification/{id}?page=n</a:t>
+            </a:r>
+            <a:endParaRPr lang="ko-KR" altLang="en-US" dirty="0"/>
+          </a:p>
+        </p:txBody>
+      </p:sp>
+      <p:pic>
+        <p:nvPicPr>
+          <p:cNvPr id="4" name="그림 3"/>
+          <p:cNvPicPr>
+            <a:picLocks noChangeAspect="1"/>
+          </p:cNvPicPr>
+          <p:nvPr/>
+        </p:nvPicPr>
+        <p:blipFill>
+          <a:blip r:embed="rId2" cstate="print">
+            <a:extLst>
+              <a:ext uri="{28A0092B-C50C-407E-A947-70E740481C1C}">
+                <a14:useLocalDpi xmlns:a14="http://schemas.microsoft.com/office/drawing/2010/main" val="0"/>
+              </a:ext>
+            </a:extLst>
+          </a:blip>
+          <a:stretch>
+            <a:fillRect/>
+          </a:stretch>
+        </p:blipFill>
+        <p:spPr>
+          <a:xfrm>
+            <a:off x="836811" y="5017630"/>
+            <a:ext cx="3450047" cy="1200329"/>
+          </a:xfrm>
+          <a:prstGeom prst="rect">
+            <a:avLst/>
+          </a:prstGeom>
+          <a:ln>
+            <a:solidFill>
+              <a:schemeClr val="tx1"/>
+            </a:solidFill>
+          </a:ln>
+        </p:spPr>
+      </p:pic>
+      <p:pic>
+        <p:nvPicPr>
+          <p:cNvPr id="5" name="그림 4"/>
+          <p:cNvPicPr>
+            <a:picLocks noChangeAspect="1"/>
+          </p:cNvPicPr>
+          <p:nvPr/>
+        </p:nvPicPr>
+        <p:blipFill>
+          <a:blip r:embed="rId3" cstate="print">
+            <a:extLst>
+              <a:ext uri="{28A0092B-C50C-407E-A947-70E740481C1C}">
+                <a14:useLocalDpi xmlns:a14="http://schemas.microsoft.com/office/drawing/2010/main" val="0"/>
+              </a:ext>
+            </a:extLst>
+          </a:blip>
+          <a:stretch>
+            <a:fillRect/>
+          </a:stretch>
+        </p:blipFill>
+        <p:spPr>
+          <a:xfrm>
+            <a:off x="836811" y="1580446"/>
+            <a:ext cx="3615532" cy="2571045"/>
+          </a:xfrm>
+          <a:prstGeom prst="rect">
+            <a:avLst/>
+          </a:prstGeom>
+          <a:ln>
+            <a:solidFill>
+              <a:schemeClr val="tx1"/>
+            </a:solidFill>
+          </a:ln>
+        </p:spPr>
+      </p:pic>
     </p:spTree>
     <p:extLst>
       <p:ext uri="{BB962C8B-B14F-4D97-AF65-F5344CB8AC3E}">
-        <p14:creationId xmlns:p14="http://schemas.microsoft.com/office/powerpoint/2010/main" val="3713945632"/>
+        <p14:creationId xmlns:p14="http://schemas.microsoft.com/office/powerpoint/2010/main" val="1464714069"/>
       </p:ext>
     </p:extLst>
   </p:cSld>
   <p:clrMapOvr>
     <a:masterClrMapping/>
   </p:clrMapOvr>
+  <p:timing>
+    <p:tnLst>
+      <p:par>
+        <p:cTn id="1" dur="indefinite" restart="never" nodeType="tmRoot"/>
+      </p:par>
+    </p:tnLst>
+  </p:timing>
+</p:sld>
+</file>
+
+<file path=ppt/slides/slide14.xml><?xml version="1.0" encoding="utf-8"?>
+<p:sld xmlns:a="http://schemas.openxmlformats.org/drawingml/2006/main" xmlns:r="http://schemas.openxmlformats.org/officeDocument/2006/relationships" xmlns:p="http://schemas.openxmlformats.org/presentationml/2006/main">
+  <p:cSld>
+    <p:spTree>
+      <p:nvGrpSpPr>
+        <p:cNvPr id="1" name=""/>
+        <p:cNvGrpSpPr/>
+        <p:nvPr/>
+      </p:nvGrpSpPr>
+      <p:grpSpPr>
+        <a:xfrm>
+          <a:off x="0" y="0"/>
+          <a:ext cx="0" cy="0"/>
+          <a:chOff x="0" y="0"/>
+          <a:chExt cx="0" cy="0"/>
+        </a:xfrm>
+      </p:grpSpPr>
+      <p:sp>
+        <p:nvSpPr>
+          <p:cNvPr id="2" name="제목 1"/>
+          <p:cNvSpPr>
+            <a:spLocks noGrp="1"/>
+          </p:cNvSpPr>
+          <p:nvPr>
+            <p:ph type="title"/>
+          </p:nvPr>
+        </p:nvSpPr>
+        <p:spPr>
+          <a:xfrm>
+            <a:off x="838200" y="390698"/>
+            <a:ext cx="10515600" cy="693161"/>
+          </a:xfrm>
+        </p:spPr>
+        <p:txBody>
+          <a:bodyPr>
+            <a:normAutofit/>
+          </a:bodyPr>
+          <a:lstStyle/>
+          <a:p>
+            <a:r>
+              <a:rPr lang="en-US" altLang="ko-KR" sz="2800" dirty="0" smtClean="0"/>
+              <a:t>3-4.</a:t>
+            </a:r>
+            <a:r>
+              <a:rPr lang="ko-KR" altLang="en-US" sz="2800" dirty="0" err="1" smtClean="0"/>
+              <a:t>강의목록</a:t>
+            </a:r>
+            <a:endParaRPr lang="ko-KR" altLang="en-US" sz="2800" dirty="0"/>
+          </a:p>
+        </p:txBody>
+      </p:sp>
+      <p:sp>
+        <p:nvSpPr>
+          <p:cNvPr id="4" name="TextBox 3"/>
+          <p:cNvSpPr txBox="1"/>
+          <p:nvPr/>
+        </p:nvSpPr>
+        <p:spPr>
+          <a:xfrm>
+            <a:off x="6279377" y="1842191"/>
+            <a:ext cx="5012944" cy="2031325"/>
+          </a:xfrm>
+          <a:prstGeom prst="rect">
+            <a:avLst/>
+          </a:prstGeom>
+          <a:noFill/>
+        </p:spPr>
+        <p:txBody>
+          <a:bodyPr wrap="square" rtlCol="0">
+            <a:spAutoFit/>
+          </a:bodyPr>
+          <a:lstStyle/>
+          <a:p>
+            <a:r>
+              <a:rPr lang="ko-KR" altLang="en-US" dirty="0" err="1" smtClean="0"/>
+              <a:t>강의목록</a:t>
+            </a:r>
+            <a:r>
+              <a:rPr lang="ko-KR" altLang="en-US" dirty="0" smtClean="0"/>
+              <a:t> 페이지</a:t>
+            </a:r>
+            <a:r>
+              <a:rPr lang="en-US" altLang="ko-KR" dirty="0" smtClean="0"/>
+              <a:t>.</a:t>
+            </a:r>
+          </a:p>
+          <a:p>
+            <a:r>
+              <a:rPr lang="ko-KR" altLang="en-US" dirty="0" smtClean="0"/>
+              <a:t>강의 리스트는 </a:t>
+            </a:r>
+            <a:r>
+              <a:rPr lang="ko-KR" altLang="en-US" dirty="0" err="1" smtClean="0"/>
+              <a:t>페이징</a:t>
+            </a:r>
+            <a:r>
+              <a:rPr lang="ko-KR" altLang="en-US" dirty="0" smtClean="0"/>
+              <a:t> </a:t>
+            </a:r>
+            <a:r>
+              <a:rPr lang="en-US" altLang="ko-KR" dirty="0" smtClean="0"/>
+              <a:t>20</a:t>
+            </a:r>
+            <a:r>
+              <a:rPr lang="ko-KR" altLang="en-US" dirty="0" smtClean="0"/>
+              <a:t>개씩</a:t>
+            </a:r>
+            <a:r>
+              <a:rPr lang="en-US" altLang="ko-KR" dirty="0" smtClean="0"/>
+              <a:t>.</a:t>
+            </a:r>
+          </a:p>
+          <a:p>
+            <a:r>
+              <a:rPr lang="ko-KR" altLang="en-US" dirty="0" smtClean="0"/>
+              <a:t>강의 사진</a:t>
+            </a:r>
+            <a:r>
+              <a:rPr lang="en-US" altLang="ko-KR" dirty="0" smtClean="0"/>
+              <a:t>,</a:t>
+            </a:r>
+            <a:r>
+              <a:rPr lang="ko-KR" altLang="en-US" dirty="0" err="1" smtClean="0"/>
+              <a:t>강의명</a:t>
+            </a:r>
+            <a:r>
+              <a:rPr lang="en-US" altLang="ko-KR" dirty="0" smtClean="0"/>
+              <a:t>,</a:t>
+            </a:r>
+            <a:r>
+              <a:rPr lang="ko-KR" altLang="en-US" dirty="0" smtClean="0"/>
+              <a:t>강사를 볼 수 있음</a:t>
+            </a:r>
+            <a:r>
+              <a:rPr lang="en-US" altLang="ko-KR" dirty="0" smtClean="0"/>
+              <a:t>.</a:t>
+            </a:r>
+          </a:p>
+          <a:p>
+            <a:r>
+              <a:rPr lang="ko-KR" altLang="en-US" dirty="0" smtClean="0"/>
+              <a:t>관리자만 생성 및 삭제 가능</a:t>
+            </a:r>
+            <a:r>
+              <a:rPr lang="en-US" altLang="ko-KR" dirty="0" smtClean="0"/>
+              <a:t>.</a:t>
+            </a:r>
+          </a:p>
+          <a:p>
+            <a:r>
+              <a:rPr lang="ko-KR" altLang="en-US" dirty="0" smtClean="0"/>
+              <a:t>강의 사진이나</a:t>
+            </a:r>
+            <a:r>
+              <a:rPr lang="en-US" altLang="ko-KR" dirty="0" smtClean="0"/>
+              <a:t>, </a:t>
+            </a:r>
+            <a:r>
+              <a:rPr lang="ko-KR" altLang="en-US" dirty="0" err="1" smtClean="0"/>
+              <a:t>강의명을</a:t>
+            </a:r>
+            <a:r>
+              <a:rPr lang="ko-KR" altLang="en-US" dirty="0" smtClean="0"/>
+              <a:t> 클릭하면 강의세부내용으로 이동</a:t>
+            </a:r>
+            <a:r>
+              <a:rPr lang="en-US" altLang="ko-KR" dirty="0" smtClean="0"/>
+              <a:t>.</a:t>
+            </a:r>
+          </a:p>
+          <a:p>
+            <a:r>
+              <a:rPr lang="ko-KR" altLang="en-US" dirty="0" smtClean="0"/>
+              <a:t>유저는 읽기만 가능</a:t>
+            </a:r>
+            <a:r>
+              <a:rPr lang="en-US" altLang="ko-KR" dirty="0" smtClean="0"/>
+              <a:t>.</a:t>
+            </a:r>
+          </a:p>
+        </p:txBody>
+      </p:sp>
+      <p:sp>
+        <p:nvSpPr>
+          <p:cNvPr id="5" name="TextBox 4"/>
+          <p:cNvSpPr txBox="1"/>
+          <p:nvPr/>
+        </p:nvSpPr>
+        <p:spPr>
+          <a:xfrm>
+            <a:off x="6279377" y="5017631"/>
+            <a:ext cx="5183874" cy="646331"/>
+          </a:xfrm>
+          <a:prstGeom prst="rect">
+            <a:avLst/>
+          </a:prstGeom>
+          <a:noFill/>
+        </p:spPr>
+        <p:txBody>
+          <a:bodyPr wrap="square" rtlCol="0">
+            <a:spAutoFit/>
+          </a:bodyPr>
+          <a:lstStyle/>
+          <a:p>
+            <a:r>
+              <a:rPr lang="ko-KR" altLang="en-US" dirty="0" err="1" smtClean="0"/>
+              <a:t>강의목록</a:t>
+            </a:r>
+            <a:r>
+              <a:rPr lang="en-US" altLang="ko-KR" dirty="0" smtClean="0"/>
+              <a:t>-API </a:t>
+            </a:r>
+            <a:r>
+              <a:rPr lang="en-US" altLang="ko-KR" dirty="0"/>
+              <a:t>: </a:t>
+            </a:r>
+            <a:r>
+              <a:rPr lang="en-US" altLang="ko-KR" dirty="0" smtClean="0"/>
+              <a:t>localhost/lecture/paging?=page=n</a:t>
+            </a:r>
+          </a:p>
+        </p:txBody>
+      </p:sp>
+      <p:sp>
+        <p:nvSpPr>
+          <p:cNvPr id="6" name="내용 개체 틀 2"/>
+          <p:cNvSpPr txBox="1">
+            <a:spLocks/>
+          </p:cNvSpPr>
+          <p:nvPr/>
+        </p:nvSpPr>
+        <p:spPr>
+          <a:xfrm>
+            <a:off x="838200" y="1472639"/>
+            <a:ext cx="1235827" cy="369552"/>
+          </a:xfrm>
+          <a:prstGeom prst="rect">
+            <a:avLst/>
+          </a:prstGeom>
+        </p:spPr>
+        <p:txBody>
+          <a:bodyPr vert="horz" lIns="91440" tIns="45720" rIns="91440" bIns="45720" rtlCol="0">
+            <a:normAutofit/>
+          </a:bodyPr>
+          <a:lstStyle>
+            <a:lvl1pPr marL="228600" indent="-228600" algn="l" defTabSz="914400" rtl="0" eaLnBrk="1" latinLnBrk="1" hangingPunct="1">
+              <a:lnSpc>
+                <a:spcPct val="90000"/>
+              </a:lnSpc>
+              <a:spcBef>
+                <a:spcPts val="1000"/>
+              </a:spcBef>
+              <a:buFont typeface="Arial" panose="020B0604020202020204" pitchFamily="34" charset="0"/>
+              <a:buChar char="•"/>
+              <a:defRPr sz="2800" kern="1200">
+                <a:solidFill>
+                  <a:schemeClr val="tx1"/>
+                </a:solidFill>
+                <a:latin typeface="+mn-lt"/>
+                <a:ea typeface="+mn-ea"/>
+                <a:cs typeface="+mn-cs"/>
+              </a:defRPr>
+            </a:lvl1pPr>
+            <a:lvl2pPr marL="685800" indent="-228600" algn="l" defTabSz="914400" rtl="0" eaLnBrk="1" latinLnBrk="1" hangingPunct="1">
+              <a:lnSpc>
+                <a:spcPct val="90000"/>
+              </a:lnSpc>
+              <a:spcBef>
+                <a:spcPts val="500"/>
+              </a:spcBef>
+              <a:buFont typeface="Arial" panose="020B0604020202020204" pitchFamily="34" charset="0"/>
+              <a:buChar char="•"/>
+              <a:defRPr sz="2400" kern="1200">
+                <a:solidFill>
+                  <a:schemeClr val="tx1"/>
+                </a:solidFill>
+                <a:latin typeface="+mn-lt"/>
+                <a:ea typeface="+mn-ea"/>
+                <a:cs typeface="+mn-cs"/>
+              </a:defRPr>
+            </a:lvl2pPr>
+            <a:lvl3pPr marL="1143000" indent="-228600" algn="l" defTabSz="914400" rtl="0" eaLnBrk="1" latinLnBrk="1" hangingPunct="1">
+              <a:lnSpc>
+                <a:spcPct val="90000"/>
+              </a:lnSpc>
+              <a:spcBef>
+                <a:spcPts val="500"/>
+              </a:spcBef>
+              <a:buFont typeface="Arial" panose="020B0604020202020204" pitchFamily="34" charset="0"/>
+              <a:buChar char="•"/>
+              <a:defRPr sz="2000" kern="1200">
+                <a:solidFill>
+                  <a:schemeClr val="tx1"/>
+                </a:solidFill>
+                <a:latin typeface="+mn-lt"/>
+                <a:ea typeface="+mn-ea"/>
+                <a:cs typeface="+mn-cs"/>
+              </a:defRPr>
+            </a:lvl3pPr>
+            <a:lvl4pPr marL="1600200" indent="-228600" algn="l" defTabSz="914400" rtl="0" eaLnBrk="1" latinLnBrk="1" hangingPunct="1">
+              <a:lnSpc>
+                <a:spcPct val="90000"/>
+              </a:lnSpc>
+              <a:spcBef>
+                <a:spcPts val="500"/>
+              </a:spcBef>
+              <a:buFont typeface="Arial" panose="020B0604020202020204" pitchFamily="34" charset="0"/>
+              <a:buChar char="•"/>
+              <a:defRPr sz="1800" kern="1200">
+                <a:solidFill>
+                  <a:schemeClr val="tx1"/>
+                </a:solidFill>
+                <a:latin typeface="+mn-lt"/>
+                <a:ea typeface="+mn-ea"/>
+                <a:cs typeface="+mn-cs"/>
+              </a:defRPr>
+            </a:lvl4pPr>
+            <a:lvl5pPr marL="2057400" indent="-228600" algn="l" defTabSz="914400" rtl="0" eaLnBrk="1" latinLnBrk="1" hangingPunct="1">
+              <a:lnSpc>
+                <a:spcPct val="90000"/>
+              </a:lnSpc>
+              <a:spcBef>
+                <a:spcPts val="500"/>
+              </a:spcBef>
+              <a:buFont typeface="Arial" panose="020B0604020202020204" pitchFamily="34" charset="0"/>
+              <a:buChar char="•"/>
+              <a:defRPr sz="1800" kern="1200">
+                <a:solidFill>
+                  <a:schemeClr val="tx1"/>
+                </a:solidFill>
+                <a:latin typeface="+mn-lt"/>
+                <a:ea typeface="+mn-ea"/>
+                <a:cs typeface="+mn-cs"/>
+              </a:defRPr>
+            </a:lvl5pPr>
+            <a:lvl6pPr marL="2514600" indent="-228600" algn="l" defTabSz="914400" rtl="0" eaLnBrk="1" latinLnBrk="1" hangingPunct="1">
+              <a:lnSpc>
+                <a:spcPct val="90000"/>
+              </a:lnSpc>
+              <a:spcBef>
+                <a:spcPts val="500"/>
+              </a:spcBef>
+              <a:buFont typeface="Arial" panose="020B0604020202020204" pitchFamily="34" charset="0"/>
+              <a:buChar char="•"/>
+              <a:defRPr sz="1800" kern="1200">
+                <a:solidFill>
+                  <a:schemeClr val="tx1"/>
+                </a:solidFill>
+                <a:latin typeface="+mn-lt"/>
+                <a:ea typeface="+mn-ea"/>
+                <a:cs typeface="+mn-cs"/>
+              </a:defRPr>
+            </a:lvl6pPr>
+            <a:lvl7pPr marL="2971800" indent="-228600" algn="l" defTabSz="914400" rtl="0" eaLnBrk="1" latinLnBrk="1" hangingPunct="1">
+              <a:lnSpc>
+                <a:spcPct val="90000"/>
+              </a:lnSpc>
+              <a:spcBef>
+                <a:spcPts val="500"/>
+              </a:spcBef>
+              <a:buFont typeface="Arial" panose="020B0604020202020204" pitchFamily="34" charset="0"/>
+              <a:buChar char="•"/>
+              <a:defRPr sz="1800" kern="1200">
+                <a:solidFill>
+                  <a:schemeClr val="tx1"/>
+                </a:solidFill>
+                <a:latin typeface="+mn-lt"/>
+                <a:ea typeface="+mn-ea"/>
+                <a:cs typeface="+mn-cs"/>
+              </a:defRPr>
+            </a:lvl7pPr>
+            <a:lvl8pPr marL="3429000" indent="-228600" algn="l" defTabSz="914400" rtl="0" eaLnBrk="1" latinLnBrk="1" hangingPunct="1">
+              <a:lnSpc>
+                <a:spcPct val="90000"/>
+              </a:lnSpc>
+              <a:spcBef>
+                <a:spcPts val="500"/>
+              </a:spcBef>
+              <a:buFont typeface="Arial" panose="020B0604020202020204" pitchFamily="34" charset="0"/>
+              <a:buChar char="•"/>
+              <a:defRPr sz="1800" kern="1200">
+                <a:solidFill>
+                  <a:schemeClr val="tx1"/>
+                </a:solidFill>
+                <a:latin typeface="+mn-lt"/>
+                <a:ea typeface="+mn-ea"/>
+                <a:cs typeface="+mn-cs"/>
+              </a:defRPr>
+            </a:lvl8pPr>
+            <a:lvl9pPr marL="3886200" indent="-228600" algn="l" defTabSz="914400" rtl="0" eaLnBrk="1" latinLnBrk="1" hangingPunct="1">
+              <a:lnSpc>
+                <a:spcPct val="90000"/>
+              </a:lnSpc>
+              <a:spcBef>
+                <a:spcPts val="500"/>
+              </a:spcBef>
+              <a:buFont typeface="Arial" panose="020B0604020202020204" pitchFamily="34" charset="0"/>
+              <a:buChar char="•"/>
+              <a:defRPr sz="1800" kern="1200">
+                <a:solidFill>
+                  <a:schemeClr val="tx1"/>
+                </a:solidFill>
+                <a:latin typeface="+mn-lt"/>
+                <a:ea typeface="+mn-ea"/>
+                <a:cs typeface="+mn-cs"/>
+              </a:defRPr>
+            </a:lvl9pPr>
+          </a:lstStyle>
+          <a:p>
+            <a:pPr marL="0" indent="0">
+              <a:buFont typeface="Arial" panose="020B0604020202020204" pitchFamily="34" charset="0"/>
+              <a:buNone/>
+            </a:pPr>
+            <a:r>
+              <a:rPr lang="en-US" altLang="ko-KR" sz="1800" dirty="0" smtClean="0"/>
+              <a:t>*</a:t>
+            </a:r>
+            <a:r>
+              <a:rPr lang="ko-KR" altLang="en-US" sz="1800" dirty="0" err="1" smtClean="0"/>
+              <a:t>강의목록</a:t>
+            </a:r>
+            <a:endParaRPr lang="ko-KR" altLang="en-US" sz="1800" dirty="0"/>
+          </a:p>
+        </p:txBody>
+      </p:sp>
+      <p:pic>
+        <p:nvPicPr>
+          <p:cNvPr id="7" name="그림 6"/>
+          <p:cNvPicPr>
+            <a:picLocks noChangeAspect="1"/>
+          </p:cNvPicPr>
+          <p:nvPr/>
+        </p:nvPicPr>
+        <p:blipFill>
+          <a:blip r:embed="rId2" cstate="print">
+            <a:extLst>
+              <a:ext uri="{28A0092B-C50C-407E-A947-70E740481C1C}">
+                <a14:useLocalDpi xmlns:a14="http://schemas.microsoft.com/office/drawing/2010/main" val="0"/>
+              </a:ext>
+            </a:extLst>
+          </a:blip>
+          <a:stretch>
+            <a:fillRect/>
+          </a:stretch>
+        </p:blipFill>
+        <p:spPr>
+          <a:xfrm>
+            <a:off x="838200" y="1842191"/>
+            <a:ext cx="5271144" cy="3748369"/>
+          </a:xfrm>
+          <a:prstGeom prst="rect">
+            <a:avLst/>
+          </a:prstGeom>
+          <a:ln>
+            <a:solidFill>
+              <a:schemeClr val="tx1"/>
+            </a:solidFill>
+          </a:ln>
+        </p:spPr>
+      </p:pic>
+    </p:spTree>
+    <p:extLst>
+      <p:ext uri="{BB962C8B-B14F-4D97-AF65-F5344CB8AC3E}">
+        <p14:creationId xmlns:p14="http://schemas.microsoft.com/office/powerpoint/2010/main" val="1167513599"/>
+      </p:ext>
+    </p:extLst>
+  </p:cSld>
+  <p:clrMapOvr>
+    <a:masterClrMapping/>
+  </p:clrMapOvr>
+  <p:timing>
+    <p:tnLst>
+      <p:par>
+        <p:cTn id="1" dur="indefinite" restart="never" nodeType="tmRoot"/>
+      </p:par>
+    </p:tnLst>
+  </p:timing>
+</p:sld>
+</file>
+
+<file path=ppt/slides/slide15.xml><?xml version="1.0" encoding="utf-8"?>
+<p:sld xmlns:a="http://schemas.openxmlformats.org/drawingml/2006/main" xmlns:r="http://schemas.openxmlformats.org/officeDocument/2006/relationships" xmlns:p="http://schemas.openxmlformats.org/presentationml/2006/main">
+  <p:cSld>
+    <p:spTree>
+      <p:nvGrpSpPr>
+        <p:cNvPr id="1" name=""/>
+        <p:cNvGrpSpPr/>
+        <p:nvPr/>
+      </p:nvGrpSpPr>
+      <p:grpSpPr>
+        <a:xfrm>
+          <a:off x="0" y="0"/>
+          <a:ext cx="0" cy="0"/>
+          <a:chOff x="0" y="0"/>
+          <a:chExt cx="0" cy="0"/>
+        </a:xfrm>
+      </p:grpSpPr>
+      <p:sp>
+        <p:nvSpPr>
+          <p:cNvPr id="2" name="제목 1"/>
+          <p:cNvSpPr>
+            <a:spLocks noGrp="1"/>
+          </p:cNvSpPr>
+          <p:nvPr>
+            <p:ph type="title"/>
+          </p:nvPr>
+        </p:nvSpPr>
+        <p:spPr>
+          <a:xfrm>
+            <a:off x="838200" y="390698"/>
+            <a:ext cx="10515600" cy="693161"/>
+          </a:xfrm>
+        </p:spPr>
+        <p:txBody>
+          <a:bodyPr>
+            <a:normAutofit/>
+          </a:bodyPr>
+          <a:lstStyle/>
+          <a:p>
+            <a:r>
+              <a:rPr lang="en-US" altLang="ko-KR" sz="2800" dirty="0" smtClean="0"/>
+              <a:t>3-4.</a:t>
+            </a:r>
+            <a:r>
+              <a:rPr lang="ko-KR" altLang="en-US" sz="2800" dirty="0" err="1" smtClean="0"/>
+              <a:t>강의목록</a:t>
+            </a:r>
+            <a:endParaRPr lang="ko-KR" altLang="en-US" sz="2800" dirty="0"/>
+          </a:p>
+        </p:txBody>
+      </p:sp>
+      <p:sp>
+        <p:nvSpPr>
+          <p:cNvPr id="4" name="TextBox 3"/>
+          <p:cNvSpPr txBox="1"/>
+          <p:nvPr/>
+        </p:nvSpPr>
+        <p:spPr>
+          <a:xfrm>
+            <a:off x="6088185" y="1842191"/>
+            <a:ext cx="5012944" cy="2308324"/>
+          </a:xfrm>
+          <a:prstGeom prst="rect">
+            <a:avLst/>
+          </a:prstGeom>
+          <a:noFill/>
+        </p:spPr>
+        <p:txBody>
+          <a:bodyPr wrap="square" rtlCol="0">
+            <a:spAutoFit/>
+          </a:bodyPr>
+          <a:lstStyle/>
+          <a:p>
+            <a:r>
+              <a:rPr lang="ko-KR" altLang="en-US" dirty="0" smtClean="0"/>
+              <a:t>강의 세부내용 페이지</a:t>
+            </a:r>
+            <a:r>
+              <a:rPr lang="en-US" altLang="ko-KR" dirty="0" smtClean="0"/>
+              <a:t>.</a:t>
+            </a:r>
+          </a:p>
+          <a:p>
+            <a:r>
+              <a:rPr lang="ko-KR" altLang="en-US" dirty="0" err="1" smtClean="0"/>
+              <a:t>강의소개</a:t>
+            </a:r>
+            <a:r>
+              <a:rPr lang="ko-KR" altLang="en-US" dirty="0" smtClean="0"/>
+              <a:t> 및 후기를 볼 수 있다</a:t>
+            </a:r>
+            <a:r>
+              <a:rPr lang="en-US" altLang="ko-KR" dirty="0" smtClean="0"/>
+              <a:t>.</a:t>
+            </a:r>
+          </a:p>
+          <a:p>
+            <a:r>
+              <a:rPr lang="ko-KR" altLang="en-US" dirty="0" smtClean="0"/>
+              <a:t>후기를 클릭하면 후기 페이지로 넘어가서 후기를 남길 수 있음</a:t>
+            </a:r>
+            <a:r>
+              <a:rPr lang="en-US" altLang="ko-KR" dirty="0" smtClean="0"/>
+              <a:t>.</a:t>
+            </a:r>
+          </a:p>
+          <a:p>
+            <a:r>
+              <a:rPr lang="ko-KR" altLang="en-US" dirty="0" err="1" smtClean="0"/>
+              <a:t>강의소개를</a:t>
+            </a:r>
+            <a:r>
+              <a:rPr lang="ko-KR" altLang="en-US" dirty="0" smtClean="0"/>
+              <a:t> 클릭 시</a:t>
+            </a:r>
+            <a:r>
+              <a:rPr lang="en-US" altLang="ko-KR" dirty="0" smtClean="0"/>
+              <a:t>,</a:t>
+            </a:r>
+            <a:r>
+              <a:rPr lang="ko-KR" altLang="en-US" dirty="0" smtClean="0"/>
+              <a:t>강사와 강의에 대한 설명을 들을 수 있음</a:t>
+            </a:r>
+            <a:r>
+              <a:rPr lang="en-US" altLang="ko-KR" dirty="0" smtClean="0"/>
+              <a:t>.</a:t>
+            </a:r>
+          </a:p>
+          <a:p>
+            <a:r>
+              <a:rPr lang="ko-KR" altLang="en-US" dirty="0" smtClean="0"/>
+              <a:t>또한</a:t>
+            </a:r>
+            <a:r>
+              <a:rPr lang="en-US" altLang="ko-KR" dirty="0" smtClean="0"/>
+              <a:t>,</a:t>
+            </a:r>
+            <a:r>
+              <a:rPr lang="ko-KR" altLang="en-US" dirty="0" smtClean="0"/>
+              <a:t>수강신청하기</a:t>
+            </a:r>
+            <a:r>
+              <a:rPr lang="en-US" altLang="ko-KR" dirty="0" smtClean="0"/>
+              <a:t>box</a:t>
+            </a:r>
+            <a:r>
+              <a:rPr lang="ko-KR" altLang="en-US" dirty="0" smtClean="0"/>
+              <a:t>를 </a:t>
+            </a:r>
+            <a:r>
+              <a:rPr lang="ko-KR" altLang="en-US" dirty="0" err="1" smtClean="0"/>
+              <a:t>클릭시</a:t>
+            </a:r>
+            <a:r>
+              <a:rPr lang="en-US" altLang="ko-KR" dirty="0" smtClean="0"/>
+              <a:t>,</a:t>
+            </a:r>
+            <a:r>
+              <a:rPr lang="ko-KR" altLang="en-US" dirty="0" smtClean="0"/>
+              <a:t>수강신청 화면으로 넘어감</a:t>
+            </a:r>
+            <a:r>
+              <a:rPr lang="en-US" altLang="ko-KR" dirty="0" smtClean="0"/>
+              <a:t>.</a:t>
+            </a:r>
+          </a:p>
+        </p:txBody>
+      </p:sp>
+      <p:sp>
+        <p:nvSpPr>
+          <p:cNvPr id="5" name="TextBox 4"/>
+          <p:cNvSpPr txBox="1"/>
+          <p:nvPr/>
+        </p:nvSpPr>
+        <p:spPr>
+          <a:xfrm>
+            <a:off x="6088185" y="4560431"/>
+            <a:ext cx="5183874" cy="646331"/>
+          </a:xfrm>
+          <a:prstGeom prst="rect">
+            <a:avLst/>
+          </a:prstGeom>
+          <a:noFill/>
+        </p:spPr>
+        <p:txBody>
+          <a:bodyPr wrap="square" rtlCol="0">
+            <a:spAutoFit/>
+          </a:bodyPr>
+          <a:lstStyle/>
+          <a:p>
+            <a:r>
+              <a:rPr lang="ko-KR" altLang="en-US" dirty="0" smtClean="0"/>
+              <a:t>강의 세부내용</a:t>
+            </a:r>
+            <a:r>
+              <a:rPr lang="en-US" altLang="ko-KR" dirty="0"/>
+              <a:t>-API : </a:t>
+            </a:r>
+            <a:r>
+              <a:rPr lang="en-US" altLang="ko-KR" dirty="0" smtClean="0"/>
+              <a:t>localhost/lecture_information2/{id}?page=n</a:t>
+            </a:r>
+            <a:endParaRPr lang="ko-KR" altLang="en-US" dirty="0"/>
+          </a:p>
+        </p:txBody>
+      </p:sp>
+      <p:sp>
+        <p:nvSpPr>
+          <p:cNvPr id="6" name="내용 개체 틀 2"/>
+          <p:cNvSpPr txBox="1">
+            <a:spLocks/>
+          </p:cNvSpPr>
+          <p:nvPr/>
+        </p:nvSpPr>
+        <p:spPr>
+          <a:xfrm>
+            <a:off x="838200" y="1472639"/>
+            <a:ext cx="2245822" cy="369552"/>
+          </a:xfrm>
+          <a:prstGeom prst="rect">
+            <a:avLst/>
+          </a:prstGeom>
+        </p:spPr>
+        <p:txBody>
+          <a:bodyPr vert="horz" lIns="91440" tIns="45720" rIns="91440" bIns="45720" rtlCol="0">
+            <a:normAutofit/>
+          </a:bodyPr>
+          <a:lstStyle>
+            <a:lvl1pPr marL="228600" indent="-228600" algn="l" defTabSz="914400" rtl="0" eaLnBrk="1" latinLnBrk="1" hangingPunct="1">
+              <a:lnSpc>
+                <a:spcPct val="90000"/>
+              </a:lnSpc>
+              <a:spcBef>
+                <a:spcPts val="1000"/>
+              </a:spcBef>
+              <a:buFont typeface="Arial" panose="020B0604020202020204" pitchFamily="34" charset="0"/>
+              <a:buChar char="•"/>
+              <a:defRPr sz="2800" kern="1200">
+                <a:solidFill>
+                  <a:schemeClr val="tx1"/>
+                </a:solidFill>
+                <a:latin typeface="+mn-lt"/>
+                <a:ea typeface="+mn-ea"/>
+                <a:cs typeface="+mn-cs"/>
+              </a:defRPr>
+            </a:lvl1pPr>
+            <a:lvl2pPr marL="685800" indent="-228600" algn="l" defTabSz="914400" rtl="0" eaLnBrk="1" latinLnBrk="1" hangingPunct="1">
+              <a:lnSpc>
+                <a:spcPct val="90000"/>
+              </a:lnSpc>
+              <a:spcBef>
+                <a:spcPts val="500"/>
+              </a:spcBef>
+              <a:buFont typeface="Arial" panose="020B0604020202020204" pitchFamily="34" charset="0"/>
+              <a:buChar char="•"/>
+              <a:defRPr sz="2400" kern="1200">
+                <a:solidFill>
+                  <a:schemeClr val="tx1"/>
+                </a:solidFill>
+                <a:latin typeface="+mn-lt"/>
+                <a:ea typeface="+mn-ea"/>
+                <a:cs typeface="+mn-cs"/>
+              </a:defRPr>
+            </a:lvl2pPr>
+            <a:lvl3pPr marL="1143000" indent="-228600" algn="l" defTabSz="914400" rtl="0" eaLnBrk="1" latinLnBrk="1" hangingPunct="1">
+              <a:lnSpc>
+                <a:spcPct val="90000"/>
+              </a:lnSpc>
+              <a:spcBef>
+                <a:spcPts val="500"/>
+              </a:spcBef>
+              <a:buFont typeface="Arial" panose="020B0604020202020204" pitchFamily="34" charset="0"/>
+              <a:buChar char="•"/>
+              <a:defRPr sz="2000" kern="1200">
+                <a:solidFill>
+                  <a:schemeClr val="tx1"/>
+                </a:solidFill>
+                <a:latin typeface="+mn-lt"/>
+                <a:ea typeface="+mn-ea"/>
+                <a:cs typeface="+mn-cs"/>
+              </a:defRPr>
+            </a:lvl3pPr>
+            <a:lvl4pPr marL="1600200" indent="-228600" algn="l" defTabSz="914400" rtl="0" eaLnBrk="1" latinLnBrk="1" hangingPunct="1">
+              <a:lnSpc>
+                <a:spcPct val="90000"/>
+              </a:lnSpc>
+              <a:spcBef>
+                <a:spcPts val="500"/>
+              </a:spcBef>
+              <a:buFont typeface="Arial" panose="020B0604020202020204" pitchFamily="34" charset="0"/>
+              <a:buChar char="•"/>
+              <a:defRPr sz="1800" kern="1200">
+                <a:solidFill>
+                  <a:schemeClr val="tx1"/>
+                </a:solidFill>
+                <a:latin typeface="+mn-lt"/>
+                <a:ea typeface="+mn-ea"/>
+                <a:cs typeface="+mn-cs"/>
+              </a:defRPr>
+            </a:lvl4pPr>
+            <a:lvl5pPr marL="2057400" indent="-228600" algn="l" defTabSz="914400" rtl="0" eaLnBrk="1" latinLnBrk="1" hangingPunct="1">
+              <a:lnSpc>
+                <a:spcPct val="90000"/>
+              </a:lnSpc>
+              <a:spcBef>
+                <a:spcPts val="500"/>
+              </a:spcBef>
+              <a:buFont typeface="Arial" panose="020B0604020202020204" pitchFamily="34" charset="0"/>
+              <a:buChar char="•"/>
+              <a:defRPr sz="1800" kern="1200">
+                <a:solidFill>
+                  <a:schemeClr val="tx1"/>
+                </a:solidFill>
+                <a:latin typeface="+mn-lt"/>
+                <a:ea typeface="+mn-ea"/>
+                <a:cs typeface="+mn-cs"/>
+              </a:defRPr>
+            </a:lvl5pPr>
+            <a:lvl6pPr marL="2514600" indent="-228600" algn="l" defTabSz="914400" rtl="0" eaLnBrk="1" latinLnBrk="1" hangingPunct="1">
+              <a:lnSpc>
+                <a:spcPct val="90000"/>
+              </a:lnSpc>
+              <a:spcBef>
+                <a:spcPts val="500"/>
+              </a:spcBef>
+              <a:buFont typeface="Arial" panose="020B0604020202020204" pitchFamily="34" charset="0"/>
+              <a:buChar char="•"/>
+              <a:defRPr sz="1800" kern="1200">
+                <a:solidFill>
+                  <a:schemeClr val="tx1"/>
+                </a:solidFill>
+                <a:latin typeface="+mn-lt"/>
+                <a:ea typeface="+mn-ea"/>
+                <a:cs typeface="+mn-cs"/>
+              </a:defRPr>
+            </a:lvl6pPr>
+            <a:lvl7pPr marL="2971800" indent="-228600" algn="l" defTabSz="914400" rtl="0" eaLnBrk="1" latinLnBrk="1" hangingPunct="1">
+              <a:lnSpc>
+                <a:spcPct val="90000"/>
+              </a:lnSpc>
+              <a:spcBef>
+                <a:spcPts val="500"/>
+              </a:spcBef>
+              <a:buFont typeface="Arial" panose="020B0604020202020204" pitchFamily="34" charset="0"/>
+              <a:buChar char="•"/>
+              <a:defRPr sz="1800" kern="1200">
+                <a:solidFill>
+                  <a:schemeClr val="tx1"/>
+                </a:solidFill>
+                <a:latin typeface="+mn-lt"/>
+                <a:ea typeface="+mn-ea"/>
+                <a:cs typeface="+mn-cs"/>
+              </a:defRPr>
+            </a:lvl7pPr>
+            <a:lvl8pPr marL="3429000" indent="-228600" algn="l" defTabSz="914400" rtl="0" eaLnBrk="1" latinLnBrk="1" hangingPunct="1">
+              <a:lnSpc>
+                <a:spcPct val="90000"/>
+              </a:lnSpc>
+              <a:spcBef>
+                <a:spcPts val="500"/>
+              </a:spcBef>
+              <a:buFont typeface="Arial" panose="020B0604020202020204" pitchFamily="34" charset="0"/>
+              <a:buChar char="•"/>
+              <a:defRPr sz="1800" kern="1200">
+                <a:solidFill>
+                  <a:schemeClr val="tx1"/>
+                </a:solidFill>
+                <a:latin typeface="+mn-lt"/>
+                <a:ea typeface="+mn-ea"/>
+                <a:cs typeface="+mn-cs"/>
+              </a:defRPr>
+            </a:lvl8pPr>
+            <a:lvl9pPr marL="3886200" indent="-228600" algn="l" defTabSz="914400" rtl="0" eaLnBrk="1" latinLnBrk="1" hangingPunct="1">
+              <a:lnSpc>
+                <a:spcPct val="90000"/>
+              </a:lnSpc>
+              <a:spcBef>
+                <a:spcPts val="500"/>
+              </a:spcBef>
+              <a:buFont typeface="Arial" panose="020B0604020202020204" pitchFamily="34" charset="0"/>
+              <a:buChar char="•"/>
+              <a:defRPr sz="1800" kern="1200">
+                <a:solidFill>
+                  <a:schemeClr val="tx1"/>
+                </a:solidFill>
+                <a:latin typeface="+mn-lt"/>
+                <a:ea typeface="+mn-ea"/>
+                <a:cs typeface="+mn-cs"/>
+              </a:defRPr>
+            </a:lvl9pPr>
+          </a:lstStyle>
+          <a:p>
+            <a:pPr marL="0" indent="0">
+              <a:buFont typeface="Arial" panose="020B0604020202020204" pitchFamily="34" charset="0"/>
+              <a:buNone/>
+            </a:pPr>
+            <a:r>
+              <a:rPr lang="en-US" altLang="ko-KR" sz="1800" smtClean="0"/>
+              <a:t>*</a:t>
+            </a:r>
+            <a:r>
+              <a:rPr lang="ko-KR" altLang="en-US" sz="1800" dirty="0" smtClean="0"/>
+              <a:t>강의 세부내용</a:t>
+            </a:r>
+            <a:endParaRPr lang="ko-KR" altLang="en-US" sz="1800" dirty="0"/>
+          </a:p>
+        </p:txBody>
+      </p:sp>
+      <p:pic>
+        <p:nvPicPr>
+          <p:cNvPr id="3" name="그림 2"/>
+          <p:cNvPicPr>
+            <a:picLocks noChangeAspect="1"/>
+          </p:cNvPicPr>
+          <p:nvPr/>
+        </p:nvPicPr>
+        <p:blipFill>
+          <a:blip r:embed="rId2" cstate="print">
+            <a:extLst>
+              <a:ext uri="{28A0092B-C50C-407E-A947-70E740481C1C}">
+                <a14:useLocalDpi xmlns:a14="http://schemas.microsoft.com/office/drawing/2010/main" val="0"/>
+              </a:ext>
+            </a:extLst>
+          </a:blip>
+          <a:stretch>
+            <a:fillRect/>
+          </a:stretch>
+        </p:blipFill>
+        <p:spPr>
+          <a:xfrm>
+            <a:off x="778929" y="4316273"/>
+            <a:ext cx="3195859" cy="2272611"/>
+          </a:xfrm>
+          <a:prstGeom prst="rect">
+            <a:avLst/>
+          </a:prstGeom>
+          <a:ln>
+            <a:solidFill>
+              <a:schemeClr val="tx1"/>
+            </a:solidFill>
+          </a:ln>
+        </p:spPr>
+      </p:pic>
+      <p:pic>
+        <p:nvPicPr>
+          <p:cNvPr id="9" name="그림 8"/>
+          <p:cNvPicPr>
+            <a:picLocks noChangeAspect="1"/>
+          </p:cNvPicPr>
+          <p:nvPr/>
+        </p:nvPicPr>
+        <p:blipFill>
+          <a:blip r:embed="rId3" cstate="print">
+            <a:extLst>
+              <a:ext uri="{28A0092B-C50C-407E-A947-70E740481C1C}">
+                <a14:useLocalDpi xmlns:a14="http://schemas.microsoft.com/office/drawing/2010/main" val="0"/>
+              </a:ext>
+            </a:extLst>
+          </a:blip>
+          <a:stretch>
+            <a:fillRect/>
+          </a:stretch>
+        </p:blipFill>
+        <p:spPr>
+          <a:xfrm>
+            <a:off x="778929" y="1877905"/>
+            <a:ext cx="3195859" cy="2272610"/>
+          </a:xfrm>
+          <a:prstGeom prst="rect">
+            <a:avLst/>
+          </a:prstGeom>
+          <a:ln>
+            <a:solidFill>
+              <a:schemeClr val="tx1"/>
+            </a:solidFill>
+          </a:ln>
+        </p:spPr>
+      </p:pic>
+    </p:spTree>
+    <p:extLst>
+      <p:ext uri="{BB962C8B-B14F-4D97-AF65-F5344CB8AC3E}">
+        <p14:creationId xmlns:p14="http://schemas.microsoft.com/office/powerpoint/2010/main" val="3320065598"/>
+      </p:ext>
+    </p:extLst>
+  </p:cSld>
+  <p:clrMapOvr>
+    <a:masterClrMapping/>
+  </p:clrMapOvr>
+  <p:timing>
+    <p:tnLst>
+      <p:par>
+        <p:cTn id="1" dur="indefinite" restart="never" nodeType="tmRoot"/>
+      </p:par>
+    </p:tnLst>
+  </p:timing>
+</p:sld>
+</file>
+
+<file path=ppt/slides/slide16.xml><?xml version="1.0" encoding="utf-8"?>
+<p:sld xmlns:a="http://schemas.openxmlformats.org/drawingml/2006/main" xmlns:r="http://schemas.openxmlformats.org/officeDocument/2006/relationships" xmlns:p="http://schemas.openxmlformats.org/presentationml/2006/main">
+  <p:cSld>
+    <p:spTree>
+      <p:nvGrpSpPr>
+        <p:cNvPr id="1" name=""/>
+        <p:cNvGrpSpPr/>
+        <p:nvPr/>
+      </p:nvGrpSpPr>
+      <p:grpSpPr>
+        <a:xfrm>
+          <a:off x="0" y="0"/>
+          <a:ext cx="0" cy="0"/>
+          <a:chOff x="0" y="0"/>
+          <a:chExt cx="0" cy="0"/>
+        </a:xfrm>
+      </p:grpSpPr>
+      <p:sp>
+        <p:nvSpPr>
+          <p:cNvPr id="2" name="제목 1"/>
+          <p:cNvSpPr>
+            <a:spLocks noGrp="1"/>
+          </p:cNvSpPr>
+          <p:nvPr>
+            <p:ph type="title"/>
+          </p:nvPr>
+        </p:nvSpPr>
+        <p:spPr>
+          <a:xfrm>
+            <a:off x="838200" y="390698"/>
+            <a:ext cx="10515600" cy="693161"/>
+          </a:xfrm>
+        </p:spPr>
+        <p:txBody>
+          <a:bodyPr>
+            <a:normAutofit/>
+          </a:bodyPr>
+          <a:lstStyle/>
+          <a:p>
+            <a:r>
+              <a:rPr lang="en-US" altLang="ko-KR" sz="2800" dirty="0" smtClean="0"/>
+              <a:t>3-4.</a:t>
+            </a:r>
+            <a:r>
+              <a:rPr lang="ko-KR" altLang="en-US" sz="2800" dirty="0" err="1" smtClean="0"/>
+              <a:t>강의목록</a:t>
+            </a:r>
+            <a:endParaRPr lang="ko-KR" altLang="en-US" sz="2800" dirty="0"/>
+          </a:p>
+        </p:txBody>
+      </p:sp>
+      <p:sp>
+        <p:nvSpPr>
+          <p:cNvPr id="4" name="TextBox 3"/>
+          <p:cNvSpPr txBox="1"/>
+          <p:nvPr/>
+        </p:nvSpPr>
+        <p:spPr>
+          <a:xfrm>
+            <a:off x="6088185" y="1842191"/>
+            <a:ext cx="5012944" cy="2862322"/>
+          </a:xfrm>
+          <a:prstGeom prst="rect">
+            <a:avLst/>
+          </a:prstGeom>
+          <a:noFill/>
+        </p:spPr>
+        <p:txBody>
+          <a:bodyPr wrap="square" rtlCol="0">
+            <a:spAutoFit/>
+          </a:bodyPr>
+          <a:lstStyle/>
+          <a:p>
+            <a:r>
+              <a:rPr lang="ko-KR" altLang="en-US" dirty="0" smtClean="0"/>
+              <a:t>수강신청 페이지</a:t>
+            </a:r>
+            <a:r>
+              <a:rPr lang="en-US" altLang="ko-KR" dirty="0" smtClean="0"/>
+              <a:t>.</a:t>
+            </a:r>
+          </a:p>
+          <a:p>
+            <a:r>
+              <a:rPr lang="ko-KR" altLang="en-US" dirty="0" smtClean="0"/>
+              <a:t>강의가 마음에 든 유저가 강의를 수강신청하는 페이지</a:t>
+            </a:r>
+            <a:r>
+              <a:rPr lang="en-US" altLang="ko-KR" dirty="0" smtClean="0"/>
+              <a:t>.</a:t>
+            </a:r>
+          </a:p>
+          <a:p>
+            <a:r>
+              <a:rPr lang="ko-KR" altLang="en-US" dirty="0" err="1" smtClean="0"/>
+              <a:t>결제버튼을</a:t>
+            </a:r>
+            <a:r>
+              <a:rPr lang="ko-KR" altLang="en-US" dirty="0" smtClean="0"/>
+              <a:t> 누르면</a:t>
+            </a:r>
+            <a:r>
+              <a:rPr lang="en-US" altLang="ko-KR" dirty="0" smtClean="0"/>
+              <a:t>,</a:t>
+            </a:r>
+            <a:r>
+              <a:rPr lang="ko-KR" altLang="en-US" dirty="0" err="1" smtClean="0"/>
+              <a:t>마이페이지에</a:t>
+            </a:r>
+            <a:r>
+              <a:rPr lang="ko-KR" altLang="en-US" dirty="0" smtClean="0"/>
+              <a:t> 있는 내 강의 목록으로 바뀜</a:t>
+            </a:r>
+            <a:r>
+              <a:rPr lang="en-US" altLang="ko-KR" dirty="0" smtClean="0"/>
+              <a:t>.</a:t>
+            </a:r>
+            <a:r>
+              <a:rPr lang="ko-KR" altLang="en-US" dirty="0" smtClean="0"/>
+              <a:t>또한</a:t>
+            </a:r>
+            <a:r>
+              <a:rPr lang="en-US" altLang="ko-KR" dirty="0" smtClean="0"/>
+              <a:t>, </a:t>
+            </a:r>
+            <a:r>
+              <a:rPr lang="ko-KR" altLang="en-US" dirty="0" smtClean="0"/>
+              <a:t>다른 강의도 결제하고 싶으면 강의목록으로 가서 다른 강의를 수강신청하면</a:t>
+            </a:r>
+            <a:r>
+              <a:rPr lang="en-US" altLang="ko-KR" dirty="0" smtClean="0"/>
+              <a:t>,</a:t>
+            </a:r>
+            <a:r>
+              <a:rPr lang="ko-KR" altLang="en-US" dirty="0" smtClean="0"/>
+              <a:t>좀 전에 담았던 강의도 같이 </a:t>
+            </a:r>
+            <a:r>
+              <a:rPr lang="ko-KR" altLang="en-US" dirty="0" err="1" smtClean="0"/>
+              <a:t>수강신청할</a:t>
+            </a:r>
+            <a:r>
+              <a:rPr lang="ko-KR" altLang="en-US" dirty="0" smtClean="0"/>
+              <a:t> 수 있다</a:t>
+            </a:r>
+            <a:r>
+              <a:rPr lang="en-US" altLang="ko-KR" dirty="0" smtClean="0"/>
+              <a:t>.</a:t>
+            </a:r>
+          </a:p>
+          <a:p>
+            <a:r>
+              <a:rPr lang="ko-KR" altLang="en-US" dirty="0" smtClean="0"/>
+              <a:t>또한</a:t>
+            </a:r>
+            <a:r>
+              <a:rPr lang="en-US" altLang="ko-KR" dirty="0" smtClean="0"/>
+              <a:t>, </a:t>
+            </a:r>
+            <a:r>
+              <a:rPr lang="ko-KR" altLang="en-US" dirty="0" err="1" smtClean="0"/>
+              <a:t>수강취소</a:t>
+            </a:r>
+            <a:r>
+              <a:rPr lang="ko-KR" altLang="en-US" dirty="0" smtClean="0"/>
+              <a:t> 버튼을 누르면 체크한 강의는 사라진다</a:t>
+            </a:r>
+            <a:r>
+              <a:rPr lang="en-US" altLang="ko-KR" dirty="0" smtClean="0"/>
+              <a:t>.</a:t>
+            </a:r>
+          </a:p>
+        </p:txBody>
+      </p:sp>
+      <p:sp>
+        <p:nvSpPr>
+          <p:cNvPr id="5" name="TextBox 4"/>
+          <p:cNvSpPr txBox="1"/>
+          <p:nvPr/>
+        </p:nvSpPr>
+        <p:spPr>
+          <a:xfrm>
+            <a:off x="6088185" y="4704513"/>
+            <a:ext cx="5183874" cy="646331"/>
+          </a:xfrm>
+          <a:prstGeom prst="rect">
+            <a:avLst/>
+          </a:prstGeom>
+          <a:noFill/>
+        </p:spPr>
+        <p:txBody>
+          <a:bodyPr wrap="square" rtlCol="0">
+            <a:spAutoFit/>
+          </a:bodyPr>
+          <a:lstStyle/>
+          <a:p>
+            <a:r>
+              <a:rPr lang="ko-KR" altLang="en-US" dirty="0" smtClean="0"/>
+              <a:t>수강신청</a:t>
+            </a:r>
+            <a:r>
+              <a:rPr lang="en-US" altLang="ko-KR" dirty="0" smtClean="0"/>
+              <a:t>-</a:t>
+            </a:r>
+            <a:r>
+              <a:rPr lang="en-US" altLang="ko-KR" dirty="0"/>
+              <a:t>API : </a:t>
+            </a:r>
+            <a:r>
+              <a:rPr lang="en-US" altLang="ko-KR" dirty="0" smtClean="0"/>
+              <a:t>localhost/</a:t>
+            </a:r>
+            <a:r>
+              <a:rPr lang="en-US" altLang="ko-KR" dirty="0" err="1" smtClean="0"/>
+              <a:t>lecture_payment</a:t>
+            </a:r>
+            <a:r>
+              <a:rPr lang="en-US" altLang="ko-KR" dirty="0" smtClean="0"/>
+              <a:t>/{id}?page=n</a:t>
+            </a:r>
+            <a:endParaRPr lang="ko-KR" altLang="en-US" dirty="0"/>
+          </a:p>
+        </p:txBody>
+      </p:sp>
+      <p:sp>
+        <p:nvSpPr>
+          <p:cNvPr id="6" name="내용 개체 틀 2"/>
+          <p:cNvSpPr txBox="1">
+            <a:spLocks/>
+          </p:cNvSpPr>
+          <p:nvPr/>
+        </p:nvSpPr>
+        <p:spPr>
+          <a:xfrm>
+            <a:off x="838200" y="1472639"/>
+            <a:ext cx="2245822" cy="369552"/>
+          </a:xfrm>
+          <a:prstGeom prst="rect">
+            <a:avLst/>
+          </a:prstGeom>
+        </p:spPr>
+        <p:txBody>
+          <a:bodyPr vert="horz" lIns="91440" tIns="45720" rIns="91440" bIns="45720" rtlCol="0">
+            <a:normAutofit/>
+          </a:bodyPr>
+          <a:lstStyle>
+            <a:lvl1pPr marL="228600" indent="-228600" algn="l" defTabSz="914400" rtl="0" eaLnBrk="1" latinLnBrk="1" hangingPunct="1">
+              <a:lnSpc>
+                <a:spcPct val="90000"/>
+              </a:lnSpc>
+              <a:spcBef>
+                <a:spcPts val="1000"/>
+              </a:spcBef>
+              <a:buFont typeface="Arial" panose="020B0604020202020204" pitchFamily="34" charset="0"/>
+              <a:buChar char="•"/>
+              <a:defRPr sz="2800" kern="1200">
+                <a:solidFill>
+                  <a:schemeClr val="tx1"/>
+                </a:solidFill>
+                <a:latin typeface="+mn-lt"/>
+                <a:ea typeface="+mn-ea"/>
+                <a:cs typeface="+mn-cs"/>
+              </a:defRPr>
+            </a:lvl1pPr>
+            <a:lvl2pPr marL="685800" indent="-228600" algn="l" defTabSz="914400" rtl="0" eaLnBrk="1" latinLnBrk="1" hangingPunct="1">
+              <a:lnSpc>
+                <a:spcPct val="90000"/>
+              </a:lnSpc>
+              <a:spcBef>
+                <a:spcPts val="500"/>
+              </a:spcBef>
+              <a:buFont typeface="Arial" panose="020B0604020202020204" pitchFamily="34" charset="0"/>
+              <a:buChar char="•"/>
+              <a:defRPr sz="2400" kern="1200">
+                <a:solidFill>
+                  <a:schemeClr val="tx1"/>
+                </a:solidFill>
+                <a:latin typeface="+mn-lt"/>
+                <a:ea typeface="+mn-ea"/>
+                <a:cs typeface="+mn-cs"/>
+              </a:defRPr>
+            </a:lvl2pPr>
+            <a:lvl3pPr marL="1143000" indent="-228600" algn="l" defTabSz="914400" rtl="0" eaLnBrk="1" latinLnBrk="1" hangingPunct="1">
+              <a:lnSpc>
+                <a:spcPct val="90000"/>
+              </a:lnSpc>
+              <a:spcBef>
+                <a:spcPts val="500"/>
+              </a:spcBef>
+              <a:buFont typeface="Arial" panose="020B0604020202020204" pitchFamily="34" charset="0"/>
+              <a:buChar char="•"/>
+              <a:defRPr sz="2000" kern="1200">
+                <a:solidFill>
+                  <a:schemeClr val="tx1"/>
+                </a:solidFill>
+                <a:latin typeface="+mn-lt"/>
+                <a:ea typeface="+mn-ea"/>
+                <a:cs typeface="+mn-cs"/>
+              </a:defRPr>
+            </a:lvl3pPr>
+            <a:lvl4pPr marL="1600200" indent="-228600" algn="l" defTabSz="914400" rtl="0" eaLnBrk="1" latinLnBrk="1" hangingPunct="1">
+              <a:lnSpc>
+                <a:spcPct val="90000"/>
+              </a:lnSpc>
+              <a:spcBef>
+                <a:spcPts val="500"/>
+              </a:spcBef>
+              <a:buFont typeface="Arial" panose="020B0604020202020204" pitchFamily="34" charset="0"/>
+              <a:buChar char="•"/>
+              <a:defRPr sz="1800" kern="1200">
+                <a:solidFill>
+                  <a:schemeClr val="tx1"/>
+                </a:solidFill>
+                <a:latin typeface="+mn-lt"/>
+                <a:ea typeface="+mn-ea"/>
+                <a:cs typeface="+mn-cs"/>
+              </a:defRPr>
+            </a:lvl4pPr>
+            <a:lvl5pPr marL="2057400" indent="-228600" algn="l" defTabSz="914400" rtl="0" eaLnBrk="1" latinLnBrk="1" hangingPunct="1">
+              <a:lnSpc>
+                <a:spcPct val="90000"/>
+              </a:lnSpc>
+              <a:spcBef>
+                <a:spcPts val="500"/>
+              </a:spcBef>
+              <a:buFont typeface="Arial" panose="020B0604020202020204" pitchFamily="34" charset="0"/>
+              <a:buChar char="•"/>
+              <a:defRPr sz="1800" kern="1200">
+                <a:solidFill>
+                  <a:schemeClr val="tx1"/>
+                </a:solidFill>
+                <a:latin typeface="+mn-lt"/>
+                <a:ea typeface="+mn-ea"/>
+                <a:cs typeface="+mn-cs"/>
+              </a:defRPr>
+            </a:lvl5pPr>
+            <a:lvl6pPr marL="2514600" indent="-228600" algn="l" defTabSz="914400" rtl="0" eaLnBrk="1" latinLnBrk="1" hangingPunct="1">
+              <a:lnSpc>
+                <a:spcPct val="90000"/>
+              </a:lnSpc>
+              <a:spcBef>
+                <a:spcPts val="500"/>
+              </a:spcBef>
+              <a:buFont typeface="Arial" panose="020B0604020202020204" pitchFamily="34" charset="0"/>
+              <a:buChar char="•"/>
+              <a:defRPr sz="1800" kern="1200">
+                <a:solidFill>
+                  <a:schemeClr val="tx1"/>
+                </a:solidFill>
+                <a:latin typeface="+mn-lt"/>
+                <a:ea typeface="+mn-ea"/>
+                <a:cs typeface="+mn-cs"/>
+              </a:defRPr>
+            </a:lvl6pPr>
+            <a:lvl7pPr marL="2971800" indent="-228600" algn="l" defTabSz="914400" rtl="0" eaLnBrk="1" latinLnBrk="1" hangingPunct="1">
+              <a:lnSpc>
+                <a:spcPct val="90000"/>
+              </a:lnSpc>
+              <a:spcBef>
+                <a:spcPts val="500"/>
+              </a:spcBef>
+              <a:buFont typeface="Arial" panose="020B0604020202020204" pitchFamily="34" charset="0"/>
+              <a:buChar char="•"/>
+              <a:defRPr sz="1800" kern="1200">
+                <a:solidFill>
+                  <a:schemeClr val="tx1"/>
+                </a:solidFill>
+                <a:latin typeface="+mn-lt"/>
+                <a:ea typeface="+mn-ea"/>
+                <a:cs typeface="+mn-cs"/>
+              </a:defRPr>
+            </a:lvl7pPr>
+            <a:lvl8pPr marL="3429000" indent="-228600" algn="l" defTabSz="914400" rtl="0" eaLnBrk="1" latinLnBrk="1" hangingPunct="1">
+              <a:lnSpc>
+                <a:spcPct val="90000"/>
+              </a:lnSpc>
+              <a:spcBef>
+                <a:spcPts val="500"/>
+              </a:spcBef>
+              <a:buFont typeface="Arial" panose="020B0604020202020204" pitchFamily="34" charset="0"/>
+              <a:buChar char="•"/>
+              <a:defRPr sz="1800" kern="1200">
+                <a:solidFill>
+                  <a:schemeClr val="tx1"/>
+                </a:solidFill>
+                <a:latin typeface="+mn-lt"/>
+                <a:ea typeface="+mn-ea"/>
+                <a:cs typeface="+mn-cs"/>
+              </a:defRPr>
+            </a:lvl8pPr>
+            <a:lvl9pPr marL="3886200" indent="-228600" algn="l" defTabSz="914400" rtl="0" eaLnBrk="1" latinLnBrk="1" hangingPunct="1">
+              <a:lnSpc>
+                <a:spcPct val="90000"/>
+              </a:lnSpc>
+              <a:spcBef>
+                <a:spcPts val="500"/>
+              </a:spcBef>
+              <a:buFont typeface="Arial" panose="020B0604020202020204" pitchFamily="34" charset="0"/>
+              <a:buChar char="•"/>
+              <a:defRPr sz="1800" kern="1200">
+                <a:solidFill>
+                  <a:schemeClr val="tx1"/>
+                </a:solidFill>
+                <a:latin typeface="+mn-lt"/>
+                <a:ea typeface="+mn-ea"/>
+                <a:cs typeface="+mn-cs"/>
+              </a:defRPr>
+            </a:lvl9pPr>
+          </a:lstStyle>
+          <a:p>
+            <a:pPr marL="0" indent="0">
+              <a:buFont typeface="Arial" panose="020B0604020202020204" pitchFamily="34" charset="0"/>
+              <a:buNone/>
+            </a:pPr>
+            <a:r>
+              <a:rPr lang="en-US" altLang="ko-KR" sz="1800" dirty="0" smtClean="0"/>
+              <a:t>*</a:t>
+            </a:r>
+            <a:r>
+              <a:rPr lang="ko-KR" altLang="en-US" sz="1800" dirty="0" smtClean="0"/>
+              <a:t>수강신청</a:t>
+            </a:r>
+            <a:endParaRPr lang="ko-KR" altLang="en-US" sz="1800" dirty="0"/>
+          </a:p>
+        </p:txBody>
+      </p:sp>
+      <p:pic>
+        <p:nvPicPr>
+          <p:cNvPr id="3" name="그림 2"/>
+          <p:cNvPicPr>
+            <a:picLocks noChangeAspect="1"/>
+          </p:cNvPicPr>
+          <p:nvPr/>
+        </p:nvPicPr>
+        <p:blipFill>
+          <a:blip r:embed="rId2" cstate="print">
+            <a:extLst>
+              <a:ext uri="{28A0092B-C50C-407E-A947-70E740481C1C}">
+                <a14:useLocalDpi xmlns:a14="http://schemas.microsoft.com/office/drawing/2010/main" val="0"/>
+              </a:ext>
+            </a:extLst>
+          </a:blip>
+          <a:stretch>
+            <a:fillRect/>
+          </a:stretch>
+        </p:blipFill>
+        <p:spPr>
+          <a:xfrm>
+            <a:off x="838200" y="1842190"/>
+            <a:ext cx="4934044" cy="3508653"/>
+          </a:xfrm>
+          <a:prstGeom prst="rect">
+            <a:avLst/>
+          </a:prstGeom>
+          <a:ln>
+            <a:solidFill>
+              <a:schemeClr val="tx1"/>
+            </a:solidFill>
+          </a:ln>
+        </p:spPr>
+      </p:pic>
+    </p:spTree>
+    <p:extLst>
+      <p:ext uri="{BB962C8B-B14F-4D97-AF65-F5344CB8AC3E}">
+        <p14:creationId xmlns:p14="http://schemas.microsoft.com/office/powerpoint/2010/main" val="2173894876"/>
+      </p:ext>
+    </p:extLst>
+  </p:cSld>
+  <p:clrMapOvr>
+    <a:masterClrMapping/>
+  </p:clrMapOvr>
+  <p:timing>
+    <p:tnLst>
+      <p:par>
+        <p:cTn id="1" dur="indefinite" restart="never" nodeType="tmRoot"/>
+      </p:par>
+    </p:tnLst>
+  </p:timing>
+</p:sld>
+</file>
+
+<file path=ppt/slides/slide17.xml><?xml version="1.0" encoding="utf-8"?>
+<p:sld xmlns:a="http://schemas.openxmlformats.org/drawingml/2006/main" xmlns:r="http://schemas.openxmlformats.org/officeDocument/2006/relationships" xmlns:p="http://schemas.openxmlformats.org/presentationml/2006/main">
+  <p:cSld>
+    <p:spTree>
+      <p:nvGrpSpPr>
+        <p:cNvPr id="1" name=""/>
+        <p:cNvGrpSpPr/>
+        <p:nvPr/>
+      </p:nvGrpSpPr>
+      <p:grpSpPr>
+        <a:xfrm>
+          <a:off x="0" y="0"/>
+          <a:ext cx="0" cy="0"/>
+          <a:chOff x="0" y="0"/>
+          <a:chExt cx="0" cy="0"/>
+        </a:xfrm>
+      </p:grpSpPr>
+      <p:sp>
+        <p:nvSpPr>
+          <p:cNvPr id="2" name="제목 1"/>
+          <p:cNvSpPr>
+            <a:spLocks noGrp="1"/>
+          </p:cNvSpPr>
+          <p:nvPr>
+            <p:ph type="title"/>
+          </p:nvPr>
+        </p:nvSpPr>
+        <p:spPr>
+          <a:xfrm>
+            <a:off x="838200" y="390698"/>
+            <a:ext cx="10515600" cy="693161"/>
+          </a:xfrm>
+        </p:spPr>
+        <p:txBody>
+          <a:bodyPr>
+            <a:normAutofit/>
+          </a:bodyPr>
+          <a:lstStyle/>
+          <a:p>
+            <a:r>
+              <a:rPr lang="en-US" altLang="ko-KR" sz="2800" dirty="0" smtClean="0"/>
+              <a:t>3-5.</a:t>
+            </a:r>
+            <a:r>
+              <a:rPr lang="ko-KR" altLang="en-US" sz="2800" dirty="0" err="1" smtClean="0"/>
+              <a:t>마이페이지</a:t>
+            </a:r>
+            <a:endParaRPr lang="ko-KR" altLang="en-US" sz="2800" dirty="0"/>
+          </a:p>
+        </p:txBody>
+      </p:sp>
+      <p:sp>
+        <p:nvSpPr>
+          <p:cNvPr id="4" name="TextBox 3"/>
+          <p:cNvSpPr txBox="1"/>
+          <p:nvPr/>
+        </p:nvSpPr>
+        <p:spPr>
+          <a:xfrm>
+            <a:off x="7715250" y="1692892"/>
+            <a:ext cx="3886200" cy="3139321"/>
+          </a:xfrm>
+          <a:prstGeom prst="rect">
+            <a:avLst/>
+          </a:prstGeom>
+          <a:noFill/>
+        </p:spPr>
+        <p:txBody>
+          <a:bodyPr wrap="square" rtlCol="0">
+            <a:spAutoFit/>
+          </a:bodyPr>
+          <a:lstStyle/>
+          <a:p>
+            <a:r>
+              <a:rPr lang="ko-KR" altLang="en-US" dirty="0" err="1" smtClean="0"/>
+              <a:t>마이페이지</a:t>
+            </a:r>
+            <a:r>
+              <a:rPr lang="ko-KR" altLang="en-US" dirty="0"/>
+              <a:t> </a:t>
+            </a:r>
+            <a:r>
+              <a:rPr lang="ko-KR" altLang="en-US" dirty="0" smtClean="0"/>
+              <a:t>이다</a:t>
+            </a:r>
+            <a:r>
+              <a:rPr lang="en-US" altLang="ko-KR" dirty="0" smtClean="0"/>
+              <a:t>.</a:t>
+            </a:r>
+          </a:p>
+          <a:p>
+            <a:r>
+              <a:rPr lang="ko-KR" altLang="en-US" dirty="0" err="1" smtClean="0"/>
+              <a:t>로그인을</a:t>
+            </a:r>
+            <a:r>
+              <a:rPr lang="ko-KR" altLang="en-US" dirty="0" smtClean="0"/>
+              <a:t> 하지 않으면 나오지 않으며</a:t>
+            </a:r>
+            <a:r>
+              <a:rPr lang="en-US" altLang="ko-KR" dirty="0" smtClean="0"/>
+              <a:t>, </a:t>
+            </a:r>
+            <a:r>
+              <a:rPr lang="ko-KR" altLang="en-US" dirty="0" smtClean="0"/>
+              <a:t>회원정보수정란에서는 비밀번호를 변경할 수 있다</a:t>
+            </a:r>
+            <a:r>
+              <a:rPr lang="en-US" altLang="ko-KR" dirty="0" smtClean="0"/>
+              <a:t>.</a:t>
+            </a:r>
+          </a:p>
+          <a:p>
+            <a:r>
+              <a:rPr lang="ko-KR" altLang="en-US" dirty="0" smtClean="0"/>
+              <a:t>내 강의 목록에서는 유저가 산 강의를 들을 수 있다</a:t>
+            </a:r>
+            <a:r>
+              <a:rPr lang="en-US" altLang="ko-KR" dirty="0" smtClean="0"/>
+              <a:t>.</a:t>
+            </a:r>
+          </a:p>
+          <a:p>
+            <a:r>
+              <a:rPr lang="ko-KR" altLang="en-US" dirty="0" smtClean="0"/>
+              <a:t>회원탈퇴기능을 </a:t>
+            </a:r>
+            <a:r>
+              <a:rPr lang="ko-KR" altLang="en-US" dirty="0" err="1" smtClean="0"/>
+              <a:t>누를시</a:t>
+            </a:r>
+            <a:r>
+              <a:rPr lang="en-US" altLang="ko-KR" dirty="0" smtClean="0"/>
+              <a:t>, Alter</a:t>
+            </a:r>
+            <a:r>
+              <a:rPr lang="ko-KR" altLang="en-US" dirty="0" smtClean="0"/>
+              <a:t>창을 통해서 정말 </a:t>
+            </a:r>
+            <a:r>
+              <a:rPr lang="ko-KR" altLang="en-US" dirty="0" err="1" smtClean="0"/>
+              <a:t>탈퇴할거냐고</a:t>
+            </a:r>
+            <a:r>
+              <a:rPr lang="ko-KR" altLang="en-US" dirty="0" smtClean="0"/>
+              <a:t> 물은 다음에 </a:t>
+            </a:r>
+            <a:r>
+              <a:rPr lang="en-US" altLang="ko-KR" dirty="0" smtClean="0"/>
+              <a:t>‘</a:t>
+            </a:r>
+            <a:r>
+              <a:rPr lang="ko-KR" altLang="en-US" dirty="0" smtClean="0"/>
+              <a:t>네</a:t>
+            </a:r>
+            <a:r>
+              <a:rPr lang="en-US" altLang="ko-KR" dirty="0" smtClean="0"/>
+              <a:t>’</a:t>
+            </a:r>
+            <a:r>
+              <a:rPr lang="ko-KR" altLang="en-US" dirty="0" smtClean="0"/>
+              <a:t>를 누르면 </a:t>
+            </a:r>
+            <a:r>
+              <a:rPr lang="en-US" altLang="ko-KR" dirty="0" smtClean="0"/>
+              <a:t>‘</a:t>
+            </a:r>
+            <a:r>
+              <a:rPr lang="ko-KR" altLang="en-US" dirty="0" smtClean="0"/>
+              <a:t>탈퇴가 완료되었습니다</a:t>
+            </a:r>
+            <a:r>
+              <a:rPr lang="en-US" altLang="ko-KR" dirty="0" smtClean="0"/>
+              <a:t>.’</a:t>
+            </a:r>
+            <a:r>
+              <a:rPr lang="ko-KR" altLang="en-US" dirty="0" smtClean="0"/>
+              <a:t>라는 문구가 뜨면서 탈퇴가 된다</a:t>
+            </a:r>
+            <a:r>
+              <a:rPr lang="en-US" altLang="ko-KR" dirty="0" smtClean="0"/>
+              <a:t>.</a:t>
+            </a:r>
+            <a:endParaRPr lang="ko-KR" altLang="en-US" dirty="0"/>
+          </a:p>
+        </p:txBody>
+      </p:sp>
+      <p:sp>
+        <p:nvSpPr>
+          <p:cNvPr id="5" name="내용 개체 틀 2"/>
+          <p:cNvSpPr txBox="1">
+            <a:spLocks/>
+          </p:cNvSpPr>
+          <p:nvPr/>
+        </p:nvSpPr>
+        <p:spPr>
+          <a:xfrm>
+            <a:off x="838200" y="1323340"/>
+            <a:ext cx="2245822" cy="369552"/>
+          </a:xfrm>
+          <a:prstGeom prst="rect">
+            <a:avLst/>
+          </a:prstGeom>
+        </p:spPr>
+        <p:txBody>
+          <a:bodyPr vert="horz" lIns="91440" tIns="45720" rIns="91440" bIns="45720" rtlCol="0">
+            <a:normAutofit/>
+          </a:bodyPr>
+          <a:lstStyle>
+            <a:lvl1pPr marL="228600" indent="-228600" algn="l" defTabSz="914400" rtl="0" eaLnBrk="1" latinLnBrk="1" hangingPunct="1">
+              <a:lnSpc>
+                <a:spcPct val="90000"/>
+              </a:lnSpc>
+              <a:spcBef>
+                <a:spcPts val="1000"/>
+              </a:spcBef>
+              <a:buFont typeface="Arial" panose="020B0604020202020204" pitchFamily="34" charset="0"/>
+              <a:buChar char="•"/>
+              <a:defRPr sz="2800" kern="1200">
+                <a:solidFill>
+                  <a:schemeClr val="tx1"/>
+                </a:solidFill>
+                <a:latin typeface="+mn-lt"/>
+                <a:ea typeface="+mn-ea"/>
+                <a:cs typeface="+mn-cs"/>
+              </a:defRPr>
+            </a:lvl1pPr>
+            <a:lvl2pPr marL="685800" indent="-228600" algn="l" defTabSz="914400" rtl="0" eaLnBrk="1" latinLnBrk="1" hangingPunct="1">
+              <a:lnSpc>
+                <a:spcPct val="90000"/>
+              </a:lnSpc>
+              <a:spcBef>
+                <a:spcPts val="500"/>
+              </a:spcBef>
+              <a:buFont typeface="Arial" panose="020B0604020202020204" pitchFamily="34" charset="0"/>
+              <a:buChar char="•"/>
+              <a:defRPr sz="2400" kern="1200">
+                <a:solidFill>
+                  <a:schemeClr val="tx1"/>
+                </a:solidFill>
+                <a:latin typeface="+mn-lt"/>
+                <a:ea typeface="+mn-ea"/>
+                <a:cs typeface="+mn-cs"/>
+              </a:defRPr>
+            </a:lvl2pPr>
+            <a:lvl3pPr marL="1143000" indent="-228600" algn="l" defTabSz="914400" rtl="0" eaLnBrk="1" latinLnBrk="1" hangingPunct="1">
+              <a:lnSpc>
+                <a:spcPct val="90000"/>
+              </a:lnSpc>
+              <a:spcBef>
+                <a:spcPts val="500"/>
+              </a:spcBef>
+              <a:buFont typeface="Arial" panose="020B0604020202020204" pitchFamily="34" charset="0"/>
+              <a:buChar char="•"/>
+              <a:defRPr sz="2000" kern="1200">
+                <a:solidFill>
+                  <a:schemeClr val="tx1"/>
+                </a:solidFill>
+                <a:latin typeface="+mn-lt"/>
+                <a:ea typeface="+mn-ea"/>
+                <a:cs typeface="+mn-cs"/>
+              </a:defRPr>
+            </a:lvl3pPr>
+            <a:lvl4pPr marL="1600200" indent="-228600" algn="l" defTabSz="914400" rtl="0" eaLnBrk="1" latinLnBrk="1" hangingPunct="1">
+              <a:lnSpc>
+                <a:spcPct val="90000"/>
+              </a:lnSpc>
+              <a:spcBef>
+                <a:spcPts val="500"/>
+              </a:spcBef>
+              <a:buFont typeface="Arial" panose="020B0604020202020204" pitchFamily="34" charset="0"/>
+              <a:buChar char="•"/>
+              <a:defRPr sz="1800" kern="1200">
+                <a:solidFill>
+                  <a:schemeClr val="tx1"/>
+                </a:solidFill>
+                <a:latin typeface="+mn-lt"/>
+                <a:ea typeface="+mn-ea"/>
+                <a:cs typeface="+mn-cs"/>
+              </a:defRPr>
+            </a:lvl4pPr>
+            <a:lvl5pPr marL="2057400" indent="-228600" algn="l" defTabSz="914400" rtl="0" eaLnBrk="1" latinLnBrk="1" hangingPunct="1">
+              <a:lnSpc>
+                <a:spcPct val="90000"/>
+              </a:lnSpc>
+              <a:spcBef>
+                <a:spcPts val="500"/>
+              </a:spcBef>
+              <a:buFont typeface="Arial" panose="020B0604020202020204" pitchFamily="34" charset="0"/>
+              <a:buChar char="•"/>
+              <a:defRPr sz="1800" kern="1200">
+                <a:solidFill>
+                  <a:schemeClr val="tx1"/>
+                </a:solidFill>
+                <a:latin typeface="+mn-lt"/>
+                <a:ea typeface="+mn-ea"/>
+                <a:cs typeface="+mn-cs"/>
+              </a:defRPr>
+            </a:lvl5pPr>
+            <a:lvl6pPr marL="2514600" indent="-228600" algn="l" defTabSz="914400" rtl="0" eaLnBrk="1" latinLnBrk="1" hangingPunct="1">
+              <a:lnSpc>
+                <a:spcPct val="90000"/>
+              </a:lnSpc>
+              <a:spcBef>
+                <a:spcPts val="500"/>
+              </a:spcBef>
+              <a:buFont typeface="Arial" panose="020B0604020202020204" pitchFamily="34" charset="0"/>
+              <a:buChar char="•"/>
+              <a:defRPr sz="1800" kern="1200">
+                <a:solidFill>
+                  <a:schemeClr val="tx1"/>
+                </a:solidFill>
+                <a:latin typeface="+mn-lt"/>
+                <a:ea typeface="+mn-ea"/>
+                <a:cs typeface="+mn-cs"/>
+              </a:defRPr>
+            </a:lvl6pPr>
+            <a:lvl7pPr marL="2971800" indent="-228600" algn="l" defTabSz="914400" rtl="0" eaLnBrk="1" latinLnBrk="1" hangingPunct="1">
+              <a:lnSpc>
+                <a:spcPct val="90000"/>
+              </a:lnSpc>
+              <a:spcBef>
+                <a:spcPts val="500"/>
+              </a:spcBef>
+              <a:buFont typeface="Arial" panose="020B0604020202020204" pitchFamily="34" charset="0"/>
+              <a:buChar char="•"/>
+              <a:defRPr sz="1800" kern="1200">
+                <a:solidFill>
+                  <a:schemeClr val="tx1"/>
+                </a:solidFill>
+                <a:latin typeface="+mn-lt"/>
+                <a:ea typeface="+mn-ea"/>
+                <a:cs typeface="+mn-cs"/>
+              </a:defRPr>
+            </a:lvl7pPr>
+            <a:lvl8pPr marL="3429000" indent="-228600" algn="l" defTabSz="914400" rtl="0" eaLnBrk="1" latinLnBrk="1" hangingPunct="1">
+              <a:lnSpc>
+                <a:spcPct val="90000"/>
+              </a:lnSpc>
+              <a:spcBef>
+                <a:spcPts val="500"/>
+              </a:spcBef>
+              <a:buFont typeface="Arial" panose="020B0604020202020204" pitchFamily="34" charset="0"/>
+              <a:buChar char="•"/>
+              <a:defRPr sz="1800" kern="1200">
+                <a:solidFill>
+                  <a:schemeClr val="tx1"/>
+                </a:solidFill>
+                <a:latin typeface="+mn-lt"/>
+                <a:ea typeface="+mn-ea"/>
+                <a:cs typeface="+mn-cs"/>
+              </a:defRPr>
+            </a:lvl8pPr>
+            <a:lvl9pPr marL="3886200" indent="-228600" algn="l" defTabSz="914400" rtl="0" eaLnBrk="1" latinLnBrk="1" hangingPunct="1">
+              <a:lnSpc>
+                <a:spcPct val="90000"/>
+              </a:lnSpc>
+              <a:spcBef>
+                <a:spcPts val="500"/>
+              </a:spcBef>
+              <a:buFont typeface="Arial" panose="020B0604020202020204" pitchFamily="34" charset="0"/>
+              <a:buChar char="•"/>
+              <a:defRPr sz="1800" kern="1200">
+                <a:solidFill>
+                  <a:schemeClr val="tx1"/>
+                </a:solidFill>
+                <a:latin typeface="+mn-lt"/>
+                <a:ea typeface="+mn-ea"/>
+                <a:cs typeface="+mn-cs"/>
+              </a:defRPr>
+            </a:lvl9pPr>
+          </a:lstStyle>
+          <a:p>
+            <a:pPr marL="0" indent="0">
+              <a:buFont typeface="Arial" panose="020B0604020202020204" pitchFamily="34" charset="0"/>
+              <a:buNone/>
+            </a:pPr>
+            <a:r>
+              <a:rPr lang="en-US" altLang="ko-KR" sz="1800" dirty="0" smtClean="0"/>
+              <a:t>*</a:t>
+            </a:r>
+            <a:r>
+              <a:rPr lang="ko-KR" altLang="en-US" sz="1800" dirty="0" err="1" smtClean="0"/>
+              <a:t>마이페이지</a:t>
+            </a:r>
+            <a:endParaRPr lang="ko-KR" altLang="en-US" sz="1800" dirty="0"/>
+          </a:p>
+        </p:txBody>
+      </p:sp>
+      <p:sp>
+        <p:nvSpPr>
+          <p:cNvPr id="6" name="TextBox 5"/>
+          <p:cNvSpPr txBox="1"/>
+          <p:nvPr/>
+        </p:nvSpPr>
+        <p:spPr>
+          <a:xfrm>
+            <a:off x="7715250" y="5672078"/>
+            <a:ext cx="4295775" cy="369332"/>
+          </a:xfrm>
+          <a:prstGeom prst="rect">
+            <a:avLst/>
+          </a:prstGeom>
+          <a:noFill/>
+        </p:spPr>
+        <p:txBody>
+          <a:bodyPr wrap="square" rtlCol="0">
+            <a:spAutoFit/>
+          </a:bodyPr>
+          <a:lstStyle/>
+          <a:p>
+            <a:r>
+              <a:rPr lang="ko-KR" altLang="en-US" dirty="0" err="1" smtClean="0"/>
+              <a:t>마이페이지</a:t>
+            </a:r>
+            <a:r>
+              <a:rPr lang="en-US" altLang="ko-KR" dirty="0" smtClean="0"/>
+              <a:t>-</a:t>
+            </a:r>
+            <a:r>
+              <a:rPr lang="en-US" altLang="ko-KR" dirty="0"/>
+              <a:t>API : </a:t>
+            </a:r>
+            <a:r>
+              <a:rPr lang="en-US" altLang="ko-KR" dirty="0" smtClean="0"/>
+              <a:t>localhost/</a:t>
+            </a:r>
+            <a:r>
+              <a:rPr lang="en-US" altLang="ko-KR" dirty="0" err="1" smtClean="0"/>
+              <a:t>mypage</a:t>
+            </a:r>
+            <a:r>
+              <a:rPr lang="en-US" altLang="ko-KR" dirty="0" smtClean="0"/>
+              <a:t>/{id}</a:t>
+            </a:r>
+            <a:endParaRPr lang="ko-KR" altLang="en-US" dirty="0"/>
+          </a:p>
+        </p:txBody>
+      </p:sp>
+      <p:pic>
+        <p:nvPicPr>
+          <p:cNvPr id="7" name="그림 6"/>
+          <p:cNvPicPr>
+            <a:picLocks noChangeAspect="1"/>
+          </p:cNvPicPr>
+          <p:nvPr/>
+        </p:nvPicPr>
+        <p:blipFill>
+          <a:blip r:embed="rId2">
+            <a:extLst>
+              <a:ext uri="{28A0092B-C50C-407E-A947-70E740481C1C}">
+                <a14:useLocalDpi xmlns:a14="http://schemas.microsoft.com/office/drawing/2010/main" val="0"/>
+              </a:ext>
+            </a:extLst>
+          </a:blip>
+          <a:stretch>
+            <a:fillRect/>
+          </a:stretch>
+        </p:blipFill>
+        <p:spPr>
+          <a:xfrm>
+            <a:off x="838200" y="1775305"/>
+            <a:ext cx="6212288" cy="4417627"/>
+          </a:xfrm>
+          <a:prstGeom prst="rect">
+            <a:avLst/>
+          </a:prstGeom>
+          <a:ln>
+            <a:solidFill>
+              <a:schemeClr val="tx1"/>
+            </a:solidFill>
+          </a:ln>
+        </p:spPr>
+      </p:pic>
+    </p:spTree>
+    <p:extLst>
+      <p:ext uri="{BB962C8B-B14F-4D97-AF65-F5344CB8AC3E}">
+        <p14:creationId xmlns:p14="http://schemas.microsoft.com/office/powerpoint/2010/main" val="1900708429"/>
+      </p:ext>
+    </p:extLst>
+  </p:cSld>
+  <p:clrMapOvr>
+    <a:masterClrMapping/>
+  </p:clrMapOvr>
+  <p:timing>
+    <p:tnLst>
+      <p:par>
+        <p:cTn id="1" dur="indefinite" restart="never" nodeType="tmRoot"/>
+      </p:par>
+    </p:tnLst>
+  </p:timing>
+</p:sld>
+</file>
+
+<file path=ppt/slides/slide18.xml><?xml version="1.0" encoding="utf-8"?>
+<p:sld xmlns:a="http://schemas.openxmlformats.org/drawingml/2006/main" xmlns:r="http://schemas.openxmlformats.org/officeDocument/2006/relationships" xmlns:p="http://schemas.openxmlformats.org/presentationml/2006/main">
+  <p:cSld>
+    <p:spTree>
+      <p:nvGrpSpPr>
+        <p:cNvPr id="1" name=""/>
+        <p:cNvGrpSpPr/>
+        <p:nvPr/>
+      </p:nvGrpSpPr>
+      <p:grpSpPr>
+        <a:xfrm>
+          <a:off x="0" y="0"/>
+          <a:ext cx="0" cy="0"/>
+          <a:chOff x="0" y="0"/>
+          <a:chExt cx="0" cy="0"/>
+        </a:xfrm>
+      </p:grpSpPr>
+      <p:sp>
+        <p:nvSpPr>
+          <p:cNvPr id="2" name="제목 1"/>
+          <p:cNvSpPr>
+            <a:spLocks noGrp="1"/>
+          </p:cNvSpPr>
+          <p:nvPr>
+            <p:ph type="title"/>
+          </p:nvPr>
+        </p:nvSpPr>
+        <p:spPr>
+          <a:xfrm>
+            <a:off x="838200" y="390698"/>
+            <a:ext cx="10515600" cy="693161"/>
+          </a:xfrm>
+        </p:spPr>
+        <p:txBody>
+          <a:bodyPr>
+            <a:normAutofit/>
+          </a:bodyPr>
+          <a:lstStyle/>
+          <a:p>
+            <a:r>
+              <a:rPr lang="en-US" altLang="ko-KR" sz="2800" dirty="0" smtClean="0"/>
+              <a:t>3-5.</a:t>
+            </a:r>
+            <a:r>
+              <a:rPr lang="ko-KR" altLang="en-US" sz="2800" dirty="0" err="1" smtClean="0"/>
+              <a:t>마이페이지</a:t>
+            </a:r>
+            <a:endParaRPr lang="ko-KR" altLang="en-US" sz="2800" dirty="0"/>
+          </a:p>
+        </p:txBody>
+      </p:sp>
+      <p:sp>
+        <p:nvSpPr>
+          <p:cNvPr id="4" name="TextBox 3"/>
+          <p:cNvSpPr txBox="1"/>
+          <p:nvPr/>
+        </p:nvSpPr>
+        <p:spPr>
+          <a:xfrm>
+            <a:off x="7058025" y="1969671"/>
+            <a:ext cx="3886200" cy="923330"/>
+          </a:xfrm>
+          <a:prstGeom prst="rect">
+            <a:avLst/>
+          </a:prstGeom>
+          <a:noFill/>
+        </p:spPr>
+        <p:txBody>
+          <a:bodyPr wrap="square" rtlCol="0">
+            <a:spAutoFit/>
+          </a:bodyPr>
+          <a:lstStyle/>
+          <a:p>
+            <a:r>
+              <a:rPr lang="ko-KR" altLang="en-US" dirty="0" smtClean="0"/>
+              <a:t>회원정보수정 페이지이다</a:t>
+            </a:r>
+            <a:r>
+              <a:rPr lang="en-US" altLang="ko-KR" dirty="0" smtClean="0"/>
+              <a:t>.</a:t>
+            </a:r>
+            <a:endParaRPr lang="en-US" altLang="ko-KR" dirty="0"/>
+          </a:p>
+          <a:p>
+            <a:r>
+              <a:rPr lang="ko-KR" altLang="en-US" dirty="0" smtClean="0"/>
+              <a:t>회원의 비밀번호를 변경할 수 있는 곳이다</a:t>
+            </a:r>
+            <a:r>
+              <a:rPr lang="en-US" altLang="ko-KR" dirty="0" smtClean="0"/>
+              <a:t>.</a:t>
+            </a:r>
+          </a:p>
+        </p:txBody>
+      </p:sp>
+      <p:sp>
+        <p:nvSpPr>
+          <p:cNvPr id="6" name="내용 개체 틀 2"/>
+          <p:cNvSpPr txBox="1">
+            <a:spLocks/>
+          </p:cNvSpPr>
+          <p:nvPr/>
+        </p:nvSpPr>
+        <p:spPr>
+          <a:xfrm>
+            <a:off x="838200" y="1341989"/>
+            <a:ext cx="2245822" cy="369552"/>
+          </a:xfrm>
+          <a:prstGeom prst="rect">
+            <a:avLst/>
+          </a:prstGeom>
+        </p:spPr>
+        <p:txBody>
+          <a:bodyPr vert="horz" lIns="91440" tIns="45720" rIns="91440" bIns="45720" rtlCol="0">
+            <a:normAutofit/>
+          </a:bodyPr>
+          <a:lstStyle>
+            <a:lvl1pPr marL="228600" indent="-228600" algn="l" defTabSz="914400" rtl="0" eaLnBrk="1" latinLnBrk="1" hangingPunct="1">
+              <a:lnSpc>
+                <a:spcPct val="90000"/>
+              </a:lnSpc>
+              <a:spcBef>
+                <a:spcPts val="1000"/>
+              </a:spcBef>
+              <a:buFont typeface="Arial" panose="020B0604020202020204" pitchFamily="34" charset="0"/>
+              <a:buChar char="•"/>
+              <a:defRPr sz="2800" kern="1200">
+                <a:solidFill>
+                  <a:schemeClr val="tx1"/>
+                </a:solidFill>
+                <a:latin typeface="+mn-lt"/>
+                <a:ea typeface="+mn-ea"/>
+                <a:cs typeface="+mn-cs"/>
+              </a:defRPr>
+            </a:lvl1pPr>
+            <a:lvl2pPr marL="685800" indent="-228600" algn="l" defTabSz="914400" rtl="0" eaLnBrk="1" latinLnBrk="1" hangingPunct="1">
+              <a:lnSpc>
+                <a:spcPct val="90000"/>
+              </a:lnSpc>
+              <a:spcBef>
+                <a:spcPts val="500"/>
+              </a:spcBef>
+              <a:buFont typeface="Arial" panose="020B0604020202020204" pitchFamily="34" charset="0"/>
+              <a:buChar char="•"/>
+              <a:defRPr sz="2400" kern="1200">
+                <a:solidFill>
+                  <a:schemeClr val="tx1"/>
+                </a:solidFill>
+                <a:latin typeface="+mn-lt"/>
+                <a:ea typeface="+mn-ea"/>
+                <a:cs typeface="+mn-cs"/>
+              </a:defRPr>
+            </a:lvl2pPr>
+            <a:lvl3pPr marL="1143000" indent="-228600" algn="l" defTabSz="914400" rtl="0" eaLnBrk="1" latinLnBrk="1" hangingPunct="1">
+              <a:lnSpc>
+                <a:spcPct val="90000"/>
+              </a:lnSpc>
+              <a:spcBef>
+                <a:spcPts val="500"/>
+              </a:spcBef>
+              <a:buFont typeface="Arial" panose="020B0604020202020204" pitchFamily="34" charset="0"/>
+              <a:buChar char="•"/>
+              <a:defRPr sz="2000" kern="1200">
+                <a:solidFill>
+                  <a:schemeClr val="tx1"/>
+                </a:solidFill>
+                <a:latin typeface="+mn-lt"/>
+                <a:ea typeface="+mn-ea"/>
+                <a:cs typeface="+mn-cs"/>
+              </a:defRPr>
+            </a:lvl3pPr>
+            <a:lvl4pPr marL="1600200" indent="-228600" algn="l" defTabSz="914400" rtl="0" eaLnBrk="1" latinLnBrk="1" hangingPunct="1">
+              <a:lnSpc>
+                <a:spcPct val="90000"/>
+              </a:lnSpc>
+              <a:spcBef>
+                <a:spcPts val="500"/>
+              </a:spcBef>
+              <a:buFont typeface="Arial" panose="020B0604020202020204" pitchFamily="34" charset="0"/>
+              <a:buChar char="•"/>
+              <a:defRPr sz="1800" kern="1200">
+                <a:solidFill>
+                  <a:schemeClr val="tx1"/>
+                </a:solidFill>
+                <a:latin typeface="+mn-lt"/>
+                <a:ea typeface="+mn-ea"/>
+                <a:cs typeface="+mn-cs"/>
+              </a:defRPr>
+            </a:lvl4pPr>
+            <a:lvl5pPr marL="2057400" indent="-228600" algn="l" defTabSz="914400" rtl="0" eaLnBrk="1" latinLnBrk="1" hangingPunct="1">
+              <a:lnSpc>
+                <a:spcPct val="90000"/>
+              </a:lnSpc>
+              <a:spcBef>
+                <a:spcPts val="500"/>
+              </a:spcBef>
+              <a:buFont typeface="Arial" panose="020B0604020202020204" pitchFamily="34" charset="0"/>
+              <a:buChar char="•"/>
+              <a:defRPr sz="1800" kern="1200">
+                <a:solidFill>
+                  <a:schemeClr val="tx1"/>
+                </a:solidFill>
+                <a:latin typeface="+mn-lt"/>
+                <a:ea typeface="+mn-ea"/>
+                <a:cs typeface="+mn-cs"/>
+              </a:defRPr>
+            </a:lvl5pPr>
+            <a:lvl6pPr marL="2514600" indent="-228600" algn="l" defTabSz="914400" rtl="0" eaLnBrk="1" latinLnBrk="1" hangingPunct="1">
+              <a:lnSpc>
+                <a:spcPct val="90000"/>
+              </a:lnSpc>
+              <a:spcBef>
+                <a:spcPts val="500"/>
+              </a:spcBef>
+              <a:buFont typeface="Arial" panose="020B0604020202020204" pitchFamily="34" charset="0"/>
+              <a:buChar char="•"/>
+              <a:defRPr sz="1800" kern="1200">
+                <a:solidFill>
+                  <a:schemeClr val="tx1"/>
+                </a:solidFill>
+                <a:latin typeface="+mn-lt"/>
+                <a:ea typeface="+mn-ea"/>
+                <a:cs typeface="+mn-cs"/>
+              </a:defRPr>
+            </a:lvl6pPr>
+            <a:lvl7pPr marL="2971800" indent="-228600" algn="l" defTabSz="914400" rtl="0" eaLnBrk="1" latinLnBrk="1" hangingPunct="1">
+              <a:lnSpc>
+                <a:spcPct val="90000"/>
+              </a:lnSpc>
+              <a:spcBef>
+                <a:spcPts val="500"/>
+              </a:spcBef>
+              <a:buFont typeface="Arial" panose="020B0604020202020204" pitchFamily="34" charset="0"/>
+              <a:buChar char="•"/>
+              <a:defRPr sz="1800" kern="1200">
+                <a:solidFill>
+                  <a:schemeClr val="tx1"/>
+                </a:solidFill>
+                <a:latin typeface="+mn-lt"/>
+                <a:ea typeface="+mn-ea"/>
+                <a:cs typeface="+mn-cs"/>
+              </a:defRPr>
+            </a:lvl7pPr>
+            <a:lvl8pPr marL="3429000" indent="-228600" algn="l" defTabSz="914400" rtl="0" eaLnBrk="1" latinLnBrk="1" hangingPunct="1">
+              <a:lnSpc>
+                <a:spcPct val="90000"/>
+              </a:lnSpc>
+              <a:spcBef>
+                <a:spcPts val="500"/>
+              </a:spcBef>
+              <a:buFont typeface="Arial" panose="020B0604020202020204" pitchFamily="34" charset="0"/>
+              <a:buChar char="•"/>
+              <a:defRPr sz="1800" kern="1200">
+                <a:solidFill>
+                  <a:schemeClr val="tx1"/>
+                </a:solidFill>
+                <a:latin typeface="+mn-lt"/>
+                <a:ea typeface="+mn-ea"/>
+                <a:cs typeface="+mn-cs"/>
+              </a:defRPr>
+            </a:lvl8pPr>
+            <a:lvl9pPr marL="3886200" indent="-228600" algn="l" defTabSz="914400" rtl="0" eaLnBrk="1" latinLnBrk="1" hangingPunct="1">
+              <a:lnSpc>
+                <a:spcPct val="90000"/>
+              </a:lnSpc>
+              <a:spcBef>
+                <a:spcPts val="500"/>
+              </a:spcBef>
+              <a:buFont typeface="Arial" panose="020B0604020202020204" pitchFamily="34" charset="0"/>
+              <a:buChar char="•"/>
+              <a:defRPr sz="1800" kern="1200">
+                <a:solidFill>
+                  <a:schemeClr val="tx1"/>
+                </a:solidFill>
+                <a:latin typeface="+mn-lt"/>
+                <a:ea typeface="+mn-ea"/>
+                <a:cs typeface="+mn-cs"/>
+              </a:defRPr>
+            </a:lvl9pPr>
+          </a:lstStyle>
+          <a:p>
+            <a:pPr marL="0" indent="0">
+              <a:buFont typeface="Arial" panose="020B0604020202020204" pitchFamily="34" charset="0"/>
+              <a:buNone/>
+            </a:pPr>
+            <a:r>
+              <a:rPr lang="en-US" altLang="ko-KR" sz="1800" dirty="0" smtClean="0"/>
+              <a:t>*</a:t>
+            </a:r>
+            <a:r>
+              <a:rPr lang="ko-KR" altLang="en-US" sz="1800" dirty="0" smtClean="0"/>
+              <a:t>회원정보수정</a:t>
+            </a:r>
+            <a:endParaRPr lang="ko-KR" altLang="en-US" sz="1800" dirty="0"/>
+          </a:p>
+        </p:txBody>
+      </p:sp>
+      <p:sp>
+        <p:nvSpPr>
+          <p:cNvPr id="7" name="TextBox 6"/>
+          <p:cNvSpPr txBox="1"/>
+          <p:nvPr/>
+        </p:nvSpPr>
+        <p:spPr>
+          <a:xfrm>
+            <a:off x="7058025" y="5329178"/>
+            <a:ext cx="4295775" cy="646331"/>
+          </a:xfrm>
+          <a:prstGeom prst="rect">
+            <a:avLst/>
+          </a:prstGeom>
+          <a:noFill/>
+        </p:spPr>
+        <p:txBody>
+          <a:bodyPr wrap="square" rtlCol="0">
+            <a:spAutoFit/>
+          </a:bodyPr>
+          <a:lstStyle/>
+          <a:p>
+            <a:r>
+              <a:rPr lang="ko-KR" altLang="en-US" dirty="0" err="1" smtClean="0"/>
+              <a:t>마이페이지</a:t>
+            </a:r>
+            <a:r>
+              <a:rPr lang="en-US" altLang="ko-KR" dirty="0" smtClean="0"/>
+              <a:t>-</a:t>
+            </a:r>
+            <a:r>
+              <a:rPr lang="en-US" altLang="ko-KR" dirty="0"/>
+              <a:t>API : </a:t>
+            </a:r>
+            <a:endParaRPr lang="en-US" altLang="ko-KR" dirty="0" smtClean="0"/>
+          </a:p>
+          <a:p>
+            <a:r>
+              <a:rPr lang="en-US" altLang="ko-KR" dirty="0" smtClean="0"/>
+              <a:t>localhost/</a:t>
+            </a:r>
+            <a:r>
+              <a:rPr lang="en-US" altLang="ko-KR" dirty="0" err="1" smtClean="0"/>
+              <a:t>mypage</a:t>
+            </a:r>
+            <a:r>
+              <a:rPr lang="en-US" altLang="ko-KR" dirty="0" smtClean="0"/>
+              <a:t>/{id}/change</a:t>
+            </a:r>
+            <a:endParaRPr lang="ko-KR" altLang="en-US" dirty="0"/>
+          </a:p>
+        </p:txBody>
+      </p:sp>
+      <p:pic>
+        <p:nvPicPr>
+          <p:cNvPr id="11" name="그림 10"/>
+          <p:cNvPicPr>
+            <a:picLocks noChangeAspect="1"/>
+          </p:cNvPicPr>
+          <p:nvPr/>
+        </p:nvPicPr>
+        <p:blipFill>
+          <a:blip r:embed="rId2" cstate="print">
+            <a:extLst>
+              <a:ext uri="{28A0092B-C50C-407E-A947-70E740481C1C}">
+                <a14:useLocalDpi xmlns:a14="http://schemas.microsoft.com/office/drawing/2010/main" val="0"/>
+              </a:ext>
+            </a:extLst>
+          </a:blip>
+          <a:stretch>
+            <a:fillRect/>
+          </a:stretch>
+        </p:blipFill>
+        <p:spPr>
+          <a:xfrm>
+            <a:off x="838201" y="1969671"/>
+            <a:ext cx="5143499" cy="3860317"/>
+          </a:xfrm>
+          <a:prstGeom prst="rect">
+            <a:avLst/>
+          </a:prstGeom>
+          <a:ln>
+            <a:solidFill>
+              <a:schemeClr val="tx1"/>
+            </a:solidFill>
+          </a:ln>
+        </p:spPr>
+      </p:pic>
+    </p:spTree>
+    <p:extLst>
+      <p:ext uri="{BB962C8B-B14F-4D97-AF65-F5344CB8AC3E}">
+        <p14:creationId xmlns:p14="http://schemas.microsoft.com/office/powerpoint/2010/main" val="1997059129"/>
+      </p:ext>
+    </p:extLst>
+  </p:cSld>
+  <p:clrMapOvr>
+    <a:masterClrMapping/>
+  </p:clrMapOvr>
+  <p:timing>
+    <p:tnLst>
+      <p:par>
+        <p:cTn id="1" dur="indefinite" restart="never" nodeType="tmRoot"/>
+      </p:par>
+    </p:tnLst>
+  </p:timing>
+</p:sld>
+</file>
+
+<file path=ppt/slides/slide19.xml><?xml version="1.0" encoding="utf-8"?>
+<p:sld xmlns:a="http://schemas.openxmlformats.org/drawingml/2006/main" xmlns:r="http://schemas.openxmlformats.org/officeDocument/2006/relationships" xmlns:p="http://schemas.openxmlformats.org/presentationml/2006/main">
+  <p:cSld>
+    <p:spTree>
+      <p:nvGrpSpPr>
+        <p:cNvPr id="1" name=""/>
+        <p:cNvGrpSpPr/>
+        <p:nvPr/>
+      </p:nvGrpSpPr>
+      <p:grpSpPr>
+        <a:xfrm>
+          <a:off x="0" y="0"/>
+          <a:ext cx="0" cy="0"/>
+          <a:chOff x="0" y="0"/>
+          <a:chExt cx="0" cy="0"/>
+        </a:xfrm>
+      </p:grpSpPr>
+      <p:sp>
+        <p:nvSpPr>
+          <p:cNvPr id="2" name="제목 1"/>
+          <p:cNvSpPr>
+            <a:spLocks noGrp="1"/>
+          </p:cNvSpPr>
+          <p:nvPr>
+            <p:ph type="title"/>
+          </p:nvPr>
+        </p:nvSpPr>
+        <p:spPr>
+          <a:xfrm>
+            <a:off x="838200" y="390698"/>
+            <a:ext cx="10515600" cy="693161"/>
+          </a:xfrm>
+        </p:spPr>
+        <p:txBody>
+          <a:bodyPr>
+            <a:normAutofit/>
+          </a:bodyPr>
+          <a:lstStyle/>
+          <a:p>
+            <a:r>
+              <a:rPr lang="en-US" altLang="ko-KR" sz="2800" dirty="0" smtClean="0"/>
+              <a:t>3-5.</a:t>
+            </a:r>
+            <a:r>
+              <a:rPr lang="ko-KR" altLang="en-US" sz="2800" dirty="0" err="1" smtClean="0"/>
+              <a:t>마이페이지</a:t>
+            </a:r>
+            <a:endParaRPr lang="ko-KR" altLang="en-US" sz="2800" dirty="0"/>
+          </a:p>
+        </p:txBody>
+      </p:sp>
+      <p:sp>
+        <p:nvSpPr>
+          <p:cNvPr id="4" name="TextBox 3"/>
+          <p:cNvSpPr txBox="1"/>
+          <p:nvPr/>
+        </p:nvSpPr>
+        <p:spPr>
+          <a:xfrm>
+            <a:off x="6409188" y="2047042"/>
+            <a:ext cx="3886200" cy="923330"/>
+          </a:xfrm>
+          <a:prstGeom prst="rect">
+            <a:avLst/>
+          </a:prstGeom>
+          <a:noFill/>
+        </p:spPr>
+        <p:txBody>
+          <a:bodyPr wrap="square" rtlCol="0">
+            <a:spAutoFit/>
+          </a:bodyPr>
+          <a:lstStyle/>
+          <a:p>
+            <a:r>
+              <a:rPr lang="ko-KR" altLang="en-US" dirty="0" smtClean="0"/>
+              <a:t>내 강의 목록페이지이다</a:t>
+            </a:r>
+            <a:r>
+              <a:rPr lang="en-US" altLang="ko-KR" dirty="0" smtClean="0"/>
+              <a:t>.</a:t>
+            </a:r>
+          </a:p>
+          <a:p>
+            <a:r>
+              <a:rPr lang="ko-KR" altLang="en-US" dirty="0" smtClean="0"/>
+              <a:t>사진이나</a:t>
+            </a:r>
+            <a:r>
+              <a:rPr lang="en-US" altLang="ko-KR" dirty="0" smtClean="0"/>
+              <a:t>,</a:t>
+            </a:r>
+            <a:r>
+              <a:rPr lang="ko-KR" altLang="en-US" dirty="0" err="1" smtClean="0"/>
+              <a:t>강의명을</a:t>
+            </a:r>
+            <a:r>
+              <a:rPr lang="ko-KR" altLang="en-US" dirty="0" smtClean="0"/>
+              <a:t> 클릭하면 강의 페이지로 이동함</a:t>
+            </a:r>
+            <a:r>
+              <a:rPr lang="en-US" altLang="ko-KR" dirty="0" smtClean="0"/>
+              <a:t>.</a:t>
+            </a:r>
+            <a:endParaRPr lang="en-US" altLang="ko-KR" dirty="0"/>
+          </a:p>
+        </p:txBody>
+      </p:sp>
+      <p:sp>
+        <p:nvSpPr>
+          <p:cNvPr id="6" name="내용 개체 틀 2"/>
+          <p:cNvSpPr txBox="1">
+            <a:spLocks/>
+          </p:cNvSpPr>
+          <p:nvPr/>
+        </p:nvSpPr>
+        <p:spPr>
+          <a:xfrm>
+            <a:off x="838200" y="1341989"/>
+            <a:ext cx="2245822" cy="369552"/>
+          </a:xfrm>
+          <a:prstGeom prst="rect">
+            <a:avLst/>
+          </a:prstGeom>
+        </p:spPr>
+        <p:txBody>
+          <a:bodyPr vert="horz" lIns="91440" tIns="45720" rIns="91440" bIns="45720" rtlCol="0">
+            <a:normAutofit/>
+          </a:bodyPr>
+          <a:lstStyle>
+            <a:lvl1pPr marL="228600" indent="-228600" algn="l" defTabSz="914400" rtl="0" eaLnBrk="1" latinLnBrk="1" hangingPunct="1">
+              <a:lnSpc>
+                <a:spcPct val="90000"/>
+              </a:lnSpc>
+              <a:spcBef>
+                <a:spcPts val="1000"/>
+              </a:spcBef>
+              <a:buFont typeface="Arial" panose="020B0604020202020204" pitchFamily="34" charset="0"/>
+              <a:buChar char="•"/>
+              <a:defRPr sz="2800" kern="1200">
+                <a:solidFill>
+                  <a:schemeClr val="tx1"/>
+                </a:solidFill>
+                <a:latin typeface="+mn-lt"/>
+                <a:ea typeface="+mn-ea"/>
+                <a:cs typeface="+mn-cs"/>
+              </a:defRPr>
+            </a:lvl1pPr>
+            <a:lvl2pPr marL="685800" indent="-228600" algn="l" defTabSz="914400" rtl="0" eaLnBrk="1" latinLnBrk="1" hangingPunct="1">
+              <a:lnSpc>
+                <a:spcPct val="90000"/>
+              </a:lnSpc>
+              <a:spcBef>
+                <a:spcPts val="500"/>
+              </a:spcBef>
+              <a:buFont typeface="Arial" panose="020B0604020202020204" pitchFamily="34" charset="0"/>
+              <a:buChar char="•"/>
+              <a:defRPr sz="2400" kern="1200">
+                <a:solidFill>
+                  <a:schemeClr val="tx1"/>
+                </a:solidFill>
+                <a:latin typeface="+mn-lt"/>
+                <a:ea typeface="+mn-ea"/>
+                <a:cs typeface="+mn-cs"/>
+              </a:defRPr>
+            </a:lvl2pPr>
+            <a:lvl3pPr marL="1143000" indent="-228600" algn="l" defTabSz="914400" rtl="0" eaLnBrk="1" latinLnBrk="1" hangingPunct="1">
+              <a:lnSpc>
+                <a:spcPct val="90000"/>
+              </a:lnSpc>
+              <a:spcBef>
+                <a:spcPts val="500"/>
+              </a:spcBef>
+              <a:buFont typeface="Arial" panose="020B0604020202020204" pitchFamily="34" charset="0"/>
+              <a:buChar char="•"/>
+              <a:defRPr sz="2000" kern="1200">
+                <a:solidFill>
+                  <a:schemeClr val="tx1"/>
+                </a:solidFill>
+                <a:latin typeface="+mn-lt"/>
+                <a:ea typeface="+mn-ea"/>
+                <a:cs typeface="+mn-cs"/>
+              </a:defRPr>
+            </a:lvl3pPr>
+            <a:lvl4pPr marL="1600200" indent="-228600" algn="l" defTabSz="914400" rtl="0" eaLnBrk="1" latinLnBrk="1" hangingPunct="1">
+              <a:lnSpc>
+                <a:spcPct val="90000"/>
+              </a:lnSpc>
+              <a:spcBef>
+                <a:spcPts val="500"/>
+              </a:spcBef>
+              <a:buFont typeface="Arial" panose="020B0604020202020204" pitchFamily="34" charset="0"/>
+              <a:buChar char="•"/>
+              <a:defRPr sz="1800" kern="1200">
+                <a:solidFill>
+                  <a:schemeClr val="tx1"/>
+                </a:solidFill>
+                <a:latin typeface="+mn-lt"/>
+                <a:ea typeface="+mn-ea"/>
+                <a:cs typeface="+mn-cs"/>
+              </a:defRPr>
+            </a:lvl4pPr>
+            <a:lvl5pPr marL="2057400" indent="-228600" algn="l" defTabSz="914400" rtl="0" eaLnBrk="1" latinLnBrk="1" hangingPunct="1">
+              <a:lnSpc>
+                <a:spcPct val="90000"/>
+              </a:lnSpc>
+              <a:spcBef>
+                <a:spcPts val="500"/>
+              </a:spcBef>
+              <a:buFont typeface="Arial" panose="020B0604020202020204" pitchFamily="34" charset="0"/>
+              <a:buChar char="•"/>
+              <a:defRPr sz="1800" kern="1200">
+                <a:solidFill>
+                  <a:schemeClr val="tx1"/>
+                </a:solidFill>
+                <a:latin typeface="+mn-lt"/>
+                <a:ea typeface="+mn-ea"/>
+                <a:cs typeface="+mn-cs"/>
+              </a:defRPr>
+            </a:lvl5pPr>
+            <a:lvl6pPr marL="2514600" indent="-228600" algn="l" defTabSz="914400" rtl="0" eaLnBrk="1" latinLnBrk="1" hangingPunct="1">
+              <a:lnSpc>
+                <a:spcPct val="90000"/>
+              </a:lnSpc>
+              <a:spcBef>
+                <a:spcPts val="500"/>
+              </a:spcBef>
+              <a:buFont typeface="Arial" panose="020B0604020202020204" pitchFamily="34" charset="0"/>
+              <a:buChar char="•"/>
+              <a:defRPr sz="1800" kern="1200">
+                <a:solidFill>
+                  <a:schemeClr val="tx1"/>
+                </a:solidFill>
+                <a:latin typeface="+mn-lt"/>
+                <a:ea typeface="+mn-ea"/>
+                <a:cs typeface="+mn-cs"/>
+              </a:defRPr>
+            </a:lvl6pPr>
+            <a:lvl7pPr marL="2971800" indent="-228600" algn="l" defTabSz="914400" rtl="0" eaLnBrk="1" latinLnBrk="1" hangingPunct="1">
+              <a:lnSpc>
+                <a:spcPct val="90000"/>
+              </a:lnSpc>
+              <a:spcBef>
+                <a:spcPts val="500"/>
+              </a:spcBef>
+              <a:buFont typeface="Arial" panose="020B0604020202020204" pitchFamily="34" charset="0"/>
+              <a:buChar char="•"/>
+              <a:defRPr sz="1800" kern="1200">
+                <a:solidFill>
+                  <a:schemeClr val="tx1"/>
+                </a:solidFill>
+                <a:latin typeface="+mn-lt"/>
+                <a:ea typeface="+mn-ea"/>
+                <a:cs typeface="+mn-cs"/>
+              </a:defRPr>
+            </a:lvl7pPr>
+            <a:lvl8pPr marL="3429000" indent="-228600" algn="l" defTabSz="914400" rtl="0" eaLnBrk="1" latinLnBrk="1" hangingPunct="1">
+              <a:lnSpc>
+                <a:spcPct val="90000"/>
+              </a:lnSpc>
+              <a:spcBef>
+                <a:spcPts val="500"/>
+              </a:spcBef>
+              <a:buFont typeface="Arial" panose="020B0604020202020204" pitchFamily="34" charset="0"/>
+              <a:buChar char="•"/>
+              <a:defRPr sz="1800" kern="1200">
+                <a:solidFill>
+                  <a:schemeClr val="tx1"/>
+                </a:solidFill>
+                <a:latin typeface="+mn-lt"/>
+                <a:ea typeface="+mn-ea"/>
+                <a:cs typeface="+mn-cs"/>
+              </a:defRPr>
+            </a:lvl8pPr>
+            <a:lvl9pPr marL="3886200" indent="-228600" algn="l" defTabSz="914400" rtl="0" eaLnBrk="1" latinLnBrk="1" hangingPunct="1">
+              <a:lnSpc>
+                <a:spcPct val="90000"/>
+              </a:lnSpc>
+              <a:spcBef>
+                <a:spcPts val="500"/>
+              </a:spcBef>
+              <a:buFont typeface="Arial" panose="020B0604020202020204" pitchFamily="34" charset="0"/>
+              <a:buChar char="•"/>
+              <a:defRPr sz="1800" kern="1200">
+                <a:solidFill>
+                  <a:schemeClr val="tx1"/>
+                </a:solidFill>
+                <a:latin typeface="+mn-lt"/>
+                <a:ea typeface="+mn-ea"/>
+                <a:cs typeface="+mn-cs"/>
+              </a:defRPr>
+            </a:lvl9pPr>
+          </a:lstStyle>
+          <a:p>
+            <a:pPr marL="0" indent="0">
+              <a:buFont typeface="Arial" panose="020B0604020202020204" pitchFamily="34" charset="0"/>
+              <a:buNone/>
+            </a:pPr>
+            <a:r>
+              <a:rPr lang="en-US" altLang="ko-KR" sz="1800" dirty="0" smtClean="0"/>
+              <a:t>*</a:t>
+            </a:r>
+            <a:r>
+              <a:rPr lang="ko-KR" altLang="en-US" sz="1800" dirty="0" smtClean="0"/>
+              <a:t>내 강의 목록</a:t>
+            </a:r>
+            <a:endParaRPr lang="ko-KR" altLang="en-US" sz="1800" dirty="0"/>
+          </a:p>
+        </p:txBody>
+      </p:sp>
+      <p:sp>
+        <p:nvSpPr>
+          <p:cNvPr id="8" name="TextBox 7"/>
+          <p:cNvSpPr txBox="1"/>
+          <p:nvPr/>
+        </p:nvSpPr>
+        <p:spPr>
+          <a:xfrm>
+            <a:off x="6409188" y="3778813"/>
+            <a:ext cx="5183874" cy="1200329"/>
+          </a:xfrm>
+          <a:prstGeom prst="rect">
+            <a:avLst/>
+          </a:prstGeom>
+          <a:noFill/>
+        </p:spPr>
+        <p:txBody>
+          <a:bodyPr wrap="square" rtlCol="0">
+            <a:spAutoFit/>
+          </a:bodyPr>
+          <a:lstStyle/>
+          <a:p>
+            <a:r>
+              <a:rPr lang="ko-KR" altLang="en-US" dirty="0" smtClean="0"/>
+              <a:t>내 강의 목록</a:t>
+            </a:r>
+            <a:r>
+              <a:rPr lang="en-US" altLang="ko-KR" dirty="0" smtClean="0"/>
+              <a:t>-API </a:t>
+            </a:r>
+            <a:r>
+              <a:rPr lang="en-US" altLang="ko-KR" dirty="0"/>
+              <a:t>: </a:t>
+            </a:r>
+            <a:r>
+              <a:rPr lang="en-US" altLang="ko-KR" dirty="0" smtClean="0"/>
+              <a:t>localhost/</a:t>
+            </a:r>
+            <a:r>
+              <a:rPr lang="en-US" altLang="ko-KR" dirty="0" err="1" smtClean="0"/>
+              <a:t>mypage</a:t>
+            </a:r>
+            <a:r>
+              <a:rPr lang="en-US" altLang="ko-KR" dirty="0" smtClean="0"/>
+              <a:t>/</a:t>
+            </a:r>
+            <a:r>
+              <a:rPr lang="en-US" altLang="ko-KR" dirty="0" err="1" smtClean="0"/>
+              <a:t>lecture_list</a:t>
+            </a:r>
+            <a:r>
+              <a:rPr lang="en-US" altLang="ko-KR" dirty="0" smtClean="0"/>
+              <a:t>/paging?=page=n</a:t>
+            </a:r>
+          </a:p>
+          <a:p>
+            <a:r>
+              <a:rPr lang="ko-KR" altLang="en-US" dirty="0" smtClean="0"/>
+              <a:t>강의</a:t>
+            </a:r>
+            <a:r>
+              <a:rPr lang="en-US" altLang="ko-KR" dirty="0" smtClean="0"/>
+              <a:t>-</a:t>
+            </a:r>
+            <a:r>
+              <a:rPr lang="en-US" altLang="ko-KR" dirty="0"/>
+              <a:t>API </a:t>
+            </a:r>
+            <a:r>
+              <a:rPr lang="en-US" altLang="ko-KR" dirty="0" smtClean="0"/>
+              <a:t>:</a:t>
+            </a:r>
+          </a:p>
+          <a:p>
+            <a:r>
+              <a:rPr lang="en-US" altLang="ko-KR" dirty="0" smtClean="0"/>
+              <a:t>localhost/</a:t>
+            </a:r>
+            <a:r>
+              <a:rPr lang="en-US" altLang="ko-KR" dirty="0" err="1" smtClean="0"/>
+              <a:t>mypage</a:t>
+            </a:r>
+            <a:r>
+              <a:rPr lang="en-US" altLang="ko-KR" dirty="0" smtClean="0"/>
+              <a:t>/lecture/ </a:t>
+            </a:r>
+            <a:r>
+              <a:rPr lang="en-US" altLang="ko-KR" dirty="0"/>
+              <a:t>{</a:t>
+            </a:r>
+            <a:r>
+              <a:rPr lang="en-US" altLang="ko-KR" dirty="0" smtClean="0"/>
+              <a:t>id}?page=n</a:t>
+            </a:r>
+            <a:endParaRPr lang="ko-KR" altLang="en-US" dirty="0"/>
+          </a:p>
+        </p:txBody>
+      </p:sp>
+      <p:pic>
+        <p:nvPicPr>
+          <p:cNvPr id="3" name="그림 2"/>
+          <p:cNvPicPr>
+            <a:picLocks noChangeAspect="1"/>
+          </p:cNvPicPr>
+          <p:nvPr/>
+        </p:nvPicPr>
+        <p:blipFill>
+          <a:blip r:embed="rId2" cstate="print">
+            <a:extLst>
+              <a:ext uri="{28A0092B-C50C-407E-A947-70E740481C1C}">
+                <a14:useLocalDpi xmlns:a14="http://schemas.microsoft.com/office/drawing/2010/main" val="0"/>
+              </a:ext>
+            </a:extLst>
+          </a:blip>
+          <a:stretch>
+            <a:fillRect/>
+          </a:stretch>
+        </p:blipFill>
+        <p:spPr>
+          <a:xfrm>
+            <a:off x="838200" y="1969671"/>
+            <a:ext cx="4140200" cy="2944142"/>
+          </a:xfrm>
+          <a:prstGeom prst="rect">
+            <a:avLst/>
+          </a:prstGeom>
+          <a:ln>
+            <a:solidFill>
+              <a:schemeClr val="tx1"/>
+            </a:solidFill>
+          </a:ln>
+        </p:spPr>
+      </p:pic>
+    </p:spTree>
+    <p:extLst>
+      <p:ext uri="{BB962C8B-B14F-4D97-AF65-F5344CB8AC3E}">
+        <p14:creationId xmlns:p14="http://schemas.microsoft.com/office/powerpoint/2010/main" val="3341962307"/>
+      </p:ext>
+    </p:extLst>
+  </p:cSld>
+  <p:clrMapOvr>
+    <a:masterClrMapping/>
+  </p:clrMapOvr>
+  <p:timing>
+    <p:tnLst>
+      <p:par>
+        <p:cTn id="1" dur="indefinite" restart="never" nodeType="tmRoot"/>
+      </p:par>
+    </p:tnLst>
+  </p:timing>
 </p:sld>
 </file>
 
@@ -3448,6 +7946,590 @@
     <p:extLst>
       <p:ext uri="{BB962C8B-B14F-4D97-AF65-F5344CB8AC3E}">
         <p14:creationId xmlns:p14="http://schemas.microsoft.com/office/powerpoint/2010/main" val="3516746883"/>
+      </p:ext>
+    </p:extLst>
+  </p:cSld>
+  <p:clrMapOvr>
+    <a:masterClrMapping/>
+  </p:clrMapOvr>
+  <p:timing>
+    <p:tnLst>
+      <p:par>
+        <p:cTn id="1" dur="indefinite" restart="never" nodeType="tmRoot"/>
+      </p:par>
+    </p:tnLst>
+  </p:timing>
+</p:sld>
+</file>
+
+<file path=ppt/slides/slide20.xml><?xml version="1.0" encoding="utf-8"?>
+<p:sld xmlns:a="http://schemas.openxmlformats.org/drawingml/2006/main" xmlns:r="http://schemas.openxmlformats.org/officeDocument/2006/relationships" xmlns:p="http://schemas.openxmlformats.org/presentationml/2006/main">
+  <p:cSld>
+    <p:spTree>
+      <p:nvGrpSpPr>
+        <p:cNvPr id="1" name=""/>
+        <p:cNvGrpSpPr/>
+        <p:nvPr/>
+      </p:nvGrpSpPr>
+      <p:grpSpPr>
+        <a:xfrm>
+          <a:off x="0" y="0"/>
+          <a:ext cx="0" cy="0"/>
+          <a:chOff x="0" y="0"/>
+          <a:chExt cx="0" cy="0"/>
+        </a:xfrm>
+      </p:grpSpPr>
+      <p:sp>
+        <p:nvSpPr>
+          <p:cNvPr id="2" name="제목 1"/>
+          <p:cNvSpPr>
+            <a:spLocks noGrp="1"/>
+          </p:cNvSpPr>
+          <p:nvPr>
+            <p:ph type="title"/>
+          </p:nvPr>
+        </p:nvSpPr>
+        <p:spPr>
+          <a:xfrm>
+            <a:off x="838200" y="390698"/>
+            <a:ext cx="10515600" cy="693161"/>
+          </a:xfrm>
+        </p:spPr>
+        <p:txBody>
+          <a:bodyPr>
+            <a:normAutofit/>
+          </a:bodyPr>
+          <a:lstStyle/>
+          <a:p>
+            <a:r>
+              <a:rPr lang="en-US" altLang="ko-KR" sz="2800" dirty="0" smtClean="0"/>
+              <a:t>3-5.</a:t>
+            </a:r>
+            <a:r>
+              <a:rPr lang="ko-KR" altLang="en-US" sz="2800" dirty="0" err="1" smtClean="0"/>
+              <a:t>마이페이지</a:t>
+            </a:r>
+            <a:endParaRPr lang="ko-KR" altLang="en-US" sz="2800" dirty="0"/>
+          </a:p>
+        </p:txBody>
+      </p:sp>
+      <p:sp>
+        <p:nvSpPr>
+          <p:cNvPr id="4" name="TextBox 3"/>
+          <p:cNvSpPr txBox="1"/>
+          <p:nvPr/>
+        </p:nvSpPr>
+        <p:spPr>
+          <a:xfrm>
+            <a:off x="6409188" y="2047042"/>
+            <a:ext cx="3886200" cy="646331"/>
+          </a:xfrm>
+          <a:prstGeom prst="rect">
+            <a:avLst/>
+          </a:prstGeom>
+          <a:noFill/>
+        </p:spPr>
+        <p:txBody>
+          <a:bodyPr wrap="square" rtlCol="0">
+            <a:spAutoFit/>
+          </a:bodyPr>
+          <a:lstStyle/>
+          <a:p>
+            <a:r>
+              <a:rPr lang="ko-KR" altLang="en-US" dirty="0" smtClean="0"/>
+              <a:t>강의실 페이지</a:t>
+            </a:r>
+            <a:r>
+              <a:rPr lang="ko-KR" altLang="en-US" dirty="0" smtClean="0"/>
+              <a:t>다</a:t>
+            </a:r>
+            <a:r>
+              <a:rPr lang="en-US" altLang="ko-KR" dirty="0" smtClean="0"/>
+              <a:t>.</a:t>
+            </a:r>
+            <a:endParaRPr lang="en-US" altLang="ko-KR" dirty="0"/>
+          </a:p>
+          <a:p>
+            <a:r>
+              <a:rPr lang="ko-KR" altLang="en-US" dirty="0" smtClean="0"/>
+              <a:t>학습하기 버튼을 누르면 </a:t>
+            </a:r>
+            <a:r>
+              <a:rPr lang="ko-KR" altLang="en-US" dirty="0" err="1" smtClean="0"/>
+              <a:t>실행이된다</a:t>
+            </a:r>
+            <a:r>
+              <a:rPr lang="en-US" altLang="ko-KR" dirty="0" smtClean="0"/>
+              <a:t>.</a:t>
+            </a:r>
+          </a:p>
+        </p:txBody>
+      </p:sp>
+      <p:sp>
+        <p:nvSpPr>
+          <p:cNvPr id="6" name="내용 개체 틀 2"/>
+          <p:cNvSpPr txBox="1">
+            <a:spLocks/>
+          </p:cNvSpPr>
+          <p:nvPr/>
+        </p:nvSpPr>
+        <p:spPr>
+          <a:xfrm>
+            <a:off x="838200" y="1341989"/>
+            <a:ext cx="2245822" cy="369552"/>
+          </a:xfrm>
+          <a:prstGeom prst="rect">
+            <a:avLst/>
+          </a:prstGeom>
+        </p:spPr>
+        <p:txBody>
+          <a:bodyPr vert="horz" lIns="91440" tIns="45720" rIns="91440" bIns="45720" rtlCol="0">
+            <a:normAutofit/>
+          </a:bodyPr>
+          <a:lstStyle>
+            <a:lvl1pPr marL="228600" indent="-228600" algn="l" defTabSz="914400" rtl="0" eaLnBrk="1" latinLnBrk="1" hangingPunct="1">
+              <a:lnSpc>
+                <a:spcPct val="90000"/>
+              </a:lnSpc>
+              <a:spcBef>
+                <a:spcPts val="1000"/>
+              </a:spcBef>
+              <a:buFont typeface="Arial" panose="020B0604020202020204" pitchFamily="34" charset="0"/>
+              <a:buChar char="•"/>
+              <a:defRPr sz="2800" kern="1200">
+                <a:solidFill>
+                  <a:schemeClr val="tx1"/>
+                </a:solidFill>
+                <a:latin typeface="+mn-lt"/>
+                <a:ea typeface="+mn-ea"/>
+                <a:cs typeface="+mn-cs"/>
+              </a:defRPr>
+            </a:lvl1pPr>
+            <a:lvl2pPr marL="685800" indent="-228600" algn="l" defTabSz="914400" rtl="0" eaLnBrk="1" latinLnBrk="1" hangingPunct="1">
+              <a:lnSpc>
+                <a:spcPct val="90000"/>
+              </a:lnSpc>
+              <a:spcBef>
+                <a:spcPts val="500"/>
+              </a:spcBef>
+              <a:buFont typeface="Arial" panose="020B0604020202020204" pitchFamily="34" charset="0"/>
+              <a:buChar char="•"/>
+              <a:defRPr sz="2400" kern="1200">
+                <a:solidFill>
+                  <a:schemeClr val="tx1"/>
+                </a:solidFill>
+                <a:latin typeface="+mn-lt"/>
+                <a:ea typeface="+mn-ea"/>
+                <a:cs typeface="+mn-cs"/>
+              </a:defRPr>
+            </a:lvl2pPr>
+            <a:lvl3pPr marL="1143000" indent="-228600" algn="l" defTabSz="914400" rtl="0" eaLnBrk="1" latinLnBrk="1" hangingPunct="1">
+              <a:lnSpc>
+                <a:spcPct val="90000"/>
+              </a:lnSpc>
+              <a:spcBef>
+                <a:spcPts val="500"/>
+              </a:spcBef>
+              <a:buFont typeface="Arial" panose="020B0604020202020204" pitchFamily="34" charset="0"/>
+              <a:buChar char="•"/>
+              <a:defRPr sz="2000" kern="1200">
+                <a:solidFill>
+                  <a:schemeClr val="tx1"/>
+                </a:solidFill>
+                <a:latin typeface="+mn-lt"/>
+                <a:ea typeface="+mn-ea"/>
+                <a:cs typeface="+mn-cs"/>
+              </a:defRPr>
+            </a:lvl3pPr>
+            <a:lvl4pPr marL="1600200" indent="-228600" algn="l" defTabSz="914400" rtl="0" eaLnBrk="1" latinLnBrk="1" hangingPunct="1">
+              <a:lnSpc>
+                <a:spcPct val="90000"/>
+              </a:lnSpc>
+              <a:spcBef>
+                <a:spcPts val="500"/>
+              </a:spcBef>
+              <a:buFont typeface="Arial" panose="020B0604020202020204" pitchFamily="34" charset="0"/>
+              <a:buChar char="•"/>
+              <a:defRPr sz="1800" kern="1200">
+                <a:solidFill>
+                  <a:schemeClr val="tx1"/>
+                </a:solidFill>
+                <a:latin typeface="+mn-lt"/>
+                <a:ea typeface="+mn-ea"/>
+                <a:cs typeface="+mn-cs"/>
+              </a:defRPr>
+            </a:lvl4pPr>
+            <a:lvl5pPr marL="2057400" indent="-228600" algn="l" defTabSz="914400" rtl="0" eaLnBrk="1" latinLnBrk="1" hangingPunct="1">
+              <a:lnSpc>
+                <a:spcPct val="90000"/>
+              </a:lnSpc>
+              <a:spcBef>
+                <a:spcPts val="500"/>
+              </a:spcBef>
+              <a:buFont typeface="Arial" panose="020B0604020202020204" pitchFamily="34" charset="0"/>
+              <a:buChar char="•"/>
+              <a:defRPr sz="1800" kern="1200">
+                <a:solidFill>
+                  <a:schemeClr val="tx1"/>
+                </a:solidFill>
+                <a:latin typeface="+mn-lt"/>
+                <a:ea typeface="+mn-ea"/>
+                <a:cs typeface="+mn-cs"/>
+              </a:defRPr>
+            </a:lvl5pPr>
+            <a:lvl6pPr marL="2514600" indent="-228600" algn="l" defTabSz="914400" rtl="0" eaLnBrk="1" latinLnBrk="1" hangingPunct="1">
+              <a:lnSpc>
+                <a:spcPct val="90000"/>
+              </a:lnSpc>
+              <a:spcBef>
+                <a:spcPts val="500"/>
+              </a:spcBef>
+              <a:buFont typeface="Arial" panose="020B0604020202020204" pitchFamily="34" charset="0"/>
+              <a:buChar char="•"/>
+              <a:defRPr sz="1800" kern="1200">
+                <a:solidFill>
+                  <a:schemeClr val="tx1"/>
+                </a:solidFill>
+                <a:latin typeface="+mn-lt"/>
+                <a:ea typeface="+mn-ea"/>
+                <a:cs typeface="+mn-cs"/>
+              </a:defRPr>
+            </a:lvl6pPr>
+            <a:lvl7pPr marL="2971800" indent="-228600" algn="l" defTabSz="914400" rtl="0" eaLnBrk="1" latinLnBrk="1" hangingPunct="1">
+              <a:lnSpc>
+                <a:spcPct val="90000"/>
+              </a:lnSpc>
+              <a:spcBef>
+                <a:spcPts val="500"/>
+              </a:spcBef>
+              <a:buFont typeface="Arial" panose="020B0604020202020204" pitchFamily="34" charset="0"/>
+              <a:buChar char="•"/>
+              <a:defRPr sz="1800" kern="1200">
+                <a:solidFill>
+                  <a:schemeClr val="tx1"/>
+                </a:solidFill>
+                <a:latin typeface="+mn-lt"/>
+                <a:ea typeface="+mn-ea"/>
+                <a:cs typeface="+mn-cs"/>
+              </a:defRPr>
+            </a:lvl7pPr>
+            <a:lvl8pPr marL="3429000" indent="-228600" algn="l" defTabSz="914400" rtl="0" eaLnBrk="1" latinLnBrk="1" hangingPunct="1">
+              <a:lnSpc>
+                <a:spcPct val="90000"/>
+              </a:lnSpc>
+              <a:spcBef>
+                <a:spcPts val="500"/>
+              </a:spcBef>
+              <a:buFont typeface="Arial" panose="020B0604020202020204" pitchFamily="34" charset="0"/>
+              <a:buChar char="•"/>
+              <a:defRPr sz="1800" kern="1200">
+                <a:solidFill>
+                  <a:schemeClr val="tx1"/>
+                </a:solidFill>
+                <a:latin typeface="+mn-lt"/>
+                <a:ea typeface="+mn-ea"/>
+                <a:cs typeface="+mn-cs"/>
+              </a:defRPr>
+            </a:lvl8pPr>
+            <a:lvl9pPr marL="3886200" indent="-228600" algn="l" defTabSz="914400" rtl="0" eaLnBrk="1" latinLnBrk="1" hangingPunct="1">
+              <a:lnSpc>
+                <a:spcPct val="90000"/>
+              </a:lnSpc>
+              <a:spcBef>
+                <a:spcPts val="500"/>
+              </a:spcBef>
+              <a:buFont typeface="Arial" panose="020B0604020202020204" pitchFamily="34" charset="0"/>
+              <a:buChar char="•"/>
+              <a:defRPr sz="1800" kern="1200">
+                <a:solidFill>
+                  <a:schemeClr val="tx1"/>
+                </a:solidFill>
+                <a:latin typeface="+mn-lt"/>
+                <a:ea typeface="+mn-ea"/>
+                <a:cs typeface="+mn-cs"/>
+              </a:defRPr>
+            </a:lvl9pPr>
+          </a:lstStyle>
+          <a:p>
+            <a:pPr marL="0" indent="0">
+              <a:buFont typeface="Arial" panose="020B0604020202020204" pitchFamily="34" charset="0"/>
+              <a:buNone/>
+            </a:pPr>
+            <a:r>
+              <a:rPr lang="en-US" altLang="ko-KR" sz="1800" dirty="0" smtClean="0"/>
+              <a:t>*</a:t>
+            </a:r>
+            <a:r>
+              <a:rPr lang="ko-KR" altLang="en-US" sz="1800" dirty="0" smtClean="0"/>
+              <a:t>강의실</a:t>
+            </a:r>
+            <a:endParaRPr lang="ko-KR" altLang="en-US" sz="1800" dirty="0"/>
+          </a:p>
+        </p:txBody>
+      </p:sp>
+      <p:sp>
+        <p:nvSpPr>
+          <p:cNvPr id="8" name="TextBox 7"/>
+          <p:cNvSpPr txBox="1"/>
+          <p:nvPr/>
+        </p:nvSpPr>
+        <p:spPr>
+          <a:xfrm>
+            <a:off x="6409188" y="3778813"/>
+            <a:ext cx="5183874" cy="1200329"/>
+          </a:xfrm>
+          <a:prstGeom prst="rect">
+            <a:avLst/>
+          </a:prstGeom>
+          <a:noFill/>
+        </p:spPr>
+        <p:txBody>
+          <a:bodyPr wrap="square" rtlCol="0">
+            <a:spAutoFit/>
+          </a:bodyPr>
+          <a:lstStyle/>
+          <a:p>
+            <a:r>
+              <a:rPr lang="ko-KR" altLang="en-US" dirty="0" err="1" smtClean="0"/>
+              <a:t>강의리스트</a:t>
+            </a:r>
+            <a:r>
+              <a:rPr lang="en-US" altLang="ko-KR" dirty="0" smtClean="0"/>
+              <a:t>-API </a:t>
+            </a:r>
+            <a:r>
+              <a:rPr lang="en-US" altLang="ko-KR" dirty="0"/>
+              <a:t>: </a:t>
+            </a:r>
+            <a:r>
+              <a:rPr lang="en-US" altLang="ko-KR" dirty="0" smtClean="0"/>
+              <a:t>localhost/</a:t>
+            </a:r>
+            <a:r>
+              <a:rPr lang="en-US" altLang="ko-KR" dirty="0" err="1" smtClean="0"/>
+              <a:t>mypage</a:t>
+            </a:r>
+            <a:r>
+              <a:rPr lang="en-US" altLang="ko-KR" dirty="0" smtClean="0"/>
+              <a:t>/</a:t>
+            </a:r>
+            <a:r>
+              <a:rPr lang="en-US" altLang="ko-KR" dirty="0" err="1" smtClean="0"/>
+              <a:t>lecture_information_list</a:t>
+            </a:r>
+            <a:r>
+              <a:rPr lang="en-US" altLang="ko-KR" dirty="0" smtClean="0"/>
+              <a:t>/{id}</a:t>
+            </a:r>
+          </a:p>
+          <a:p>
+            <a:r>
+              <a:rPr lang="ko-KR" altLang="en-US" dirty="0" smtClean="0"/>
+              <a:t>강의</a:t>
+            </a:r>
+            <a:r>
+              <a:rPr lang="en-US" altLang="ko-KR" dirty="0" smtClean="0"/>
+              <a:t>-</a:t>
+            </a:r>
+            <a:r>
+              <a:rPr lang="en-US" altLang="ko-KR" dirty="0"/>
+              <a:t>API </a:t>
+            </a:r>
+            <a:r>
+              <a:rPr lang="en-US" altLang="ko-KR" dirty="0" smtClean="0"/>
+              <a:t>:</a:t>
+            </a:r>
+          </a:p>
+          <a:p>
+            <a:r>
+              <a:rPr lang="en-US" altLang="ko-KR" dirty="0" smtClean="0"/>
+              <a:t>localhost/</a:t>
+            </a:r>
+            <a:r>
+              <a:rPr lang="en-US" altLang="ko-KR" dirty="0" err="1" smtClean="0"/>
+              <a:t>mypage</a:t>
+            </a:r>
+            <a:r>
+              <a:rPr lang="en-US" altLang="ko-KR" dirty="0" smtClean="0"/>
+              <a:t>/</a:t>
+            </a:r>
+            <a:r>
+              <a:rPr lang="en-US" altLang="ko-KR" dirty="0" err="1" smtClean="0"/>
+              <a:t>lecture_information_QnA</a:t>
+            </a:r>
+            <a:r>
+              <a:rPr lang="en-US" altLang="ko-KR" dirty="0" smtClean="0"/>
+              <a:t>/ </a:t>
+            </a:r>
+            <a:r>
+              <a:rPr lang="en-US" altLang="ko-KR" dirty="0"/>
+              <a:t>{</a:t>
+            </a:r>
+            <a:r>
+              <a:rPr lang="en-US" altLang="ko-KR" dirty="0" smtClean="0"/>
+              <a:t>id}</a:t>
+            </a:r>
+            <a:endParaRPr lang="ko-KR" altLang="en-US" dirty="0"/>
+          </a:p>
+        </p:txBody>
+      </p:sp>
+      <p:pic>
+        <p:nvPicPr>
+          <p:cNvPr id="5" name="그림 4"/>
+          <p:cNvPicPr>
+            <a:picLocks noChangeAspect="1"/>
+          </p:cNvPicPr>
+          <p:nvPr/>
+        </p:nvPicPr>
+        <p:blipFill>
+          <a:blip r:embed="rId2" cstate="print">
+            <a:extLst>
+              <a:ext uri="{28A0092B-C50C-407E-A947-70E740481C1C}">
+                <a14:useLocalDpi xmlns:a14="http://schemas.microsoft.com/office/drawing/2010/main" val="0"/>
+              </a:ext>
+            </a:extLst>
+          </a:blip>
+          <a:stretch>
+            <a:fillRect/>
+          </a:stretch>
+        </p:blipFill>
+        <p:spPr>
+          <a:xfrm>
+            <a:off x="838200" y="4439275"/>
+            <a:ext cx="3225800" cy="2293903"/>
+          </a:xfrm>
+          <a:prstGeom prst="rect">
+            <a:avLst/>
+          </a:prstGeom>
+          <a:ln>
+            <a:solidFill>
+              <a:schemeClr val="tx1"/>
+            </a:solidFill>
+          </a:ln>
+        </p:spPr>
+      </p:pic>
+      <p:pic>
+        <p:nvPicPr>
+          <p:cNvPr id="7" name="그림 6"/>
+          <p:cNvPicPr>
+            <a:picLocks noChangeAspect="1"/>
+          </p:cNvPicPr>
+          <p:nvPr/>
+        </p:nvPicPr>
+        <p:blipFill>
+          <a:blip r:embed="rId3" cstate="print">
+            <a:extLst>
+              <a:ext uri="{28A0092B-C50C-407E-A947-70E740481C1C}">
+                <a14:useLocalDpi xmlns:a14="http://schemas.microsoft.com/office/drawing/2010/main" val="0"/>
+              </a:ext>
+            </a:extLst>
+          </a:blip>
+          <a:stretch>
+            <a:fillRect/>
+          </a:stretch>
+        </p:blipFill>
+        <p:spPr>
+          <a:xfrm>
+            <a:off x="838200" y="2047042"/>
+            <a:ext cx="3225800" cy="2293903"/>
+          </a:xfrm>
+          <a:prstGeom prst="rect">
+            <a:avLst/>
+          </a:prstGeom>
+          <a:ln>
+            <a:solidFill>
+              <a:schemeClr val="tx1"/>
+            </a:solidFill>
+          </a:ln>
+        </p:spPr>
+      </p:pic>
+    </p:spTree>
+    <p:extLst>
+      <p:ext uri="{BB962C8B-B14F-4D97-AF65-F5344CB8AC3E}">
+        <p14:creationId xmlns:p14="http://schemas.microsoft.com/office/powerpoint/2010/main" val="2451331163"/>
+      </p:ext>
+    </p:extLst>
+  </p:cSld>
+  <p:clrMapOvr>
+    <a:masterClrMapping/>
+  </p:clrMapOvr>
+  <p:timing>
+    <p:tnLst>
+      <p:par>
+        <p:cTn id="1" dur="indefinite" restart="never" nodeType="tmRoot"/>
+      </p:par>
+    </p:tnLst>
+  </p:timing>
+</p:sld>
+</file>
+
+<file path=ppt/slides/slide21.xml><?xml version="1.0" encoding="utf-8"?>
+<p:sld xmlns:a="http://schemas.openxmlformats.org/drawingml/2006/main" xmlns:r="http://schemas.openxmlformats.org/officeDocument/2006/relationships" xmlns:p="http://schemas.openxmlformats.org/presentationml/2006/main">
+  <p:cSld>
+    <p:spTree>
+      <p:nvGrpSpPr>
+        <p:cNvPr id="1" name=""/>
+        <p:cNvGrpSpPr/>
+        <p:nvPr/>
+      </p:nvGrpSpPr>
+      <p:grpSpPr>
+        <a:xfrm>
+          <a:off x="0" y="0"/>
+          <a:ext cx="0" cy="0"/>
+          <a:chOff x="0" y="0"/>
+          <a:chExt cx="0" cy="0"/>
+        </a:xfrm>
+      </p:grpSpPr>
+      <p:sp>
+        <p:nvSpPr>
+          <p:cNvPr id="2" name="제목 1"/>
+          <p:cNvSpPr>
+            <a:spLocks noGrp="1"/>
+          </p:cNvSpPr>
+          <p:nvPr>
+            <p:ph type="title"/>
+          </p:nvPr>
+        </p:nvSpPr>
+        <p:spPr/>
+        <p:txBody>
+          <a:bodyPr/>
+          <a:lstStyle/>
+          <a:p>
+            <a:r>
+              <a:rPr lang="en-US" altLang="ko-KR" dirty="0" smtClean="0"/>
+              <a:t>4.DB </a:t>
+            </a:r>
+            <a:r>
+              <a:rPr lang="ko-KR" altLang="en-US" dirty="0" smtClean="0"/>
+              <a:t>구조</a:t>
+            </a:r>
+            <a:endParaRPr lang="ko-KR" altLang="en-US" dirty="0"/>
+          </a:p>
+        </p:txBody>
+      </p:sp>
+      <p:sp>
+        <p:nvSpPr>
+          <p:cNvPr id="7" name="내용 개체 틀 6"/>
+          <p:cNvSpPr>
+            <a:spLocks noGrp="1"/>
+          </p:cNvSpPr>
+          <p:nvPr>
+            <p:ph idx="1"/>
+          </p:nvPr>
+        </p:nvSpPr>
+        <p:spPr/>
+        <p:txBody>
+          <a:bodyPr/>
+          <a:lstStyle/>
+          <a:p>
+            <a:endParaRPr lang="ko-KR" altLang="en-US"/>
+          </a:p>
+        </p:txBody>
+      </p:sp>
+    </p:spTree>
+    <p:extLst>
+      <p:ext uri="{BB962C8B-B14F-4D97-AF65-F5344CB8AC3E}">
+        <p14:creationId xmlns:p14="http://schemas.microsoft.com/office/powerpoint/2010/main" val="510269825"/>
       </p:ext>
     </p:extLst>
   </p:cSld>
@@ -3577,6 +8659,13 @@
   <p:clrMapOvr>
     <a:masterClrMapping/>
   </p:clrMapOvr>
+  <p:timing>
+    <p:tnLst>
+      <p:par>
+        <p:cTn id="1" dur="indefinite" restart="never" nodeType="tmRoot"/>
+      </p:par>
+    </p:tnLst>
+  </p:timing>
 </p:sld>
 </file>
 
@@ -3748,6 +8837,13 @@
   <p:clrMapOvr>
     <a:masterClrMapping/>
   </p:clrMapOvr>
+  <p:timing>
+    <p:tnLst>
+      <p:par>
+        <p:cTn id="1" dur="indefinite" restart="never" nodeType="tmRoot"/>
+      </p:par>
+    </p:tnLst>
+  </p:timing>
 </p:sld>
 </file>
 
@@ -3862,15 +8958,11 @@
             </a:r>
             <a:r>
               <a:rPr lang="ko-KR" altLang="en-US" dirty="0" err="1" smtClean="0"/>
-              <a:t>소설가들등</a:t>
-            </a:r>
-            <a:r>
-              <a:rPr lang="ko-KR" altLang="en-US" dirty="0"/>
-              <a:t> </a:t>
-            </a:r>
-            <a:r>
-              <a:rPr lang="ko-KR" altLang="en-US" dirty="0" smtClean="0"/>
-              <a:t>예술분야에 종사하는 전문가들</a:t>
+              <a:t>소설가등등</a:t>
+            </a:r>
+            <a:r>
+              <a:rPr lang="ko-KR" altLang="en-US" dirty="0" smtClean="0"/>
+              <a:t> 예술분야에 종사하는 전문가들</a:t>
             </a:r>
             <a:r>
               <a:rPr lang="en-US" altLang="ko-KR" dirty="0" smtClean="0"/>
@@ -3900,12 +8992,12 @@
               <a:t>강사와 학생간의 </a:t>
             </a:r>
             <a:r>
-              <a:rPr lang="en-US" altLang="ko-KR" dirty="0" err="1" smtClean="0"/>
-              <a:t>QnA</a:t>
-            </a:r>
-            <a:r>
-              <a:rPr lang="ko-KR" altLang="en-US" dirty="0" smtClean="0"/>
-              <a:t>서비스를 열어서 자신의 글이나 그림의 부족한 부분을 피드백 받음</a:t>
+              <a:rPr lang="en-US" altLang="ko-KR" dirty="0" smtClean="0"/>
+              <a:t>1:1</a:t>
+            </a:r>
+            <a:r>
+              <a:rPr lang="ko-KR" altLang="en-US" dirty="0" smtClean="0"/>
+              <a:t>질의응답서비스를 열어서 자신의 글이나 그림의 부족한 부분을 피드백 받음</a:t>
             </a:r>
             <a:r>
               <a:rPr lang="en-US" altLang="ko-KR" dirty="0" smtClean="0"/>
@@ -3947,6 +9039,13 @@
   <p:clrMapOvr>
     <a:masterClrMapping/>
   </p:clrMapOvr>
+  <p:timing>
+    <p:tnLst>
+      <p:par>
+        <p:cTn id="1" dur="indefinite" restart="never" nodeType="tmRoot"/>
+      </p:par>
+    </p:tnLst>
+  </p:timing>
 </p:sld>
 </file>
 
@@ -4103,6 +9202,13 @@
   <p:clrMapOvr>
     <a:masterClrMapping/>
   </p:clrMapOvr>
+  <p:timing>
+    <p:tnLst>
+      <p:par>
+        <p:cTn id="1" dur="indefinite" restart="never" nodeType="tmRoot"/>
+      </p:par>
+    </p:tnLst>
+  </p:timing>
 </p:sld>
 </file>
 
@@ -4190,7 +9296,7 @@
       </p:sp>
       <p:sp>
         <p:nvSpPr>
-          <p:cNvPr id="4" name="직사각형 3"/>
+          <p:cNvPr id="41" name="직사각형 40"/>
           <p:cNvSpPr/>
           <p:nvPr/>
         </p:nvSpPr>
@@ -4225,7 +9331,7 @@
           <a:p>
             <a:pPr algn="ctr"/>
             <a:r>
-              <a:rPr lang="en-US" altLang="ko-KR" sz="1100" dirty="0" smtClean="0">
+              <a:rPr lang="ko-KR" altLang="en-US" sz="1100" dirty="0" err="1" smtClean="0">
                 <a:ln w="0"/>
                 <a:solidFill>
                   <a:schemeClr val="tx1"/>
@@ -4238,23 +9344,7 @@
                   </a:outerShdw>
                 </a:effectLst>
               </a:rPr>
-              <a:t>Home </a:t>
-            </a:r>
-            <a:r>
-              <a:rPr lang="ko-KR" altLang="en-US" sz="1100" dirty="0" err="1" smtClean="0">
-                <a:ln w="0"/>
-                <a:solidFill>
-                  <a:schemeClr val="tx1"/>
-                </a:solidFill>
-                <a:effectLst>
-                  <a:outerShdw blurRad="38100" dist="19050" dir="2700000" algn="tl" rotWithShape="0">
-                    <a:schemeClr val="dk1">
-                      <a:alpha val="40000"/>
-                    </a:schemeClr>
-                  </a:outerShdw>
-                </a:effectLst>
-              </a:rPr>
-              <a:t>메뉴바</a:t>
+              <a:t>메인화면</a:t>
             </a:r>
             <a:endParaRPr lang="ko-KR" altLang="en-US" sz="1100" dirty="0">
               <a:ln w="0"/>
@@ -4272,51 +9362,15 @@
           </a:p>
         </p:txBody>
       </p:sp>
-      <p:cxnSp>
-        <p:nvCxnSpPr>
-          <p:cNvPr id="7" name="직선 화살표 연결선 6"/>
-          <p:cNvCxnSpPr>
-            <a:stCxn id="4" idx="3"/>
-            <a:endCxn id="8" idx="1"/>
-          </p:cNvCxnSpPr>
-          <p:nvPr/>
-        </p:nvCxnSpPr>
-        <p:spPr>
-          <a:xfrm>
-            <a:off x="1363287" y="1898597"/>
-            <a:ext cx="1081268" cy="1677487"/>
-          </a:xfrm>
-          <a:prstGeom prst="straightConnector1">
-            <a:avLst/>
-          </a:prstGeom>
-          <a:ln>
-            <a:tailEnd type="triangle"/>
-          </a:ln>
-        </p:spPr>
-        <p:style>
-          <a:lnRef idx="1">
-            <a:schemeClr val="accent1"/>
-          </a:lnRef>
-          <a:fillRef idx="0">
-            <a:schemeClr val="accent1"/>
-          </a:fillRef>
-          <a:effectRef idx="0">
-            <a:schemeClr val="accent1"/>
-          </a:effectRef>
-          <a:fontRef idx="minor">
-            <a:schemeClr val="tx1"/>
-          </a:fontRef>
-        </p:style>
-      </p:cxnSp>
-      <p:sp>
-        <p:nvSpPr>
-          <p:cNvPr id="8" name="직사각형 7"/>
+      <p:sp>
+        <p:nvSpPr>
+          <p:cNvPr id="42" name="직사각형 41"/>
           <p:cNvSpPr/>
           <p:nvPr/>
         </p:nvSpPr>
         <p:spPr>
           <a:xfrm>
-            <a:off x="2444555" y="3451280"/>
+            <a:off x="2444555" y="3431055"/>
             <a:ext cx="1293092" cy="249608"/>
           </a:xfrm>
           <a:prstGeom prst="rect">
@@ -4378,13 +9432,13 @@
       </p:sp>
       <p:sp>
         <p:nvSpPr>
-          <p:cNvPr id="17" name="직사각형 16"/>
+          <p:cNvPr id="43" name="직사각형 42"/>
           <p:cNvSpPr/>
           <p:nvPr/>
         </p:nvSpPr>
         <p:spPr>
           <a:xfrm>
-            <a:off x="2466264" y="5478497"/>
+            <a:off x="2444555" y="2341981"/>
             <a:ext cx="1293092" cy="249608"/>
           </a:xfrm>
           <a:prstGeom prst="rect">
@@ -4413,7 +9467,7 @@
           <a:p>
             <a:pPr algn="ctr"/>
             <a:r>
-              <a:rPr lang="ko-KR" altLang="en-US" sz="900" dirty="0" err="1" smtClean="0">
+              <a:rPr lang="ko-KR" altLang="en-US" sz="900" dirty="0" smtClean="0">
                 <a:ln w="0"/>
                 <a:solidFill>
                   <a:schemeClr val="tx1"/>
@@ -4426,7 +9480,7 @@
                   </a:outerShdw>
                 </a:effectLst>
               </a:rPr>
-              <a:t>강의후기</a:t>
+              <a:t>공지사항</a:t>
             </a:r>
             <a:endParaRPr lang="ko-KR" altLang="en-US" sz="900" dirty="0">
               <a:ln w="0"/>
@@ -4446,14 +9500,14 @@
       </p:sp>
       <p:sp>
         <p:nvSpPr>
-          <p:cNvPr id="18" name="직사각형 17"/>
+          <p:cNvPr id="44" name="직사각형 43"/>
           <p:cNvSpPr/>
           <p:nvPr/>
         </p:nvSpPr>
         <p:spPr>
           <a:xfrm>
-            <a:off x="2466264" y="4535416"/>
-            <a:ext cx="1293092" cy="249608"/>
+            <a:off x="2444557" y="1757061"/>
+            <a:ext cx="1293090" cy="272908"/>
           </a:xfrm>
           <a:prstGeom prst="rect">
             <a:avLst/>
@@ -4481,7 +9535,7 @@
           <a:p>
             <a:pPr algn="ctr"/>
             <a:r>
-              <a:rPr lang="en-US" altLang="ko-KR" sz="900" dirty="0" err="1" smtClean="0">
+              <a:rPr lang="ko-KR" altLang="en-US" sz="1000" dirty="0" smtClean="0">
                 <a:ln w="0"/>
                 <a:solidFill>
                   <a:schemeClr val="tx1"/>
@@ -4494,9 +9548,9 @@
                   </a:outerShdw>
                 </a:effectLst>
               </a:rPr>
-              <a:t>QnA</a:t>
-            </a:r>
-            <a:endParaRPr lang="ko-KR" altLang="en-US" sz="900" dirty="0">
+              <a:t>로그인 및 회원가입</a:t>
+            </a:r>
+            <a:endParaRPr lang="ko-KR" altLang="en-US" sz="1000" dirty="0">
               <a:ln w="0"/>
               <a:solidFill>
                 <a:schemeClr val="tx1"/>
@@ -4512,19 +9566,799 @@
           </a:p>
         </p:txBody>
       </p:sp>
+      <p:sp>
+        <p:nvSpPr>
+          <p:cNvPr id="45" name="직사각형 44"/>
+          <p:cNvSpPr/>
+          <p:nvPr/>
+        </p:nvSpPr>
+        <p:spPr>
+          <a:xfrm>
+            <a:off x="4818915" y="2351543"/>
+            <a:ext cx="1013848" cy="328936"/>
+          </a:xfrm>
+          <a:prstGeom prst="rect">
+            <a:avLst/>
+          </a:prstGeom>
+        </p:spPr>
+        <p:style>
+          <a:lnRef idx="2">
+            <a:schemeClr val="accent1">
+              <a:shade val="50000"/>
+            </a:schemeClr>
+          </a:lnRef>
+          <a:fillRef idx="1">
+            <a:schemeClr val="accent1"/>
+          </a:fillRef>
+          <a:effectRef idx="0">
+            <a:schemeClr val="accent1"/>
+          </a:effectRef>
+          <a:fontRef idx="minor">
+            <a:schemeClr val="lt1"/>
+          </a:fontRef>
+        </p:style>
+        <p:txBody>
+          <a:bodyPr rtlCol="0" anchor="ctr"/>
+          <a:lstStyle/>
+          <a:p>
+            <a:pPr algn="ctr"/>
+            <a:r>
+              <a:rPr lang="ko-KR" altLang="en-US" sz="800" dirty="0" smtClean="0">
+                <a:ln w="0"/>
+                <a:solidFill>
+                  <a:schemeClr val="tx1"/>
+                </a:solidFill>
+                <a:effectLst>
+                  <a:outerShdw blurRad="38100" dist="19050" dir="2700000" algn="tl" rotWithShape="0">
+                    <a:schemeClr val="dk1">
+                      <a:alpha val="40000"/>
+                    </a:schemeClr>
+                  </a:outerShdw>
+                </a:effectLst>
+              </a:rPr>
+              <a:t>로그인</a:t>
+            </a:r>
+            <a:endParaRPr lang="en-US" altLang="ko-KR" sz="800" dirty="0" smtClean="0">
+              <a:ln w="0"/>
+              <a:solidFill>
+                <a:schemeClr val="tx1"/>
+              </a:solidFill>
+              <a:effectLst>
+                <a:outerShdw blurRad="38100" dist="19050" dir="2700000" algn="tl" rotWithShape="0">
+                  <a:schemeClr val="dk1">
+                    <a:alpha val="40000"/>
+                  </a:schemeClr>
+                </a:outerShdw>
+              </a:effectLst>
+            </a:endParaRPr>
+          </a:p>
+        </p:txBody>
+      </p:sp>
+      <p:sp>
+        <p:nvSpPr>
+          <p:cNvPr id="46" name="직사각형 45"/>
+          <p:cNvSpPr/>
+          <p:nvPr/>
+        </p:nvSpPr>
+        <p:spPr>
+          <a:xfrm>
+            <a:off x="4808903" y="1757061"/>
+            <a:ext cx="1013848" cy="304662"/>
+          </a:xfrm>
+          <a:prstGeom prst="rect">
+            <a:avLst/>
+          </a:prstGeom>
+        </p:spPr>
+        <p:style>
+          <a:lnRef idx="2">
+            <a:schemeClr val="accent1">
+              <a:shade val="50000"/>
+            </a:schemeClr>
+          </a:lnRef>
+          <a:fillRef idx="1">
+            <a:schemeClr val="accent1"/>
+          </a:fillRef>
+          <a:effectRef idx="0">
+            <a:schemeClr val="accent1"/>
+          </a:effectRef>
+          <a:fontRef idx="minor">
+            <a:schemeClr val="lt1"/>
+          </a:fontRef>
+        </p:style>
+        <p:txBody>
+          <a:bodyPr rtlCol="0" anchor="ctr"/>
+          <a:lstStyle/>
+          <a:p>
+            <a:pPr algn="ctr"/>
+            <a:r>
+              <a:rPr lang="ko-KR" altLang="en-US" sz="800" dirty="0" smtClean="0">
+                <a:ln w="0"/>
+                <a:solidFill>
+                  <a:schemeClr val="tx1"/>
+                </a:solidFill>
+                <a:effectLst>
+                  <a:outerShdw blurRad="38100" dist="19050" dir="2700000" algn="tl" rotWithShape="0">
+                    <a:schemeClr val="dk1">
+                      <a:alpha val="40000"/>
+                    </a:schemeClr>
+                  </a:outerShdw>
+                </a:effectLst>
+              </a:rPr>
+              <a:t>회원가입</a:t>
+            </a:r>
+            <a:endParaRPr lang="ko-KR" altLang="en-US" sz="800" dirty="0">
+              <a:ln w="0"/>
+              <a:solidFill>
+                <a:schemeClr val="tx1"/>
+              </a:solidFill>
+              <a:effectLst>
+                <a:outerShdw blurRad="38100" dist="19050" dir="2700000" algn="tl" rotWithShape="0">
+                  <a:schemeClr val="dk1">
+                    <a:alpha val="40000"/>
+                  </a:schemeClr>
+                </a:outerShdw>
+              </a:effectLst>
+            </a:endParaRPr>
+          </a:p>
+        </p:txBody>
+      </p:sp>
+      <p:sp>
+        <p:nvSpPr>
+          <p:cNvPr id="47" name="직사각형 46"/>
+          <p:cNvSpPr/>
+          <p:nvPr/>
+        </p:nvSpPr>
+        <p:spPr>
+          <a:xfrm>
+            <a:off x="4818915" y="3391391"/>
+            <a:ext cx="1143161" cy="328936"/>
+          </a:xfrm>
+          <a:prstGeom prst="rect">
+            <a:avLst/>
+          </a:prstGeom>
+        </p:spPr>
+        <p:style>
+          <a:lnRef idx="2">
+            <a:schemeClr val="accent1">
+              <a:shade val="50000"/>
+            </a:schemeClr>
+          </a:lnRef>
+          <a:fillRef idx="1">
+            <a:schemeClr val="accent1"/>
+          </a:fillRef>
+          <a:effectRef idx="0">
+            <a:schemeClr val="accent1"/>
+          </a:effectRef>
+          <a:fontRef idx="minor">
+            <a:schemeClr val="lt1"/>
+          </a:fontRef>
+        </p:style>
+        <p:txBody>
+          <a:bodyPr rtlCol="0" anchor="ctr"/>
+          <a:lstStyle/>
+          <a:p>
+            <a:pPr algn="ctr"/>
+            <a:r>
+              <a:rPr lang="ko-KR" altLang="en-US" sz="800" dirty="0" err="1" smtClean="0">
+                <a:ln w="0"/>
+                <a:solidFill>
+                  <a:schemeClr val="tx1"/>
+                </a:solidFill>
+                <a:effectLst>
+                  <a:outerShdw blurRad="38100" dist="19050" dir="2700000" algn="tl" rotWithShape="0">
+                    <a:schemeClr val="dk1">
+                      <a:alpha val="40000"/>
+                    </a:schemeClr>
+                  </a:outerShdw>
+                </a:effectLst>
+              </a:rPr>
+              <a:t>강의별</a:t>
+            </a:r>
+            <a:r>
+              <a:rPr lang="ko-KR" altLang="en-US" sz="800" dirty="0" smtClean="0">
+                <a:ln w="0"/>
+                <a:solidFill>
+                  <a:schemeClr val="tx1"/>
+                </a:solidFill>
+                <a:effectLst>
+                  <a:outerShdw blurRad="38100" dist="19050" dir="2700000" algn="tl" rotWithShape="0">
+                    <a:schemeClr val="dk1">
+                      <a:alpha val="40000"/>
+                    </a:schemeClr>
+                  </a:outerShdw>
+                </a:effectLst>
+              </a:rPr>
+              <a:t> 상세페이지</a:t>
+            </a:r>
+            <a:endParaRPr lang="ko-KR" altLang="en-US" sz="800" dirty="0">
+              <a:ln w="0"/>
+              <a:solidFill>
+                <a:schemeClr val="tx1"/>
+              </a:solidFill>
+              <a:effectLst>
+                <a:outerShdw blurRad="38100" dist="19050" dir="2700000" algn="tl" rotWithShape="0">
+                  <a:schemeClr val="dk1">
+                    <a:alpha val="40000"/>
+                  </a:schemeClr>
+                </a:outerShdw>
+              </a:effectLst>
+            </a:endParaRPr>
+          </a:p>
+        </p:txBody>
+      </p:sp>
+      <p:sp>
+        <p:nvSpPr>
+          <p:cNvPr id="48" name="직사각형 47"/>
+          <p:cNvSpPr/>
+          <p:nvPr/>
+        </p:nvSpPr>
+        <p:spPr>
+          <a:xfrm>
+            <a:off x="4808903" y="2792938"/>
+            <a:ext cx="1143161" cy="328936"/>
+          </a:xfrm>
+          <a:prstGeom prst="rect">
+            <a:avLst/>
+          </a:prstGeom>
+        </p:spPr>
+        <p:style>
+          <a:lnRef idx="2">
+            <a:schemeClr val="accent1">
+              <a:shade val="50000"/>
+            </a:schemeClr>
+          </a:lnRef>
+          <a:fillRef idx="1">
+            <a:schemeClr val="accent1"/>
+          </a:fillRef>
+          <a:effectRef idx="0">
+            <a:schemeClr val="accent1"/>
+          </a:effectRef>
+          <a:fontRef idx="minor">
+            <a:schemeClr val="lt1"/>
+          </a:fontRef>
+        </p:style>
+        <p:txBody>
+          <a:bodyPr rtlCol="0" anchor="ctr"/>
+          <a:lstStyle/>
+          <a:p>
+            <a:pPr algn="ctr"/>
+            <a:r>
+              <a:rPr lang="ko-KR" altLang="en-US" sz="800" dirty="0" smtClean="0">
+                <a:ln w="0"/>
+                <a:solidFill>
+                  <a:schemeClr val="tx1"/>
+                </a:solidFill>
+                <a:effectLst>
+                  <a:outerShdw blurRad="38100" dist="19050" dir="2700000" algn="tl" rotWithShape="0">
+                    <a:schemeClr val="dk1">
+                      <a:alpha val="40000"/>
+                    </a:schemeClr>
+                  </a:outerShdw>
+                </a:effectLst>
+              </a:rPr>
+              <a:t>공지사항 </a:t>
+            </a:r>
+            <a:r>
+              <a:rPr lang="ko-KR" altLang="en-US" sz="800" dirty="0" smtClean="0">
+                <a:ln w="0"/>
+                <a:solidFill>
+                  <a:schemeClr val="tx1"/>
+                </a:solidFill>
+                <a:effectLst>
+                  <a:outerShdw blurRad="38100" dist="19050" dir="2700000" algn="tl" rotWithShape="0">
+                    <a:schemeClr val="dk1">
+                      <a:alpha val="40000"/>
+                    </a:schemeClr>
+                  </a:outerShdw>
+                </a:effectLst>
+              </a:rPr>
+              <a:t>상세내용</a:t>
+            </a:r>
+            <a:endParaRPr lang="ko-KR" altLang="en-US" sz="800" dirty="0">
+              <a:ln w="0"/>
+              <a:solidFill>
+                <a:schemeClr val="tx1"/>
+              </a:solidFill>
+              <a:effectLst>
+                <a:outerShdw blurRad="38100" dist="19050" dir="2700000" algn="tl" rotWithShape="0">
+                  <a:schemeClr val="dk1">
+                    <a:alpha val="40000"/>
+                  </a:schemeClr>
+                </a:outerShdw>
+              </a:effectLst>
+            </a:endParaRPr>
+          </a:p>
+        </p:txBody>
+      </p:sp>
+      <p:sp>
+        <p:nvSpPr>
+          <p:cNvPr id="49" name="직사각형 48"/>
+          <p:cNvSpPr/>
+          <p:nvPr/>
+        </p:nvSpPr>
+        <p:spPr>
+          <a:xfrm>
+            <a:off x="6571202" y="3391391"/>
+            <a:ext cx="1013848" cy="304662"/>
+          </a:xfrm>
+          <a:prstGeom prst="rect">
+            <a:avLst/>
+          </a:prstGeom>
+        </p:spPr>
+        <p:style>
+          <a:lnRef idx="2">
+            <a:schemeClr val="accent1">
+              <a:shade val="50000"/>
+            </a:schemeClr>
+          </a:lnRef>
+          <a:fillRef idx="1">
+            <a:schemeClr val="accent1"/>
+          </a:fillRef>
+          <a:effectRef idx="0">
+            <a:schemeClr val="accent1"/>
+          </a:effectRef>
+          <a:fontRef idx="minor">
+            <a:schemeClr val="lt1"/>
+          </a:fontRef>
+        </p:style>
+        <p:txBody>
+          <a:bodyPr rtlCol="0" anchor="ctr"/>
+          <a:lstStyle/>
+          <a:p>
+            <a:pPr algn="ctr"/>
+            <a:r>
+              <a:rPr lang="ko-KR" altLang="en-US" sz="800" dirty="0" smtClean="0">
+                <a:ln w="0"/>
+                <a:solidFill>
+                  <a:schemeClr val="tx1"/>
+                </a:solidFill>
+                <a:effectLst>
+                  <a:outerShdw blurRad="38100" dist="19050" dir="2700000" algn="tl" rotWithShape="0">
+                    <a:schemeClr val="dk1">
+                      <a:alpha val="40000"/>
+                    </a:schemeClr>
+                  </a:outerShdw>
+                </a:effectLst>
+              </a:rPr>
+              <a:t>수강신청</a:t>
+            </a:r>
+            <a:endParaRPr lang="ko-KR" altLang="en-US" sz="800" dirty="0">
+              <a:ln w="0"/>
+              <a:solidFill>
+                <a:schemeClr val="tx1"/>
+              </a:solidFill>
+              <a:effectLst>
+                <a:outerShdw blurRad="38100" dist="19050" dir="2700000" algn="tl" rotWithShape="0">
+                  <a:schemeClr val="dk1">
+                    <a:alpha val="40000"/>
+                  </a:schemeClr>
+                </a:outerShdw>
+              </a:effectLst>
+            </a:endParaRPr>
+          </a:p>
+        </p:txBody>
+      </p:sp>
+      <p:sp>
+        <p:nvSpPr>
+          <p:cNvPr id="50" name="직사각형 49"/>
+          <p:cNvSpPr/>
+          <p:nvPr/>
+        </p:nvSpPr>
+        <p:spPr>
+          <a:xfrm>
+            <a:off x="4299512" y="6007351"/>
+            <a:ext cx="1013848" cy="304662"/>
+          </a:xfrm>
+          <a:prstGeom prst="rect">
+            <a:avLst/>
+          </a:prstGeom>
+        </p:spPr>
+        <p:style>
+          <a:lnRef idx="2">
+            <a:schemeClr val="accent1">
+              <a:shade val="50000"/>
+            </a:schemeClr>
+          </a:lnRef>
+          <a:fillRef idx="1">
+            <a:schemeClr val="accent1"/>
+          </a:fillRef>
+          <a:effectRef idx="0">
+            <a:schemeClr val="accent1"/>
+          </a:effectRef>
+          <a:fontRef idx="minor">
+            <a:schemeClr val="lt1"/>
+          </a:fontRef>
+        </p:style>
+        <p:txBody>
+          <a:bodyPr rtlCol="0" anchor="ctr"/>
+          <a:lstStyle/>
+          <a:p>
+            <a:pPr algn="ctr"/>
+            <a:r>
+              <a:rPr lang="ko-KR" altLang="en-US" sz="800" dirty="0" smtClean="0">
+                <a:ln w="0"/>
+                <a:solidFill>
+                  <a:schemeClr val="tx1"/>
+                </a:solidFill>
+                <a:effectLst>
+                  <a:outerShdw blurRad="38100" dist="19050" dir="2700000" algn="tl" rotWithShape="0">
+                    <a:schemeClr val="dk1">
+                      <a:alpha val="40000"/>
+                    </a:schemeClr>
+                  </a:outerShdw>
+                </a:effectLst>
+              </a:rPr>
+              <a:t>내 강의 목록</a:t>
+            </a:r>
+            <a:endParaRPr lang="ko-KR" altLang="en-US" sz="800" dirty="0">
+              <a:ln w="0"/>
+              <a:solidFill>
+                <a:schemeClr val="tx1"/>
+              </a:solidFill>
+              <a:effectLst>
+                <a:outerShdw blurRad="38100" dist="19050" dir="2700000" algn="tl" rotWithShape="0">
+                  <a:schemeClr val="dk1">
+                    <a:alpha val="40000"/>
+                  </a:schemeClr>
+                </a:outerShdw>
+              </a:effectLst>
+            </a:endParaRPr>
+          </a:p>
+        </p:txBody>
+      </p:sp>
+      <p:sp>
+        <p:nvSpPr>
+          <p:cNvPr id="52" name="직사각형 51"/>
+          <p:cNvSpPr/>
+          <p:nvPr/>
+        </p:nvSpPr>
+        <p:spPr>
+          <a:xfrm>
+            <a:off x="7868438" y="6033251"/>
+            <a:ext cx="1184426" cy="328936"/>
+          </a:xfrm>
+          <a:prstGeom prst="rect">
+            <a:avLst/>
+          </a:prstGeom>
+        </p:spPr>
+        <p:style>
+          <a:lnRef idx="2">
+            <a:schemeClr val="accent1">
+              <a:shade val="50000"/>
+            </a:schemeClr>
+          </a:lnRef>
+          <a:fillRef idx="1">
+            <a:schemeClr val="accent1"/>
+          </a:fillRef>
+          <a:effectRef idx="0">
+            <a:schemeClr val="accent1"/>
+          </a:effectRef>
+          <a:fontRef idx="minor">
+            <a:schemeClr val="lt1"/>
+          </a:fontRef>
+        </p:style>
+        <p:txBody>
+          <a:bodyPr rtlCol="0" anchor="ctr"/>
+          <a:lstStyle/>
+          <a:p>
+            <a:pPr algn="ctr"/>
+            <a:r>
+              <a:rPr lang="en-US" altLang="ko-KR" sz="800" dirty="0" err="1" smtClean="0">
+                <a:ln w="0"/>
+                <a:solidFill>
+                  <a:schemeClr val="tx1"/>
+                </a:solidFill>
+                <a:effectLst>
+                  <a:outerShdw blurRad="38100" dist="19050" dir="2700000" algn="tl" rotWithShape="0">
+                    <a:schemeClr val="dk1">
+                      <a:alpha val="40000"/>
+                    </a:schemeClr>
+                  </a:outerShdw>
+                </a:effectLst>
+              </a:rPr>
+              <a:t>QnA</a:t>
+            </a:r>
+            <a:endParaRPr lang="ko-KR" altLang="en-US" sz="800" dirty="0">
+              <a:ln w="0"/>
+              <a:solidFill>
+                <a:schemeClr val="tx1"/>
+              </a:solidFill>
+              <a:effectLst>
+                <a:outerShdw blurRad="38100" dist="19050" dir="2700000" algn="tl" rotWithShape="0">
+                  <a:schemeClr val="dk1">
+                    <a:alpha val="40000"/>
+                  </a:schemeClr>
+                </a:outerShdw>
+              </a:effectLst>
+            </a:endParaRPr>
+          </a:p>
+        </p:txBody>
+      </p:sp>
+      <p:sp>
+        <p:nvSpPr>
+          <p:cNvPr id="53" name="직사각형 52"/>
+          <p:cNvSpPr/>
+          <p:nvPr/>
+        </p:nvSpPr>
+        <p:spPr>
+          <a:xfrm>
+            <a:off x="2464876" y="5038297"/>
+            <a:ext cx="1013848" cy="328936"/>
+          </a:xfrm>
+          <a:prstGeom prst="rect">
+            <a:avLst/>
+          </a:prstGeom>
+        </p:spPr>
+        <p:style>
+          <a:lnRef idx="2">
+            <a:schemeClr val="accent1">
+              <a:shade val="50000"/>
+            </a:schemeClr>
+          </a:lnRef>
+          <a:fillRef idx="1">
+            <a:schemeClr val="accent1"/>
+          </a:fillRef>
+          <a:effectRef idx="0">
+            <a:schemeClr val="accent1"/>
+          </a:effectRef>
+          <a:fontRef idx="minor">
+            <a:schemeClr val="lt1"/>
+          </a:fontRef>
+        </p:style>
+        <p:txBody>
+          <a:bodyPr rtlCol="0" anchor="ctr"/>
+          <a:lstStyle/>
+          <a:p>
+            <a:pPr algn="ctr"/>
+            <a:r>
+              <a:rPr lang="ko-KR" altLang="en-US" sz="800" dirty="0" smtClean="0">
+                <a:ln w="0"/>
+                <a:solidFill>
+                  <a:schemeClr val="tx1"/>
+                </a:solidFill>
+                <a:effectLst>
+                  <a:outerShdw blurRad="38100" dist="19050" dir="2700000" algn="tl" rotWithShape="0">
+                    <a:schemeClr val="dk1">
+                      <a:alpha val="40000"/>
+                    </a:schemeClr>
+                  </a:outerShdw>
+                </a:effectLst>
+              </a:rPr>
+              <a:t>마이 페이지</a:t>
+            </a:r>
+            <a:endParaRPr lang="en-US" altLang="ko-KR" sz="800" dirty="0" smtClean="0">
+              <a:ln w="0"/>
+              <a:solidFill>
+                <a:schemeClr val="tx1"/>
+              </a:solidFill>
+              <a:effectLst>
+                <a:outerShdw blurRad="38100" dist="19050" dir="2700000" algn="tl" rotWithShape="0">
+                  <a:schemeClr val="dk1">
+                    <a:alpha val="40000"/>
+                  </a:schemeClr>
+                </a:outerShdw>
+              </a:effectLst>
+            </a:endParaRPr>
+          </a:p>
+        </p:txBody>
+      </p:sp>
+      <p:sp>
+        <p:nvSpPr>
+          <p:cNvPr id="54" name="직사각형 53"/>
+          <p:cNvSpPr/>
+          <p:nvPr/>
+        </p:nvSpPr>
+        <p:spPr>
+          <a:xfrm>
+            <a:off x="4273275" y="4315816"/>
+            <a:ext cx="1013848" cy="328936"/>
+          </a:xfrm>
+          <a:prstGeom prst="rect">
+            <a:avLst/>
+          </a:prstGeom>
+        </p:spPr>
+        <p:style>
+          <a:lnRef idx="2">
+            <a:schemeClr val="accent1">
+              <a:shade val="50000"/>
+            </a:schemeClr>
+          </a:lnRef>
+          <a:fillRef idx="1">
+            <a:schemeClr val="accent1"/>
+          </a:fillRef>
+          <a:effectRef idx="0">
+            <a:schemeClr val="accent1"/>
+          </a:effectRef>
+          <a:fontRef idx="minor">
+            <a:schemeClr val="lt1"/>
+          </a:fontRef>
+        </p:style>
+        <p:txBody>
+          <a:bodyPr rtlCol="0" anchor="ctr"/>
+          <a:lstStyle/>
+          <a:p>
+            <a:pPr algn="ctr"/>
+            <a:r>
+              <a:rPr lang="ko-KR" altLang="en-US" sz="800" dirty="0" smtClean="0">
+                <a:ln w="0"/>
+                <a:solidFill>
+                  <a:schemeClr val="tx1"/>
+                </a:solidFill>
+                <a:effectLst>
+                  <a:outerShdw blurRad="38100" dist="19050" dir="2700000" algn="tl" rotWithShape="0">
+                    <a:schemeClr val="dk1">
+                      <a:alpha val="40000"/>
+                    </a:schemeClr>
+                  </a:outerShdw>
+                </a:effectLst>
+              </a:rPr>
+              <a:t>회원정보수정</a:t>
+            </a:r>
+            <a:endParaRPr lang="ko-KR" altLang="en-US" sz="800" dirty="0">
+              <a:ln w="0"/>
+              <a:solidFill>
+                <a:schemeClr val="tx1"/>
+              </a:solidFill>
+              <a:effectLst>
+                <a:outerShdw blurRad="38100" dist="19050" dir="2700000" algn="tl" rotWithShape="0">
+                  <a:schemeClr val="dk1">
+                    <a:alpha val="40000"/>
+                  </a:schemeClr>
+                </a:outerShdw>
+              </a:effectLst>
+            </a:endParaRPr>
+          </a:p>
+        </p:txBody>
+      </p:sp>
+      <p:sp>
+        <p:nvSpPr>
+          <p:cNvPr id="55" name="직사각형 54"/>
+          <p:cNvSpPr/>
+          <p:nvPr/>
+        </p:nvSpPr>
+        <p:spPr>
+          <a:xfrm>
+            <a:off x="4273275" y="5038319"/>
+            <a:ext cx="1013848" cy="328936"/>
+          </a:xfrm>
+          <a:prstGeom prst="rect">
+            <a:avLst/>
+          </a:prstGeom>
+        </p:spPr>
+        <p:style>
+          <a:lnRef idx="2">
+            <a:schemeClr val="accent1">
+              <a:shade val="50000"/>
+            </a:schemeClr>
+          </a:lnRef>
+          <a:fillRef idx="1">
+            <a:schemeClr val="accent1"/>
+          </a:fillRef>
+          <a:effectRef idx="0">
+            <a:schemeClr val="accent1"/>
+          </a:effectRef>
+          <a:fontRef idx="minor">
+            <a:schemeClr val="lt1"/>
+          </a:fontRef>
+        </p:style>
+        <p:txBody>
+          <a:bodyPr rtlCol="0" anchor="ctr"/>
+          <a:lstStyle/>
+          <a:p>
+            <a:pPr algn="ctr"/>
+            <a:r>
+              <a:rPr lang="ko-KR" altLang="en-US" sz="800" dirty="0" smtClean="0">
+                <a:ln w="0"/>
+                <a:solidFill>
+                  <a:schemeClr val="tx1"/>
+                </a:solidFill>
+                <a:effectLst>
+                  <a:outerShdw blurRad="38100" dist="19050" dir="2700000" algn="tl" rotWithShape="0">
+                    <a:schemeClr val="dk1">
+                      <a:alpha val="40000"/>
+                    </a:schemeClr>
+                  </a:outerShdw>
+                </a:effectLst>
+              </a:rPr>
+              <a:t>회원탈퇴</a:t>
+            </a:r>
+            <a:endParaRPr lang="ko-KR" altLang="en-US" sz="800" dirty="0">
+              <a:ln w="0"/>
+              <a:solidFill>
+                <a:schemeClr val="tx1"/>
+              </a:solidFill>
+              <a:effectLst>
+                <a:outerShdw blurRad="38100" dist="19050" dir="2700000" algn="tl" rotWithShape="0">
+                  <a:schemeClr val="dk1">
+                    <a:alpha val="40000"/>
+                  </a:schemeClr>
+                </a:outerShdw>
+              </a:effectLst>
+            </a:endParaRPr>
+          </a:p>
+        </p:txBody>
+      </p:sp>
+      <p:sp>
+        <p:nvSpPr>
+          <p:cNvPr id="56" name="직사각형 55"/>
+          <p:cNvSpPr/>
+          <p:nvPr/>
+        </p:nvSpPr>
+        <p:spPr>
+          <a:xfrm>
+            <a:off x="6083975" y="6033251"/>
+            <a:ext cx="1013848" cy="304662"/>
+          </a:xfrm>
+          <a:prstGeom prst="rect">
+            <a:avLst/>
+          </a:prstGeom>
+        </p:spPr>
+        <p:style>
+          <a:lnRef idx="2">
+            <a:schemeClr val="accent1">
+              <a:shade val="50000"/>
+            </a:schemeClr>
+          </a:lnRef>
+          <a:fillRef idx="1">
+            <a:schemeClr val="accent1"/>
+          </a:fillRef>
+          <a:effectRef idx="0">
+            <a:schemeClr val="accent1"/>
+          </a:effectRef>
+          <a:fontRef idx="minor">
+            <a:schemeClr val="lt1"/>
+          </a:fontRef>
+        </p:style>
+        <p:txBody>
+          <a:bodyPr rtlCol="0" anchor="ctr"/>
+          <a:lstStyle/>
+          <a:p>
+            <a:pPr algn="ctr"/>
+            <a:r>
+              <a:rPr lang="ko-KR" altLang="en-US" sz="800" dirty="0" smtClean="0">
+                <a:ln w="0"/>
+                <a:solidFill>
+                  <a:schemeClr val="tx1"/>
+                </a:solidFill>
+                <a:effectLst>
+                  <a:outerShdw blurRad="38100" dist="19050" dir="2700000" algn="tl" rotWithShape="0">
+                    <a:schemeClr val="dk1">
+                      <a:alpha val="40000"/>
+                    </a:schemeClr>
+                  </a:outerShdw>
+                </a:effectLst>
+              </a:rPr>
+              <a:t>강의실</a:t>
+            </a:r>
+            <a:endParaRPr lang="en-US" altLang="ko-KR" sz="800" dirty="0">
+              <a:ln w="0"/>
+              <a:solidFill>
+                <a:schemeClr val="tx1"/>
+              </a:solidFill>
+              <a:effectLst>
+                <a:outerShdw blurRad="38100" dist="19050" dir="2700000" algn="tl" rotWithShape="0">
+                  <a:schemeClr val="dk1">
+                    <a:alpha val="40000"/>
+                  </a:schemeClr>
+                </a:outerShdw>
+              </a:effectLst>
+            </a:endParaRPr>
+          </a:p>
+        </p:txBody>
+      </p:sp>
       <p:cxnSp>
         <p:nvCxnSpPr>
-          <p:cNvPr id="20" name="직선 화살표 연결선 19"/>
+          <p:cNvPr id="6" name="직선 화살표 연결선 5"/>
           <p:cNvCxnSpPr>
-            <a:stCxn id="4" idx="3"/>
-            <a:endCxn id="18" idx="1"/>
+            <a:stCxn id="41" idx="3"/>
+            <a:endCxn id="44" idx="1"/>
           </p:cNvCxnSpPr>
           <p:nvPr/>
         </p:nvCxnSpPr>
         <p:spPr>
-          <a:xfrm>
-            <a:off x="1363287" y="1898597"/>
-            <a:ext cx="1102977" cy="2761623"/>
+          <a:xfrm flipV="1">
+            <a:off x="1363287" y="1893515"/>
+            <a:ext cx="1081270" cy="5082"/>
           </a:xfrm>
           <a:prstGeom prst="straightConnector1">
             <a:avLst/>
@@ -4550,17 +10384,17 @@
       </p:cxnSp>
       <p:cxnSp>
         <p:nvCxnSpPr>
-          <p:cNvPr id="32" name="직선 화살표 연결선 31"/>
+          <p:cNvPr id="11" name="직선 화살표 연결선 10"/>
           <p:cNvCxnSpPr>
-            <a:stCxn id="4" idx="3"/>
-            <a:endCxn id="40" idx="1"/>
+            <a:stCxn id="41" idx="3"/>
+            <a:endCxn id="43" idx="1"/>
           </p:cNvCxnSpPr>
           <p:nvPr/>
         </p:nvCxnSpPr>
         <p:spPr>
-          <a:xfrm flipV="1">
-            <a:off x="1363287" y="1893515"/>
-            <a:ext cx="1081270" cy="5082"/>
+          <a:xfrm>
+            <a:off x="1363287" y="1898597"/>
+            <a:ext cx="1081268" cy="568188"/>
           </a:xfrm>
           <a:prstGeom prst="straightConnector1">
             <a:avLst/>
@@ -4586,189 +10420,17 @@
       </p:cxnSp>
       <p:cxnSp>
         <p:nvCxnSpPr>
-          <p:cNvPr id="37" name="직선 화살표 연결선 36"/>
+          <p:cNvPr id="13" name="직선 화살표 연결선 12"/>
           <p:cNvCxnSpPr>
-            <a:stCxn id="4" idx="3"/>
-            <a:endCxn id="39" idx="1"/>
+            <a:stCxn id="41" idx="3"/>
+            <a:endCxn id="42" idx="1"/>
           </p:cNvCxnSpPr>
           <p:nvPr/>
         </p:nvCxnSpPr>
         <p:spPr>
           <a:xfrm>
             <a:off x="1363287" y="1898597"/>
-            <a:ext cx="1081268" cy="568188"/>
-          </a:xfrm>
-          <a:prstGeom prst="straightConnector1">
-            <a:avLst/>
-          </a:prstGeom>
-          <a:ln>
-            <a:tailEnd type="triangle"/>
-          </a:ln>
-        </p:spPr>
-        <p:style>
-          <a:lnRef idx="1">
-            <a:schemeClr val="accent1"/>
-          </a:lnRef>
-          <a:fillRef idx="0">
-            <a:schemeClr val="accent1"/>
-          </a:fillRef>
-          <a:effectRef idx="0">
-            <a:schemeClr val="accent1"/>
-          </a:effectRef>
-          <a:fontRef idx="minor">
-            <a:schemeClr val="tx1"/>
-          </a:fontRef>
-        </p:style>
-      </p:cxnSp>
-      <p:sp>
-        <p:nvSpPr>
-          <p:cNvPr id="39" name="직사각형 38"/>
-          <p:cNvSpPr/>
-          <p:nvPr/>
-        </p:nvSpPr>
-        <p:spPr>
-          <a:xfrm>
-            <a:off x="2444555" y="2341981"/>
-            <a:ext cx="1293092" cy="249608"/>
-          </a:xfrm>
-          <a:prstGeom prst="rect">
-            <a:avLst/>
-          </a:prstGeom>
-        </p:spPr>
-        <p:style>
-          <a:lnRef idx="2">
-            <a:schemeClr val="accent1">
-              <a:shade val="50000"/>
-            </a:schemeClr>
-          </a:lnRef>
-          <a:fillRef idx="1">
-            <a:schemeClr val="accent1"/>
-          </a:fillRef>
-          <a:effectRef idx="0">
-            <a:schemeClr val="accent1"/>
-          </a:effectRef>
-          <a:fontRef idx="minor">
-            <a:schemeClr val="lt1"/>
-          </a:fontRef>
-        </p:style>
-        <p:txBody>
-          <a:bodyPr rtlCol="0" anchor="ctr"/>
-          <a:lstStyle/>
-          <a:p>
-            <a:pPr algn="ctr"/>
-            <a:r>
-              <a:rPr lang="ko-KR" altLang="en-US" sz="900" dirty="0" smtClean="0">
-                <a:ln w="0"/>
-                <a:solidFill>
-                  <a:schemeClr val="tx1"/>
-                </a:solidFill>
-                <a:effectLst>
-                  <a:outerShdw blurRad="38100" dist="19050" dir="2700000" algn="tl" rotWithShape="0">
-                    <a:schemeClr val="dk1">
-                      <a:alpha val="40000"/>
-                    </a:schemeClr>
-                  </a:outerShdw>
-                </a:effectLst>
-              </a:rPr>
-              <a:t>공지사항</a:t>
-            </a:r>
-            <a:endParaRPr lang="ko-KR" altLang="en-US" sz="900" dirty="0">
-              <a:ln w="0"/>
-              <a:solidFill>
-                <a:schemeClr val="tx1"/>
-              </a:solidFill>
-              <a:effectLst>
-                <a:outerShdw blurRad="38100" dist="19050" dir="2700000" algn="tl" rotWithShape="0">
-                  <a:schemeClr val="dk1">
-                    <a:alpha val="40000"/>
-                  </a:schemeClr>
-                </a:outerShdw>
-              </a:effectLst>
-            </a:endParaRPr>
-          </a:p>
-        </p:txBody>
-      </p:sp>
-      <p:sp>
-        <p:nvSpPr>
-          <p:cNvPr id="40" name="직사각형 39"/>
-          <p:cNvSpPr/>
-          <p:nvPr/>
-        </p:nvSpPr>
-        <p:spPr>
-          <a:xfrm>
-            <a:off x="2444557" y="1757061"/>
-            <a:ext cx="1293090" cy="272908"/>
-          </a:xfrm>
-          <a:prstGeom prst="rect">
-            <a:avLst/>
-          </a:prstGeom>
-        </p:spPr>
-        <p:style>
-          <a:lnRef idx="2">
-            <a:schemeClr val="accent1">
-              <a:shade val="50000"/>
-            </a:schemeClr>
-          </a:lnRef>
-          <a:fillRef idx="1">
-            <a:schemeClr val="accent1"/>
-          </a:fillRef>
-          <a:effectRef idx="0">
-            <a:schemeClr val="accent1"/>
-          </a:effectRef>
-          <a:fontRef idx="minor">
-            <a:schemeClr val="lt1"/>
-          </a:fontRef>
-        </p:style>
-        <p:txBody>
-          <a:bodyPr rtlCol="0" anchor="ctr"/>
-          <a:lstStyle/>
-          <a:p>
-            <a:pPr algn="ctr"/>
-            <a:r>
-              <a:rPr lang="ko-KR" altLang="en-US" sz="1000" dirty="0" smtClean="0">
-                <a:ln w="0"/>
-                <a:solidFill>
-                  <a:schemeClr val="tx1"/>
-                </a:solidFill>
-                <a:effectLst>
-                  <a:outerShdw blurRad="38100" dist="19050" dir="2700000" algn="tl" rotWithShape="0">
-                    <a:schemeClr val="dk1">
-                      <a:alpha val="40000"/>
-                    </a:schemeClr>
-                  </a:outerShdw>
-                </a:effectLst>
-              </a:rPr>
-              <a:t>로그인 및 회원가입</a:t>
-            </a:r>
-            <a:endParaRPr lang="ko-KR" altLang="en-US" sz="1000" dirty="0">
-              <a:ln w="0"/>
-              <a:solidFill>
-                <a:schemeClr val="tx1"/>
-              </a:solidFill>
-              <a:effectLst>
-                <a:outerShdw blurRad="38100" dist="19050" dir="2700000" algn="tl" rotWithShape="0">
-                  <a:schemeClr val="dk1">
-                    <a:alpha val="40000"/>
-                  </a:schemeClr>
-                </a:outerShdw>
-              </a:effectLst>
-            </a:endParaRPr>
-          </a:p>
-        </p:txBody>
-      </p:sp>
-      <p:cxnSp>
-        <p:nvCxnSpPr>
-          <p:cNvPr id="60" name="직선 화살표 연결선 59"/>
-          <p:cNvCxnSpPr>
-            <a:stCxn id="4" idx="3"/>
-            <a:endCxn id="17" idx="1"/>
-          </p:cNvCxnSpPr>
-          <p:nvPr/>
-        </p:nvCxnSpPr>
-        <p:spPr>
-          <a:xfrm>
-            <a:off x="1363287" y="1898597"/>
-            <a:ext cx="1102977" cy="3704704"/>
+            <a:ext cx="1081268" cy="1657262"/>
           </a:xfrm>
           <a:prstGeom prst="straightConnector1">
             <a:avLst/>
@@ -4794,289 +10456,17 @@
       </p:cxnSp>
       <p:cxnSp>
         <p:nvCxnSpPr>
-          <p:cNvPr id="75" name="직선 화살표 연결선 74"/>
+          <p:cNvPr id="15" name="직선 화살표 연결선 14"/>
           <p:cNvCxnSpPr>
-            <a:stCxn id="40" idx="3"/>
-            <a:endCxn id="76" idx="1"/>
+            <a:stCxn id="41" idx="3"/>
+            <a:endCxn id="53" idx="1"/>
           </p:cNvCxnSpPr>
           <p:nvPr/>
         </p:nvCxnSpPr>
         <p:spPr>
           <a:xfrm>
-            <a:off x="3737647" y="1893515"/>
-            <a:ext cx="1071254" cy="599679"/>
-          </a:xfrm>
-          <a:prstGeom prst="straightConnector1">
-            <a:avLst/>
-          </a:prstGeom>
-          <a:ln>
-            <a:tailEnd type="triangle"/>
-          </a:ln>
-        </p:spPr>
-        <p:style>
-          <a:lnRef idx="1">
-            <a:schemeClr val="accent1"/>
-          </a:lnRef>
-          <a:fillRef idx="0">
-            <a:schemeClr val="accent1"/>
-          </a:fillRef>
-          <a:effectRef idx="0">
-            <a:schemeClr val="accent1"/>
-          </a:effectRef>
-          <a:fontRef idx="minor">
-            <a:schemeClr val="tx1"/>
-          </a:fontRef>
-        </p:style>
-      </p:cxnSp>
-      <p:sp>
-        <p:nvSpPr>
-          <p:cNvPr id="76" name="직사각형 75"/>
-          <p:cNvSpPr/>
-          <p:nvPr/>
-        </p:nvSpPr>
-        <p:spPr>
-          <a:xfrm>
-            <a:off x="4808901" y="2328726"/>
-            <a:ext cx="1013848" cy="328936"/>
-          </a:xfrm>
-          <a:prstGeom prst="rect">
-            <a:avLst/>
-          </a:prstGeom>
-        </p:spPr>
-        <p:style>
-          <a:lnRef idx="2">
-            <a:schemeClr val="accent1">
-              <a:shade val="50000"/>
-            </a:schemeClr>
-          </a:lnRef>
-          <a:fillRef idx="1">
-            <a:schemeClr val="accent1"/>
-          </a:fillRef>
-          <a:effectRef idx="0">
-            <a:schemeClr val="accent1"/>
-          </a:effectRef>
-          <a:fontRef idx="minor">
-            <a:schemeClr val="lt1"/>
-          </a:fontRef>
-        </p:style>
-        <p:txBody>
-          <a:bodyPr rtlCol="0" anchor="ctr"/>
-          <a:lstStyle/>
-          <a:p>
-            <a:pPr algn="ctr"/>
-            <a:r>
-              <a:rPr lang="ko-KR" altLang="en-US" sz="800" dirty="0" smtClean="0">
-                <a:ln w="0"/>
-                <a:solidFill>
-                  <a:schemeClr val="tx1"/>
-                </a:solidFill>
-                <a:effectLst>
-                  <a:outerShdw blurRad="38100" dist="19050" dir="2700000" algn="tl" rotWithShape="0">
-                    <a:schemeClr val="dk1">
-                      <a:alpha val="40000"/>
-                    </a:schemeClr>
-                  </a:outerShdw>
-                </a:effectLst>
-              </a:rPr>
-              <a:t>로그인</a:t>
-            </a:r>
-            <a:endParaRPr lang="en-US" altLang="ko-KR" sz="800" dirty="0" smtClean="0">
-              <a:ln w="0"/>
-              <a:solidFill>
-                <a:schemeClr val="tx1"/>
-              </a:solidFill>
-              <a:effectLst>
-                <a:outerShdw blurRad="38100" dist="19050" dir="2700000" algn="tl" rotWithShape="0">
-                  <a:schemeClr val="dk1">
-                    <a:alpha val="40000"/>
-                  </a:schemeClr>
-                </a:outerShdw>
-              </a:effectLst>
-            </a:endParaRPr>
-          </a:p>
-          <a:p>
-            <a:pPr algn="ctr"/>
-            <a:r>
-              <a:rPr lang="en-US" altLang="ko-KR" sz="800" dirty="0" smtClean="0">
-                <a:ln w="0"/>
-                <a:solidFill>
-                  <a:schemeClr val="tx1"/>
-                </a:solidFill>
-                <a:effectLst>
-                  <a:outerShdw blurRad="38100" dist="19050" dir="2700000" algn="tl" rotWithShape="0">
-                    <a:schemeClr val="dk1">
-                      <a:alpha val="40000"/>
-                    </a:schemeClr>
-                  </a:outerShdw>
-                </a:effectLst>
-              </a:rPr>
-              <a:t>(ID </a:t>
-            </a:r>
-            <a:r>
-              <a:rPr lang="ko-KR" altLang="en-US" sz="800" dirty="0" smtClean="0">
-                <a:ln w="0"/>
-                <a:solidFill>
-                  <a:schemeClr val="tx1"/>
-                </a:solidFill>
-                <a:effectLst>
-                  <a:outerShdw blurRad="38100" dist="19050" dir="2700000" algn="tl" rotWithShape="0">
-                    <a:schemeClr val="dk1">
-                      <a:alpha val="40000"/>
-                    </a:schemeClr>
-                  </a:outerShdw>
-                </a:effectLst>
-              </a:rPr>
-              <a:t>및 비밀번호</a:t>
-            </a:r>
-            <a:r>
-              <a:rPr lang="en-US" altLang="ko-KR" sz="800" dirty="0" smtClean="0">
-                <a:ln w="0"/>
-                <a:solidFill>
-                  <a:schemeClr val="tx1"/>
-                </a:solidFill>
-                <a:effectLst>
-                  <a:outerShdw blurRad="38100" dist="19050" dir="2700000" algn="tl" rotWithShape="0">
-                    <a:schemeClr val="dk1">
-                      <a:alpha val="40000"/>
-                    </a:schemeClr>
-                  </a:outerShdw>
-                </a:effectLst>
-              </a:rPr>
-              <a:t>)</a:t>
-            </a:r>
-            <a:endParaRPr lang="ko-KR" altLang="en-US" sz="800" dirty="0">
-              <a:ln w="0"/>
-              <a:solidFill>
-                <a:schemeClr val="tx1"/>
-              </a:solidFill>
-              <a:effectLst>
-                <a:outerShdw blurRad="38100" dist="19050" dir="2700000" algn="tl" rotWithShape="0">
-                  <a:schemeClr val="dk1">
-                    <a:alpha val="40000"/>
-                  </a:schemeClr>
-                </a:outerShdw>
-              </a:effectLst>
-            </a:endParaRPr>
-          </a:p>
-        </p:txBody>
-      </p:sp>
-      <p:cxnSp>
-        <p:nvCxnSpPr>
-          <p:cNvPr id="93" name="직선 화살표 연결선 92"/>
-          <p:cNvCxnSpPr>
-            <a:stCxn id="40" idx="3"/>
-            <a:endCxn id="94" idx="1"/>
-          </p:cNvCxnSpPr>
-          <p:nvPr/>
-        </p:nvCxnSpPr>
-        <p:spPr>
-          <a:xfrm>
-            <a:off x="3737647" y="1893515"/>
-            <a:ext cx="1071256" cy="15877"/>
-          </a:xfrm>
-          <a:prstGeom prst="straightConnector1">
-            <a:avLst/>
-          </a:prstGeom>
-          <a:ln>
-            <a:tailEnd type="triangle"/>
-          </a:ln>
-        </p:spPr>
-        <p:style>
-          <a:lnRef idx="1">
-            <a:schemeClr val="accent1"/>
-          </a:lnRef>
-          <a:fillRef idx="0">
-            <a:schemeClr val="accent1"/>
-          </a:fillRef>
-          <a:effectRef idx="0">
-            <a:schemeClr val="accent1"/>
-          </a:effectRef>
-          <a:fontRef idx="minor">
-            <a:schemeClr val="tx1"/>
-          </a:fontRef>
-        </p:style>
-      </p:cxnSp>
-      <p:sp>
-        <p:nvSpPr>
-          <p:cNvPr id="94" name="직사각형 93"/>
-          <p:cNvSpPr/>
-          <p:nvPr/>
-        </p:nvSpPr>
-        <p:spPr>
-          <a:xfrm>
-            <a:off x="4808903" y="1757061"/>
-            <a:ext cx="1013848" cy="304662"/>
-          </a:xfrm>
-          <a:prstGeom prst="rect">
-            <a:avLst/>
-          </a:prstGeom>
-        </p:spPr>
-        <p:style>
-          <a:lnRef idx="2">
-            <a:schemeClr val="accent1">
-              <a:shade val="50000"/>
-            </a:schemeClr>
-          </a:lnRef>
-          <a:fillRef idx="1">
-            <a:schemeClr val="accent1"/>
-          </a:fillRef>
-          <a:effectRef idx="0">
-            <a:schemeClr val="accent1"/>
-          </a:effectRef>
-          <a:fontRef idx="minor">
-            <a:schemeClr val="lt1"/>
-          </a:fontRef>
-        </p:style>
-        <p:txBody>
-          <a:bodyPr rtlCol="0" anchor="ctr"/>
-          <a:lstStyle/>
-          <a:p>
-            <a:pPr algn="ctr"/>
-            <a:r>
-              <a:rPr lang="ko-KR" altLang="en-US" sz="800" dirty="0" smtClean="0">
-                <a:ln w="0"/>
-                <a:solidFill>
-                  <a:schemeClr val="tx1"/>
-                </a:solidFill>
-                <a:effectLst>
-                  <a:outerShdw blurRad="38100" dist="19050" dir="2700000" algn="tl" rotWithShape="0">
-                    <a:schemeClr val="dk1">
-                      <a:alpha val="40000"/>
-                    </a:schemeClr>
-                  </a:outerShdw>
-                </a:effectLst>
-              </a:rPr>
-              <a:t>회원가입</a:t>
-            </a:r>
-            <a:endParaRPr lang="ko-KR" altLang="en-US" sz="800" dirty="0">
-              <a:ln w="0"/>
-              <a:solidFill>
-                <a:schemeClr val="tx1"/>
-              </a:solidFill>
-              <a:effectLst>
-                <a:outerShdw blurRad="38100" dist="19050" dir="2700000" algn="tl" rotWithShape="0">
-                  <a:schemeClr val="dk1">
-                    <a:alpha val="40000"/>
-                  </a:schemeClr>
-                </a:outerShdw>
-              </a:effectLst>
-            </a:endParaRPr>
-          </a:p>
-        </p:txBody>
-      </p:sp>
-      <p:cxnSp>
-        <p:nvCxnSpPr>
-          <p:cNvPr id="101" name="직선 화살표 연결선 100"/>
-          <p:cNvCxnSpPr>
-            <a:stCxn id="94" idx="2"/>
-            <a:endCxn id="76" idx="0"/>
-          </p:cNvCxnSpPr>
-          <p:nvPr/>
-        </p:nvCxnSpPr>
-        <p:spPr>
-          <a:xfrm flipH="1">
-            <a:off x="5315825" y="2061723"/>
-            <a:ext cx="2" cy="267003"/>
+            <a:off x="1363287" y="1898597"/>
+            <a:ext cx="1101589" cy="3304168"/>
           </a:xfrm>
           <a:prstGeom prst="straightConnector1">
             <a:avLst/>
@@ -5102,17 +10492,17 @@
       </p:cxnSp>
       <p:cxnSp>
         <p:nvCxnSpPr>
-          <p:cNvPr id="114" name="직선 화살표 연결선 113"/>
+          <p:cNvPr id="17" name="직선 화살표 연결선 16"/>
           <p:cNvCxnSpPr>
-            <a:stCxn id="76" idx="1"/>
-            <a:endCxn id="39" idx="3"/>
+            <a:stCxn id="44" idx="3"/>
+            <a:endCxn id="46" idx="1"/>
           </p:cNvCxnSpPr>
           <p:nvPr/>
         </p:nvCxnSpPr>
         <p:spPr>
-          <a:xfrm flipH="1" flipV="1">
-            <a:off x="3737647" y="2466785"/>
-            <a:ext cx="1071254" cy="26409"/>
+          <a:xfrm>
+            <a:off x="3737647" y="1893515"/>
+            <a:ext cx="1071256" cy="15877"/>
           </a:xfrm>
           <a:prstGeom prst="straightConnector1">
             <a:avLst/>
@@ -5138,17 +10528,17 @@
       </p:cxnSp>
       <p:cxnSp>
         <p:nvCxnSpPr>
-          <p:cNvPr id="148" name="직선 화살표 연결선 147"/>
+          <p:cNvPr id="19" name="직선 화살표 연결선 18"/>
           <p:cNvCxnSpPr>
-            <a:stCxn id="320" idx="2"/>
-            <a:endCxn id="18" idx="3"/>
+            <a:stCxn id="46" idx="2"/>
+            <a:endCxn id="45" idx="0"/>
           </p:cNvCxnSpPr>
           <p:nvPr/>
         </p:nvCxnSpPr>
         <p:spPr>
-          <a:xfrm flipH="1">
-            <a:off x="3759356" y="3697000"/>
-            <a:ext cx="5629855" cy="963220"/>
+          <a:xfrm>
+            <a:off x="5315827" y="2061723"/>
+            <a:ext cx="10012" cy="289820"/>
           </a:xfrm>
           <a:prstGeom prst="straightConnector1">
             <a:avLst/>
@@ -5174,17 +10564,17 @@
       </p:cxnSp>
       <p:cxnSp>
         <p:nvCxnSpPr>
-          <p:cNvPr id="150" name="직선 화살표 연결선 149"/>
+          <p:cNvPr id="21" name="직선 화살표 연결선 20"/>
           <p:cNvCxnSpPr>
-            <a:stCxn id="221" idx="1"/>
-            <a:endCxn id="17" idx="3"/>
+            <a:stCxn id="44" idx="3"/>
+            <a:endCxn id="45" idx="1"/>
           </p:cNvCxnSpPr>
           <p:nvPr/>
         </p:nvCxnSpPr>
         <p:spPr>
-          <a:xfrm flipH="1">
-            <a:off x="3759356" y="3555859"/>
-            <a:ext cx="1059559" cy="2047442"/>
+          <a:xfrm>
+            <a:off x="3737647" y="1893515"/>
+            <a:ext cx="1081268" cy="622496"/>
           </a:xfrm>
           <a:prstGeom prst="straightConnector1">
             <a:avLst/>
@@ -5210,1113 +10600,17 @@
       </p:cxnSp>
       <p:cxnSp>
         <p:nvCxnSpPr>
-          <p:cNvPr id="152" name="직선 화살표 연결선 151"/>
+          <p:cNvPr id="23" name="직선 화살표 연결선 22"/>
           <p:cNvCxnSpPr>
-            <a:stCxn id="8" idx="3"/>
-            <a:endCxn id="221" idx="1"/>
+            <a:stCxn id="45" idx="1"/>
+            <a:endCxn id="43" idx="3"/>
           </p:cNvCxnSpPr>
           <p:nvPr/>
         </p:nvCxnSpPr>
         <p:spPr>
-          <a:xfrm flipV="1">
-            <a:off x="3737647" y="3555859"/>
-            <a:ext cx="1081268" cy="20225"/>
-          </a:xfrm>
-          <a:prstGeom prst="straightConnector1">
-            <a:avLst/>
-          </a:prstGeom>
-          <a:ln>
-            <a:tailEnd type="triangle"/>
-          </a:ln>
-        </p:spPr>
-        <p:style>
-          <a:lnRef idx="1">
-            <a:schemeClr val="accent1"/>
-          </a:lnRef>
-          <a:fillRef idx="0">
-            <a:schemeClr val="accent1"/>
-          </a:fillRef>
-          <a:effectRef idx="0">
-            <a:schemeClr val="accent1"/>
-          </a:effectRef>
-          <a:fontRef idx="minor">
-            <a:schemeClr val="tx1"/>
-          </a:fontRef>
-        </p:style>
-      </p:cxnSp>
-      <p:sp>
-        <p:nvSpPr>
-          <p:cNvPr id="221" name="직사각형 220"/>
-          <p:cNvSpPr/>
-          <p:nvPr/>
-        </p:nvSpPr>
-        <p:spPr>
-          <a:xfrm>
-            <a:off x="4818915" y="3391391"/>
-            <a:ext cx="1143161" cy="328936"/>
-          </a:xfrm>
-          <a:prstGeom prst="rect">
-            <a:avLst/>
-          </a:prstGeom>
-        </p:spPr>
-        <p:style>
-          <a:lnRef idx="2">
-            <a:schemeClr val="accent1">
-              <a:shade val="50000"/>
-            </a:schemeClr>
-          </a:lnRef>
-          <a:fillRef idx="1">
-            <a:schemeClr val="accent1"/>
-          </a:fillRef>
-          <a:effectRef idx="0">
-            <a:schemeClr val="accent1"/>
-          </a:effectRef>
-          <a:fontRef idx="minor">
-            <a:schemeClr val="lt1"/>
-          </a:fontRef>
-        </p:style>
-        <p:txBody>
-          <a:bodyPr rtlCol="0" anchor="ctr"/>
-          <a:lstStyle/>
-          <a:p>
-            <a:pPr algn="ctr"/>
-            <a:r>
-              <a:rPr lang="ko-KR" altLang="en-US" sz="800" dirty="0" err="1" smtClean="0">
-                <a:ln w="0"/>
-                <a:solidFill>
-                  <a:schemeClr val="tx1"/>
-                </a:solidFill>
-                <a:effectLst>
-                  <a:outerShdw blurRad="38100" dist="19050" dir="2700000" algn="tl" rotWithShape="0">
-                    <a:schemeClr val="dk1">
-                      <a:alpha val="40000"/>
-                    </a:schemeClr>
-                  </a:outerShdw>
-                </a:effectLst>
-              </a:rPr>
-              <a:t>강의별</a:t>
-            </a:r>
-            <a:r>
-              <a:rPr lang="ko-KR" altLang="en-US" sz="800" dirty="0" smtClean="0">
-                <a:ln w="0"/>
-                <a:solidFill>
-                  <a:schemeClr val="tx1"/>
-                </a:solidFill>
-                <a:effectLst>
-                  <a:outerShdw blurRad="38100" dist="19050" dir="2700000" algn="tl" rotWithShape="0">
-                    <a:schemeClr val="dk1">
-                      <a:alpha val="40000"/>
-                    </a:schemeClr>
-                  </a:outerShdw>
-                </a:effectLst>
-              </a:rPr>
-              <a:t> 목록</a:t>
-            </a:r>
-            <a:endParaRPr lang="ko-KR" altLang="en-US" sz="800" dirty="0">
-              <a:ln w="0"/>
-              <a:solidFill>
-                <a:schemeClr val="tx1"/>
-              </a:solidFill>
-              <a:effectLst>
-                <a:outerShdw blurRad="38100" dist="19050" dir="2700000" algn="tl" rotWithShape="0">
-                  <a:schemeClr val="dk1">
-                    <a:alpha val="40000"/>
-                  </a:schemeClr>
-                </a:outerShdw>
-              </a:effectLst>
-            </a:endParaRPr>
-          </a:p>
-        </p:txBody>
-      </p:sp>
-      <p:cxnSp>
-        <p:nvCxnSpPr>
-          <p:cNvPr id="231" name="직선 화살표 연결선 230"/>
-          <p:cNvCxnSpPr>
-            <a:stCxn id="18" idx="3"/>
-            <a:endCxn id="232" idx="1"/>
-          </p:cNvCxnSpPr>
-          <p:nvPr/>
-        </p:nvCxnSpPr>
-        <p:spPr>
-          <a:xfrm>
-            <a:off x="3759356" y="4660220"/>
-            <a:ext cx="1040455" cy="0"/>
-          </a:xfrm>
-          <a:prstGeom prst="straightConnector1">
-            <a:avLst/>
-          </a:prstGeom>
-          <a:ln>
-            <a:tailEnd type="triangle"/>
-          </a:ln>
-        </p:spPr>
-        <p:style>
-          <a:lnRef idx="1">
-            <a:schemeClr val="accent1"/>
-          </a:lnRef>
-          <a:fillRef idx="0">
-            <a:schemeClr val="accent1"/>
-          </a:fillRef>
-          <a:effectRef idx="0">
-            <a:schemeClr val="accent1"/>
-          </a:effectRef>
-          <a:fontRef idx="minor">
-            <a:schemeClr val="tx1"/>
-          </a:fontRef>
-        </p:style>
-      </p:cxnSp>
-      <p:sp>
-        <p:nvSpPr>
-          <p:cNvPr id="232" name="직사각형 231"/>
-          <p:cNvSpPr/>
-          <p:nvPr/>
-        </p:nvSpPr>
-        <p:spPr>
-          <a:xfrm>
-            <a:off x="4799811" y="4495752"/>
-            <a:ext cx="977211" cy="328936"/>
-          </a:xfrm>
-          <a:prstGeom prst="rect">
-            <a:avLst/>
-          </a:prstGeom>
-        </p:spPr>
-        <p:style>
-          <a:lnRef idx="2">
-            <a:schemeClr val="accent1">
-              <a:shade val="50000"/>
-            </a:schemeClr>
-          </a:lnRef>
-          <a:fillRef idx="1">
-            <a:schemeClr val="accent1"/>
-          </a:fillRef>
-          <a:effectRef idx="0">
-            <a:schemeClr val="accent1"/>
-          </a:effectRef>
-          <a:fontRef idx="minor">
-            <a:schemeClr val="lt1"/>
-          </a:fontRef>
-        </p:style>
-        <p:txBody>
-          <a:bodyPr rtlCol="0" anchor="ctr"/>
-          <a:lstStyle/>
-          <a:p>
-            <a:pPr algn="ctr"/>
-            <a:r>
-              <a:rPr lang="en-US" altLang="ko-KR" sz="800" dirty="0" err="1" smtClean="0">
-                <a:ln w="0"/>
-                <a:solidFill>
-                  <a:schemeClr val="tx1"/>
-                </a:solidFill>
-                <a:effectLst>
-                  <a:outerShdw blurRad="38100" dist="19050" dir="2700000" algn="tl" rotWithShape="0">
-                    <a:schemeClr val="dk1">
-                      <a:alpha val="40000"/>
-                    </a:schemeClr>
-                  </a:outerShdw>
-                </a:effectLst>
-              </a:rPr>
-              <a:t>QnA</a:t>
-            </a:r>
-            <a:r>
-              <a:rPr lang="en-US" altLang="ko-KR" sz="800" dirty="0" smtClean="0">
-                <a:ln w="0"/>
-                <a:solidFill>
-                  <a:schemeClr val="tx1"/>
-                </a:solidFill>
-                <a:effectLst>
-                  <a:outerShdw blurRad="38100" dist="19050" dir="2700000" algn="tl" rotWithShape="0">
-                    <a:schemeClr val="dk1">
-                      <a:alpha val="40000"/>
-                    </a:schemeClr>
-                  </a:outerShdw>
-                </a:effectLst>
-              </a:rPr>
-              <a:t> </a:t>
-            </a:r>
-            <a:r>
-              <a:rPr lang="ko-KR" altLang="en-US" sz="800" dirty="0" smtClean="0">
-                <a:ln w="0"/>
-                <a:solidFill>
-                  <a:schemeClr val="tx1"/>
-                </a:solidFill>
-                <a:effectLst>
-                  <a:outerShdw blurRad="38100" dist="19050" dir="2700000" algn="tl" rotWithShape="0">
-                    <a:schemeClr val="dk1">
-                      <a:alpha val="40000"/>
-                    </a:schemeClr>
-                  </a:outerShdw>
-                </a:effectLst>
-              </a:rPr>
-              <a:t>게시판</a:t>
-            </a:r>
-            <a:endParaRPr lang="ko-KR" altLang="en-US" sz="800" dirty="0">
-              <a:ln w="0"/>
-              <a:solidFill>
-                <a:schemeClr val="tx1"/>
-              </a:solidFill>
-              <a:effectLst>
-                <a:outerShdw blurRad="38100" dist="19050" dir="2700000" algn="tl" rotWithShape="0">
-                  <a:schemeClr val="dk1">
-                    <a:alpha val="40000"/>
-                  </a:schemeClr>
-                </a:outerShdw>
-              </a:effectLst>
-            </a:endParaRPr>
-          </a:p>
-        </p:txBody>
-      </p:sp>
-      <p:cxnSp>
-        <p:nvCxnSpPr>
-          <p:cNvPr id="263" name="직선 화살표 연결선 262"/>
-          <p:cNvCxnSpPr>
-            <a:stCxn id="39" idx="3"/>
-            <a:endCxn id="264" idx="1"/>
-          </p:cNvCxnSpPr>
-          <p:nvPr/>
-        </p:nvCxnSpPr>
-        <p:spPr>
-          <a:xfrm>
+          <a:xfrm flipH="1" flipV="1">
             <a:off x="3737647" y="2466785"/>
-            <a:ext cx="1071256" cy="490621"/>
-          </a:xfrm>
-          <a:prstGeom prst="straightConnector1">
-            <a:avLst/>
-          </a:prstGeom>
-          <a:ln>
-            <a:tailEnd type="triangle"/>
-          </a:ln>
-        </p:spPr>
-        <p:style>
-          <a:lnRef idx="1">
-            <a:schemeClr val="accent1"/>
-          </a:lnRef>
-          <a:fillRef idx="0">
-            <a:schemeClr val="accent1"/>
-          </a:fillRef>
-          <a:effectRef idx="0">
-            <a:schemeClr val="accent1"/>
-          </a:effectRef>
-          <a:fontRef idx="minor">
-            <a:schemeClr val="tx1"/>
-          </a:fontRef>
-        </p:style>
-      </p:cxnSp>
-      <p:sp>
-        <p:nvSpPr>
-          <p:cNvPr id="264" name="직사각형 263"/>
-          <p:cNvSpPr/>
-          <p:nvPr/>
-        </p:nvSpPr>
-        <p:spPr>
-          <a:xfrm>
-            <a:off x="4808903" y="2792938"/>
-            <a:ext cx="1143161" cy="328936"/>
-          </a:xfrm>
-          <a:prstGeom prst="rect">
-            <a:avLst/>
-          </a:prstGeom>
-        </p:spPr>
-        <p:style>
-          <a:lnRef idx="2">
-            <a:schemeClr val="accent1">
-              <a:shade val="50000"/>
-            </a:schemeClr>
-          </a:lnRef>
-          <a:fillRef idx="1">
-            <a:schemeClr val="accent1"/>
-          </a:fillRef>
-          <a:effectRef idx="0">
-            <a:schemeClr val="accent1"/>
-          </a:effectRef>
-          <a:fontRef idx="minor">
-            <a:schemeClr val="lt1"/>
-          </a:fontRef>
-        </p:style>
-        <p:txBody>
-          <a:bodyPr rtlCol="0" anchor="ctr"/>
-          <a:lstStyle/>
-          <a:p>
-            <a:pPr algn="ctr"/>
-            <a:r>
-              <a:rPr lang="ko-KR" altLang="en-US" sz="800" smtClean="0">
-                <a:ln w="0"/>
-                <a:solidFill>
-                  <a:schemeClr val="tx1"/>
-                </a:solidFill>
-                <a:effectLst>
-                  <a:outerShdw blurRad="38100" dist="19050" dir="2700000" algn="tl" rotWithShape="0">
-                    <a:schemeClr val="dk1">
-                      <a:alpha val="40000"/>
-                    </a:schemeClr>
-                  </a:outerShdw>
-                </a:effectLst>
-              </a:rPr>
-              <a:t>공지사항 게시판</a:t>
-            </a:r>
-            <a:endParaRPr lang="ko-KR" altLang="en-US" sz="800" dirty="0">
-              <a:ln w="0"/>
-              <a:solidFill>
-                <a:schemeClr val="tx1"/>
-              </a:solidFill>
-              <a:effectLst>
-                <a:outerShdw blurRad="38100" dist="19050" dir="2700000" algn="tl" rotWithShape="0">
-                  <a:schemeClr val="dk1">
-                    <a:alpha val="40000"/>
-                  </a:schemeClr>
-                </a:outerShdw>
-              </a:effectLst>
-            </a:endParaRPr>
-          </a:p>
-        </p:txBody>
-      </p:sp>
-      <p:cxnSp>
-        <p:nvCxnSpPr>
-          <p:cNvPr id="279" name="직선 화살표 연결선 278"/>
-          <p:cNvCxnSpPr>
-            <a:stCxn id="17" idx="3"/>
-            <a:endCxn id="284" idx="1"/>
-          </p:cNvCxnSpPr>
-          <p:nvPr/>
-        </p:nvCxnSpPr>
-        <p:spPr>
-          <a:xfrm flipV="1">
-            <a:off x="3759356" y="5585095"/>
-            <a:ext cx="1049545" cy="18206"/>
-          </a:xfrm>
-          <a:prstGeom prst="straightConnector1">
-            <a:avLst/>
-          </a:prstGeom>
-          <a:ln>
-            <a:tailEnd type="triangle"/>
-          </a:ln>
-        </p:spPr>
-        <p:style>
-          <a:lnRef idx="1">
-            <a:schemeClr val="accent1"/>
-          </a:lnRef>
-          <a:fillRef idx="0">
-            <a:schemeClr val="accent1"/>
-          </a:fillRef>
-          <a:effectRef idx="0">
-            <a:schemeClr val="accent1"/>
-          </a:effectRef>
-          <a:fontRef idx="minor">
-            <a:schemeClr val="tx1"/>
-          </a:fontRef>
-        </p:style>
-      </p:cxnSp>
-      <p:sp>
-        <p:nvSpPr>
-          <p:cNvPr id="284" name="직사각형 283"/>
-          <p:cNvSpPr/>
-          <p:nvPr/>
-        </p:nvSpPr>
-        <p:spPr>
-          <a:xfrm>
-            <a:off x="4808901" y="5420627"/>
-            <a:ext cx="1143161" cy="328936"/>
-          </a:xfrm>
-          <a:prstGeom prst="rect">
-            <a:avLst/>
-          </a:prstGeom>
-        </p:spPr>
-        <p:style>
-          <a:lnRef idx="2">
-            <a:schemeClr val="accent1">
-              <a:shade val="50000"/>
-            </a:schemeClr>
-          </a:lnRef>
-          <a:fillRef idx="1">
-            <a:schemeClr val="accent1"/>
-          </a:fillRef>
-          <a:effectRef idx="0">
-            <a:schemeClr val="accent1"/>
-          </a:effectRef>
-          <a:fontRef idx="minor">
-            <a:schemeClr val="lt1"/>
-          </a:fontRef>
-        </p:style>
-        <p:txBody>
-          <a:bodyPr rtlCol="0" anchor="ctr"/>
-          <a:lstStyle/>
-          <a:p>
-            <a:pPr algn="ctr"/>
-            <a:r>
-              <a:rPr lang="ko-KR" altLang="en-US" sz="800" dirty="0" err="1">
-                <a:ln w="0"/>
-                <a:solidFill>
-                  <a:schemeClr val="tx1"/>
-                </a:solidFill>
-                <a:effectLst>
-                  <a:outerShdw blurRad="38100" dist="19050" dir="2700000" algn="tl" rotWithShape="0">
-                    <a:schemeClr val="dk1">
-                      <a:alpha val="40000"/>
-                    </a:schemeClr>
-                  </a:outerShdw>
-                </a:effectLst>
-              </a:rPr>
-              <a:t>강의별</a:t>
-            </a:r>
-            <a:r>
-              <a:rPr lang="ko-KR" altLang="en-US" sz="800" dirty="0">
-                <a:ln w="0"/>
-                <a:solidFill>
-                  <a:schemeClr val="tx1"/>
-                </a:solidFill>
-                <a:effectLst>
-                  <a:outerShdw blurRad="38100" dist="19050" dir="2700000" algn="tl" rotWithShape="0">
-                    <a:schemeClr val="dk1">
-                      <a:alpha val="40000"/>
-                    </a:schemeClr>
-                  </a:outerShdw>
-                </a:effectLst>
-              </a:rPr>
-              <a:t> 후기작성</a:t>
-            </a:r>
-            <a:endParaRPr lang="ko-KR" altLang="en-US" sz="800" dirty="0">
-              <a:ln w="0"/>
-              <a:solidFill>
-                <a:schemeClr val="tx1"/>
-              </a:solidFill>
-              <a:effectLst>
-                <a:outerShdw blurRad="38100" dist="19050" dir="2700000" algn="tl" rotWithShape="0">
-                  <a:schemeClr val="dk1">
-                    <a:alpha val="40000"/>
-                  </a:schemeClr>
-                </a:outerShdw>
-              </a:effectLst>
-            </a:endParaRPr>
-          </a:p>
-        </p:txBody>
-      </p:sp>
-      <p:cxnSp>
-        <p:nvCxnSpPr>
-          <p:cNvPr id="288" name="직선 화살표 연결선 287"/>
-          <p:cNvCxnSpPr>
-            <a:stCxn id="17" idx="3"/>
-            <a:endCxn id="290" idx="1"/>
-          </p:cNvCxnSpPr>
-          <p:nvPr/>
-        </p:nvCxnSpPr>
-        <p:spPr>
-          <a:xfrm>
-            <a:off x="3759356" y="5603301"/>
-            <a:ext cx="1049545" cy="550740"/>
-          </a:xfrm>
-          <a:prstGeom prst="straightConnector1">
-            <a:avLst/>
-          </a:prstGeom>
-          <a:ln>
-            <a:tailEnd type="triangle"/>
-          </a:ln>
-        </p:spPr>
-        <p:style>
-          <a:lnRef idx="1">
-            <a:schemeClr val="accent1"/>
-          </a:lnRef>
-          <a:fillRef idx="0">
-            <a:schemeClr val="accent1"/>
-          </a:fillRef>
-          <a:effectRef idx="0">
-            <a:schemeClr val="accent1"/>
-          </a:effectRef>
-          <a:fontRef idx="minor">
-            <a:schemeClr val="tx1"/>
-          </a:fontRef>
-        </p:style>
-      </p:cxnSp>
-      <p:sp>
-        <p:nvSpPr>
-          <p:cNvPr id="290" name="직사각형 289"/>
-          <p:cNvSpPr/>
-          <p:nvPr/>
-        </p:nvSpPr>
-        <p:spPr>
-          <a:xfrm>
-            <a:off x="4808901" y="5989573"/>
-            <a:ext cx="1143161" cy="328936"/>
-          </a:xfrm>
-          <a:prstGeom prst="rect">
-            <a:avLst/>
-          </a:prstGeom>
-        </p:spPr>
-        <p:style>
-          <a:lnRef idx="2">
-            <a:schemeClr val="accent1">
-              <a:shade val="50000"/>
-            </a:schemeClr>
-          </a:lnRef>
-          <a:fillRef idx="1">
-            <a:schemeClr val="accent1"/>
-          </a:fillRef>
-          <a:effectRef idx="0">
-            <a:schemeClr val="accent1"/>
-          </a:effectRef>
-          <a:fontRef idx="minor">
-            <a:schemeClr val="lt1"/>
-          </a:fontRef>
-        </p:style>
-        <p:txBody>
-          <a:bodyPr rtlCol="0" anchor="ctr"/>
-          <a:lstStyle/>
-          <a:p>
-            <a:pPr algn="ctr"/>
-            <a:r>
-              <a:rPr lang="ko-KR" altLang="en-US" sz="800" dirty="0" err="1" smtClean="0">
-                <a:ln w="0"/>
-                <a:solidFill>
-                  <a:schemeClr val="tx1"/>
-                </a:solidFill>
-                <a:effectLst>
-                  <a:outerShdw blurRad="38100" dist="19050" dir="2700000" algn="tl" rotWithShape="0">
-                    <a:schemeClr val="dk1">
-                      <a:alpha val="40000"/>
-                    </a:schemeClr>
-                  </a:outerShdw>
-                </a:effectLst>
-              </a:rPr>
-              <a:t>강의별로</a:t>
-            </a:r>
-            <a:r>
-              <a:rPr lang="ko-KR" altLang="en-US" sz="800" dirty="0" smtClean="0">
-                <a:ln w="0"/>
-                <a:solidFill>
-                  <a:schemeClr val="tx1"/>
-                </a:solidFill>
-                <a:effectLst>
-                  <a:outerShdw blurRad="38100" dist="19050" dir="2700000" algn="tl" rotWithShape="0">
-                    <a:schemeClr val="dk1">
-                      <a:alpha val="40000"/>
-                    </a:schemeClr>
-                  </a:outerShdw>
-                </a:effectLst>
-              </a:rPr>
-              <a:t> </a:t>
-            </a:r>
-            <a:r>
-              <a:rPr lang="ko-KR" altLang="en-US" sz="800" dirty="0" err="1" smtClean="0">
-                <a:ln w="0"/>
-                <a:solidFill>
-                  <a:schemeClr val="tx1"/>
-                </a:solidFill>
-                <a:effectLst>
-                  <a:outerShdw blurRad="38100" dist="19050" dir="2700000" algn="tl" rotWithShape="0">
-                    <a:schemeClr val="dk1">
-                      <a:alpha val="40000"/>
-                    </a:schemeClr>
-                  </a:outerShdw>
-                </a:effectLst>
-              </a:rPr>
-              <a:t>후기보기</a:t>
-            </a:r>
-            <a:endParaRPr lang="ko-KR" altLang="en-US" sz="800" dirty="0">
-              <a:ln w="0"/>
-              <a:solidFill>
-                <a:schemeClr val="tx1"/>
-              </a:solidFill>
-              <a:effectLst>
-                <a:outerShdw blurRad="38100" dist="19050" dir="2700000" algn="tl" rotWithShape="0">
-                  <a:schemeClr val="dk1">
-                    <a:alpha val="40000"/>
-                  </a:schemeClr>
-                </a:outerShdw>
-              </a:effectLst>
-            </a:endParaRPr>
-          </a:p>
-        </p:txBody>
-      </p:sp>
-      <p:cxnSp>
-        <p:nvCxnSpPr>
-          <p:cNvPr id="314" name="직선 화살표 연결선 313"/>
-          <p:cNvCxnSpPr>
-            <a:stCxn id="221" idx="3"/>
-            <a:endCxn id="316" idx="1"/>
-          </p:cNvCxnSpPr>
-          <p:nvPr/>
-        </p:nvCxnSpPr>
-        <p:spPr>
-          <a:xfrm flipV="1">
-            <a:off x="5962076" y="3543722"/>
-            <a:ext cx="609126" cy="12137"/>
-          </a:xfrm>
-          <a:prstGeom prst="straightConnector1">
-            <a:avLst/>
-          </a:prstGeom>
-          <a:ln>
-            <a:tailEnd type="triangle"/>
-          </a:ln>
-        </p:spPr>
-        <p:style>
-          <a:lnRef idx="1">
-            <a:schemeClr val="accent1"/>
-          </a:lnRef>
-          <a:fillRef idx="0">
-            <a:schemeClr val="accent1"/>
-          </a:fillRef>
-          <a:effectRef idx="0">
-            <a:schemeClr val="accent1"/>
-          </a:effectRef>
-          <a:fontRef idx="minor">
-            <a:schemeClr val="tx1"/>
-          </a:fontRef>
-        </p:style>
-      </p:cxnSp>
-      <p:sp>
-        <p:nvSpPr>
-          <p:cNvPr id="316" name="직사각형 315"/>
-          <p:cNvSpPr/>
-          <p:nvPr/>
-        </p:nvSpPr>
-        <p:spPr>
-          <a:xfrm>
-            <a:off x="6571202" y="3391391"/>
-            <a:ext cx="1013848" cy="304662"/>
-          </a:xfrm>
-          <a:prstGeom prst="rect">
-            <a:avLst/>
-          </a:prstGeom>
-        </p:spPr>
-        <p:style>
-          <a:lnRef idx="2">
-            <a:schemeClr val="accent1">
-              <a:shade val="50000"/>
-            </a:schemeClr>
-          </a:lnRef>
-          <a:fillRef idx="1">
-            <a:schemeClr val="accent1"/>
-          </a:fillRef>
-          <a:effectRef idx="0">
-            <a:schemeClr val="accent1"/>
-          </a:effectRef>
-          <a:fontRef idx="minor">
-            <a:schemeClr val="lt1"/>
-          </a:fontRef>
-        </p:style>
-        <p:txBody>
-          <a:bodyPr rtlCol="0" anchor="ctr"/>
-          <a:lstStyle/>
-          <a:p>
-            <a:pPr algn="ctr"/>
-            <a:r>
-              <a:rPr lang="ko-KR" altLang="en-US" sz="800" dirty="0" smtClean="0">
-                <a:ln w="0"/>
-                <a:solidFill>
-                  <a:schemeClr val="tx1"/>
-                </a:solidFill>
-                <a:effectLst>
-                  <a:outerShdw blurRad="38100" dist="19050" dir="2700000" algn="tl" rotWithShape="0">
-                    <a:schemeClr val="dk1">
-                      <a:alpha val="40000"/>
-                    </a:schemeClr>
-                  </a:outerShdw>
-                </a:effectLst>
-              </a:rPr>
-              <a:t>장바구니</a:t>
-            </a:r>
-            <a:endParaRPr lang="ko-KR" altLang="en-US" sz="800" dirty="0">
-              <a:ln w="0"/>
-              <a:solidFill>
-                <a:schemeClr val="tx1"/>
-              </a:solidFill>
-              <a:effectLst>
-                <a:outerShdw blurRad="38100" dist="19050" dir="2700000" algn="tl" rotWithShape="0">
-                  <a:schemeClr val="dk1">
-                    <a:alpha val="40000"/>
-                  </a:schemeClr>
-                </a:outerShdw>
-              </a:effectLst>
-            </a:endParaRPr>
-          </a:p>
-        </p:txBody>
-      </p:sp>
-      <p:cxnSp>
-        <p:nvCxnSpPr>
-          <p:cNvPr id="319" name="직선 화살표 연결선 318"/>
-          <p:cNvCxnSpPr>
-            <a:stCxn id="316" idx="3"/>
-            <a:endCxn id="320" idx="1"/>
-          </p:cNvCxnSpPr>
-          <p:nvPr/>
-        </p:nvCxnSpPr>
-        <p:spPr>
-          <a:xfrm>
-            <a:off x="7585050" y="3543722"/>
-            <a:ext cx="1297237" cy="947"/>
-          </a:xfrm>
-          <a:prstGeom prst="straightConnector1">
-            <a:avLst/>
-          </a:prstGeom>
-          <a:ln>
-            <a:tailEnd type="triangle"/>
-          </a:ln>
-        </p:spPr>
-        <p:style>
-          <a:lnRef idx="1">
-            <a:schemeClr val="accent1"/>
-          </a:lnRef>
-          <a:fillRef idx="0">
-            <a:schemeClr val="accent1"/>
-          </a:fillRef>
-          <a:effectRef idx="0">
-            <a:schemeClr val="accent1"/>
-          </a:effectRef>
-          <a:fontRef idx="minor">
-            <a:schemeClr val="tx1"/>
-          </a:fontRef>
-        </p:style>
-      </p:cxnSp>
-      <p:sp>
-        <p:nvSpPr>
-          <p:cNvPr id="320" name="직사각형 319"/>
-          <p:cNvSpPr/>
-          <p:nvPr/>
-        </p:nvSpPr>
-        <p:spPr>
-          <a:xfrm>
-            <a:off x="8882287" y="3392338"/>
-            <a:ext cx="1013848" cy="304662"/>
-          </a:xfrm>
-          <a:prstGeom prst="rect">
-            <a:avLst/>
-          </a:prstGeom>
-        </p:spPr>
-        <p:style>
-          <a:lnRef idx="2">
-            <a:schemeClr val="accent1">
-              <a:shade val="50000"/>
-            </a:schemeClr>
-          </a:lnRef>
-          <a:fillRef idx="1">
-            <a:schemeClr val="accent1"/>
-          </a:fillRef>
-          <a:effectRef idx="0">
-            <a:schemeClr val="accent1"/>
-          </a:effectRef>
-          <a:fontRef idx="minor">
-            <a:schemeClr val="lt1"/>
-          </a:fontRef>
-        </p:style>
-        <p:txBody>
-          <a:bodyPr rtlCol="0" anchor="ctr"/>
-          <a:lstStyle/>
-          <a:p>
-            <a:pPr algn="ctr"/>
-            <a:r>
-              <a:rPr lang="ko-KR" altLang="en-US" sz="800" dirty="0" smtClean="0">
-                <a:ln w="0"/>
-                <a:solidFill>
-                  <a:schemeClr val="tx1"/>
-                </a:solidFill>
-                <a:effectLst>
-                  <a:outerShdw blurRad="38100" dist="19050" dir="2700000" algn="tl" rotWithShape="0">
-                    <a:schemeClr val="dk1">
-                      <a:alpha val="40000"/>
-                    </a:schemeClr>
-                  </a:outerShdw>
-                </a:effectLst>
-              </a:rPr>
-              <a:t>내 강의 목록</a:t>
-            </a:r>
-            <a:endParaRPr lang="ko-KR" altLang="en-US" sz="800" dirty="0">
-              <a:ln w="0"/>
-              <a:solidFill>
-                <a:schemeClr val="tx1"/>
-              </a:solidFill>
-              <a:effectLst>
-                <a:outerShdw blurRad="38100" dist="19050" dir="2700000" algn="tl" rotWithShape="0">
-                  <a:schemeClr val="dk1">
-                    <a:alpha val="40000"/>
-                  </a:schemeClr>
-                </a:outerShdw>
-              </a:effectLst>
-            </a:endParaRPr>
-          </a:p>
-        </p:txBody>
-      </p:sp>
-      <p:cxnSp>
-        <p:nvCxnSpPr>
-          <p:cNvPr id="353" name="직선 화살표 연결선 352"/>
-          <p:cNvCxnSpPr>
-            <a:stCxn id="76" idx="3"/>
-            <a:endCxn id="354" idx="1"/>
-          </p:cNvCxnSpPr>
-          <p:nvPr/>
-        </p:nvCxnSpPr>
-        <p:spPr>
-          <a:xfrm flipV="1">
-            <a:off x="5822749" y="1897255"/>
-            <a:ext cx="748453" cy="595939"/>
-          </a:xfrm>
-          <a:prstGeom prst="straightConnector1">
-            <a:avLst/>
-          </a:prstGeom>
-          <a:ln>
-            <a:tailEnd type="triangle"/>
-          </a:ln>
-        </p:spPr>
-        <p:style>
-          <a:lnRef idx="1">
-            <a:schemeClr val="accent1"/>
-          </a:lnRef>
-          <a:fillRef idx="0">
-            <a:schemeClr val="accent1"/>
-          </a:fillRef>
-          <a:effectRef idx="0">
-            <a:schemeClr val="accent1"/>
-          </a:effectRef>
-          <a:fontRef idx="minor">
-            <a:schemeClr val="tx1"/>
-          </a:fontRef>
-        </p:style>
-      </p:cxnSp>
-      <p:sp>
-        <p:nvSpPr>
-          <p:cNvPr id="354" name="직사각형 353"/>
-          <p:cNvSpPr/>
-          <p:nvPr/>
-        </p:nvSpPr>
-        <p:spPr>
-          <a:xfrm>
-            <a:off x="6571202" y="1732787"/>
-            <a:ext cx="1168561" cy="328936"/>
-          </a:xfrm>
-          <a:prstGeom prst="rect">
-            <a:avLst/>
-          </a:prstGeom>
-        </p:spPr>
-        <p:style>
-          <a:lnRef idx="2">
-            <a:schemeClr val="accent1">
-              <a:shade val="50000"/>
-            </a:schemeClr>
-          </a:lnRef>
-          <a:fillRef idx="1">
-            <a:schemeClr val="accent1"/>
-          </a:fillRef>
-          <a:effectRef idx="0">
-            <a:schemeClr val="accent1"/>
-          </a:effectRef>
-          <a:fontRef idx="minor">
-            <a:schemeClr val="lt1"/>
-          </a:fontRef>
-        </p:style>
-        <p:txBody>
-          <a:bodyPr rtlCol="0" anchor="ctr"/>
-          <a:lstStyle/>
-          <a:p>
-            <a:pPr algn="ctr"/>
-            <a:r>
-              <a:rPr lang="en-US" altLang="ko-KR" sz="800" dirty="0" smtClean="0">
-                <a:ln w="0"/>
-                <a:solidFill>
-                  <a:schemeClr val="tx1"/>
-                </a:solidFill>
-                <a:effectLst>
-                  <a:outerShdw blurRad="38100" dist="19050" dir="2700000" algn="tl" rotWithShape="0">
-                    <a:schemeClr val="dk1">
-                      <a:alpha val="40000"/>
-                    </a:schemeClr>
-                  </a:outerShdw>
-                </a:effectLst>
-              </a:rPr>
-              <a:t>ID </a:t>
-            </a:r>
-            <a:r>
-              <a:rPr lang="ko-KR" altLang="en-US" sz="800" dirty="0" smtClean="0">
-                <a:ln w="0"/>
-                <a:solidFill>
-                  <a:schemeClr val="tx1"/>
-                </a:solidFill>
-                <a:effectLst>
-                  <a:outerShdw blurRad="38100" dist="19050" dir="2700000" algn="tl" rotWithShape="0">
-                    <a:schemeClr val="dk1">
-                      <a:alpha val="40000"/>
-                    </a:schemeClr>
-                  </a:outerShdw>
-                </a:effectLst>
-              </a:rPr>
-              <a:t>및 비밀번호찾기</a:t>
-            </a:r>
-            <a:endParaRPr lang="ko-KR" altLang="en-US" sz="800" dirty="0">
-              <a:ln w="0"/>
-              <a:solidFill>
-                <a:schemeClr val="tx1"/>
-              </a:solidFill>
-              <a:effectLst>
-                <a:outerShdw blurRad="38100" dist="19050" dir="2700000" algn="tl" rotWithShape="0">
-                  <a:schemeClr val="dk1">
-                    <a:alpha val="40000"/>
-                  </a:schemeClr>
-                </a:outerShdw>
-              </a:effectLst>
-            </a:endParaRPr>
-          </a:p>
-        </p:txBody>
-      </p:sp>
-      <p:sp>
-        <p:nvSpPr>
-          <p:cNvPr id="371" name="직사각형 370"/>
-          <p:cNvSpPr/>
-          <p:nvPr/>
-        </p:nvSpPr>
-        <p:spPr>
-          <a:xfrm>
-            <a:off x="8882287" y="2309974"/>
-            <a:ext cx="1013848" cy="328936"/>
-          </a:xfrm>
-          <a:prstGeom prst="rect">
-            <a:avLst/>
-          </a:prstGeom>
-        </p:spPr>
-        <p:style>
-          <a:lnRef idx="2">
-            <a:schemeClr val="accent1">
-              <a:shade val="50000"/>
-            </a:schemeClr>
-          </a:lnRef>
-          <a:fillRef idx="1">
-            <a:schemeClr val="accent1"/>
-          </a:fillRef>
-          <a:effectRef idx="0">
-            <a:schemeClr val="accent1"/>
-          </a:effectRef>
-          <a:fontRef idx="minor">
-            <a:schemeClr val="lt1"/>
-          </a:fontRef>
-        </p:style>
-        <p:txBody>
-          <a:bodyPr rtlCol="0" anchor="ctr"/>
-          <a:lstStyle/>
-          <a:p>
-            <a:pPr algn="ctr"/>
-            <a:r>
-              <a:rPr lang="ko-KR" altLang="en-US" sz="800" dirty="0" smtClean="0">
-                <a:ln w="0"/>
-                <a:solidFill>
-                  <a:schemeClr val="tx1"/>
-                </a:solidFill>
-                <a:effectLst>
-                  <a:outerShdw blurRad="38100" dist="19050" dir="2700000" algn="tl" rotWithShape="0">
-                    <a:schemeClr val="dk1">
-                      <a:alpha val="40000"/>
-                    </a:schemeClr>
-                  </a:outerShdw>
-                </a:effectLst>
-              </a:rPr>
-              <a:t>내 </a:t>
-            </a:r>
-            <a:r>
-              <a:rPr lang="ko-KR" altLang="en-US" sz="800" dirty="0" err="1" smtClean="0">
-                <a:ln w="0"/>
-                <a:solidFill>
-                  <a:schemeClr val="tx1"/>
-                </a:solidFill>
-                <a:effectLst>
-                  <a:outerShdw blurRad="38100" dist="19050" dir="2700000" algn="tl" rotWithShape="0">
-                    <a:schemeClr val="dk1">
-                      <a:alpha val="40000"/>
-                    </a:schemeClr>
-                  </a:outerShdw>
-                </a:effectLst>
-              </a:rPr>
-              <a:t>질문목록</a:t>
-            </a:r>
-            <a:endParaRPr lang="ko-KR" altLang="en-US" sz="800" dirty="0">
-              <a:ln w="0"/>
-              <a:solidFill>
-                <a:schemeClr val="tx1"/>
-              </a:solidFill>
-              <a:effectLst>
-                <a:outerShdw blurRad="38100" dist="19050" dir="2700000" algn="tl" rotWithShape="0">
-                  <a:schemeClr val="dk1">
-                    <a:alpha val="40000"/>
-                  </a:schemeClr>
-                </a:outerShdw>
-              </a:effectLst>
-            </a:endParaRPr>
-          </a:p>
-        </p:txBody>
-      </p:sp>
-      <p:sp>
-        <p:nvSpPr>
-          <p:cNvPr id="377" name="직사각형 376"/>
-          <p:cNvSpPr/>
-          <p:nvPr/>
-        </p:nvSpPr>
-        <p:spPr>
-          <a:xfrm>
-            <a:off x="6571202" y="2323623"/>
-            <a:ext cx="1013848" cy="328936"/>
-          </a:xfrm>
-          <a:prstGeom prst="rect">
-            <a:avLst/>
-          </a:prstGeom>
-        </p:spPr>
-        <p:style>
-          <a:lnRef idx="2">
-            <a:schemeClr val="accent1">
-              <a:shade val="50000"/>
-            </a:schemeClr>
-          </a:lnRef>
-          <a:fillRef idx="1">
-            <a:schemeClr val="accent1"/>
-          </a:fillRef>
-          <a:effectRef idx="0">
-            <a:schemeClr val="accent1"/>
-          </a:effectRef>
-          <a:fontRef idx="minor">
-            <a:schemeClr val="lt1"/>
-          </a:fontRef>
-        </p:style>
-        <p:txBody>
-          <a:bodyPr rtlCol="0" anchor="ctr"/>
-          <a:lstStyle/>
-          <a:p>
-            <a:pPr algn="ctr"/>
-            <a:r>
-              <a:rPr lang="ko-KR" altLang="en-US" sz="800" dirty="0" err="1" smtClean="0">
-                <a:ln w="0"/>
-                <a:solidFill>
-                  <a:schemeClr val="tx1"/>
-                </a:solidFill>
-                <a:effectLst>
-                  <a:outerShdw blurRad="38100" dist="19050" dir="2700000" algn="tl" rotWithShape="0">
-                    <a:schemeClr val="dk1">
-                      <a:alpha val="40000"/>
-                    </a:schemeClr>
-                  </a:outerShdw>
-                </a:effectLst>
-              </a:rPr>
-              <a:t>마이페이지</a:t>
-            </a:r>
-            <a:endParaRPr lang="en-US" altLang="ko-KR" sz="800" dirty="0" smtClean="0">
-              <a:ln w="0"/>
-              <a:solidFill>
-                <a:schemeClr val="tx1"/>
-              </a:solidFill>
-              <a:effectLst>
-                <a:outerShdw blurRad="38100" dist="19050" dir="2700000" algn="tl" rotWithShape="0">
-                  <a:schemeClr val="dk1">
-                    <a:alpha val="40000"/>
-                  </a:schemeClr>
-                </a:outerShdw>
-              </a:effectLst>
-            </a:endParaRPr>
-          </a:p>
-        </p:txBody>
-      </p:sp>
-      <p:cxnSp>
-        <p:nvCxnSpPr>
-          <p:cNvPr id="379" name="직선 화살표 연결선 378"/>
-          <p:cNvCxnSpPr>
-            <a:stCxn id="76" idx="3"/>
-            <a:endCxn id="377" idx="1"/>
-          </p:cNvCxnSpPr>
-          <p:nvPr/>
-        </p:nvCxnSpPr>
-        <p:spPr>
-          <a:xfrm flipV="1">
-            <a:off x="5822749" y="2488091"/>
-            <a:ext cx="748453" cy="5103"/>
+            <a:ext cx="1081268" cy="49226"/>
           </a:xfrm>
           <a:prstGeom prst="straightConnector1">
             <a:avLst/>
@@ -6342,17 +10636,17 @@
       </p:cxnSp>
       <p:cxnSp>
         <p:nvCxnSpPr>
-          <p:cNvPr id="381" name="직선 화살표 연결선 380"/>
+          <p:cNvPr id="25" name="직선 화살표 연결선 24"/>
           <p:cNvCxnSpPr>
-            <a:stCxn id="377" idx="3"/>
-            <a:endCxn id="320" idx="1"/>
+            <a:stCxn id="43" idx="3"/>
+            <a:endCxn id="48" idx="1"/>
           </p:cNvCxnSpPr>
           <p:nvPr/>
         </p:nvCxnSpPr>
         <p:spPr>
           <a:xfrm>
-            <a:off x="7585050" y="2488091"/>
-            <a:ext cx="1297237" cy="1056578"/>
+            <a:off x="3737647" y="2466785"/>
+            <a:ext cx="1071256" cy="490621"/>
           </a:xfrm>
           <a:prstGeom prst="straightConnector1">
             <a:avLst/>
@@ -6378,17 +10672,17 @@
       </p:cxnSp>
       <p:cxnSp>
         <p:nvCxnSpPr>
-          <p:cNvPr id="385" name="직선 화살표 연결선 384"/>
+          <p:cNvPr id="27" name="직선 화살표 연결선 26"/>
           <p:cNvCxnSpPr>
-            <a:stCxn id="377" idx="3"/>
-            <a:endCxn id="371" idx="1"/>
+            <a:stCxn id="42" idx="3"/>
+            <a:endCxn id="47" idx="1"/>
           </p:cNvCxnSpPr>
           <p:nvPr/>
         </p:nvCxnSpPr>
         <p:spPr>
-          <a:xfrm flipV="1">
-            <a:off x="7585050" y="2474442"/>
-            <a:ext cx="1297237" cy="13649"/>
+          <a:xfrm>
+            <a:off x="3737647" y="3555859"/>
+            <a:ext cx="1081268" cy="0"/>
           </a:xfrm>
           <a:prstGeom prst="straightConnector1">
             <a:avLst/>
@@ -6414,17 +10708,17 @@
       </p:cxnSp>
       <p:cxnSp>
         <p:nvCxnSpPr>
-          <p:cNvPr id="389" name="직선 화살표 연결선 388"/>
+          <p:cNvPr id="38" name="직선 화살표 연결선 37"/>
           <p:cNvCxnSpPr>
-            <a:stCxn id="377" idx="3"/>
-            <a:endCxn id="390" idx="1"/>
+            <a:stCxn id="45" idx="2"/>
+            <a:endCxn id="53" idx="0"/>
           </p:cNvCxnSpPr>
           <p:nvPr/>
         </p:nvCxnSpPr>
         <p:spPr>
-          <a:xfrm flipV="1">
-            <a:off x="7585050" y="1901246"/>
-            <a:ext cx="1297237" cy="586845"/>
+          <a:xfrm flipH="1">
+            <a:off x="2971800" y="2680479"/>
+            <a:ext cx="2354039" cy="2357818"/>
           </a:xfrm>
           <a:prstGeom prst="straightConnector1">
             <a:avLst/>
@@ -6448,87 +10742,19 @@
           </a:fontRef>
         </p:style>
       </p:cxnSp>
-      <p:sp>
-        <p:nvSpPr>
-          <p:cNvPr id="390" name="직사각형 389"/>
-          <p:cNvSpPr/>
-          <p:nvPr/>
-        </p:nvSpPr>
-        <p:spPr>
-          <a:xfrm>
-            <a:off x="8882287" y="1736778"/>
-            <a:ext cx="1013848" cy="328936"/>
-          </a:xfrm>
-          <a:prstGeom prst="rect">
-            <a:avLst/>
-          </a:prstGeom>
-        </p:spPr>
-        <p:style>
-          <a:lnRef idx="2">
-            <a:schemeClr val="accent1">
-              <a:shade val="50000"/>
-            </a:schemeClr>
-          </a:lnRef>
-          <a:fillRef idx="1">
-            <a:schemeClr val="accent1"/>
-          </a:fillRef>
-          <a:effectRef idx="0">
-            <a:schemeClr val="accent1"/>
-          </a:effectRef>
-          <a:fontRef idx="minor">
-            <a:schemeClr val="lt1"/>
-          </a:fontRef>
-        </p:style>
-        <p:txBody>
-          <a:bodyPr rtlCol="0" anchor="ctr"/>
-          <a:lstStyle/>
-          <a:p>
-            <a:pPr algn="ctr"/>
-            <a:r>
-              <a:rPr lang="ko-KR" altLang="en-US" sz="800" dirty="0" smtClean="0">
-                <a:ln w="0"/>
-                <a:solidFill>
-                  <a:schemeClr val="tx1"/>
-                </a:solidFill>
-                <a:effectLst>
-                  <a:outerShdw blurRad="38100" dist="19050" dir="2700000" algn="tl" rotWithShape="0">
-                    <a:schemeClr val="dk1">
-                      <a:alpha val="40000"/>
-                    </a:schemeClr>
-                  </a:outerShdw>
-                </a:effectLst>
-              </a:rPr>
-              <a:t>회원정보수정</a:t>
-            </a:r>
-            <a:endParaRPr lang="ko-KR" altLang="en-US" sz="800" dirty="0">
-              <a:ln w="0"/>
-              <a:solidFill>
-                <a:schemeClr val="tx1"/>
-              </a:solidFill>
-              <a:effectLst>
-                <a:outerShdw blurRad="38100" dist="19050" dir="2700000" algn="tl" rotWithShape="0">
-                  <a:schemeClr val="dk1">
-                    <a:alpha val="40000"/>
-                  </a:schemeClr>
-                </a:outerShdw>
-              </a:effectLst>
-            </a:endParaRPr>
-          </a:p>
-        </p:txBody>
-      </p:sp>
       <p:cxnSp>
         <p:nvCxnSpPr>
-          <p:cNvPr id="394" name="직선 화살표 연결선 393"/>
+          <p:cNvPr id="62" name="직선 화살표 연결선 61"/>
           <p:cNvCxnSpPr>
-            <a:stCxn id="377" idx="3"/>
-            <a:endCxn id="405" idx="1"/>
+            <a:stCxn id="53" idx="3"/>
+            <a:endCxn id="54" idx="1"/>
           </p:cNvCxnSpPr>
           <p:nvPr/>
         </p:nvCxnSpPr>
         <p:spPr>
-          <a:xfrm>
-            <a:off x="7585050" y="2488091"/>
-            <a:ext cx="1297237" cy="562627"/>
+          <a:xfrm flipV="1">
+            <a:off x="3478724" y="4480284"/>
+            <a:ext cx="794551" cy="722481"/>
           </a:xfrm>
           <a:prstGeom prst="straightConnector1">
             <a:avLst/>
@@ -6552,87 +10778,19 @@
           </a:fontRef>
         </p:style>
       </p:cxnSp>
-      <p:sp>
-        <p:nvSpPr>
-          <p:cNvPr id="405" name="직사각형 404"/>
-          <p:cNvSpPr/>
-          <p:nvPr/>
-        </p:nvSpPr>
-        <p:spPr>
-          <a:xfrm>
-            <a:off x="8882287" y="2886250"/>
-            <a:ext cx="1013848" cy="328936"/>
-          </a:xfrm>
-          <a:prstGeom prst="rect">
-            <a:avLst/>
-          </a:prstGeom>
-        </p:spPr>
-        <p:style>
-          <a:lnRef idx="2">
-            <a:schemeClr val="accent1">
-              <a:shade val="50000"/>
-            </a:schemeClr>
-          </a:lnRef>
-          <a:fillRef idx="1">
-            <a:schemeClr val="accent1"/>
-          </a:fillRef>
-          <a:effectRef idx="0">
-            <a:schemeClr val="accent1"/>
-          </a:effectRef>
-          <a:fontRef idx="minor">
-            <a:schemeClr val="lt1"/>
-          </a:fontRef>
-        </p:style>
-        <p:txBody>
-          <a:bodyPr rtlCol="0" anchor="ctr"/>
-          <a:lstStyle/>
-          <a:p>
-            <a:pPr algn="ctr"/>
-            <a:r>
-              <a:rPr lang="ko-KR" altLang="en-US" sz="800" dirty="0" smtClean="0">
-                <a:ln w="0"/>
-                <a:solidFill>
-                  <a:schemeClr val="tx1"/>
-                </a:solidFill>
-                <a:effectLst>
-                  <a:outerShdw blurRad="38100" dist="19050" dir="2700000" algn="tl" rotWithShape="0">
-                    <a:schemeClr val="dk1">
-                      <a:alpha val="40000"/>
-                    </a:schemeClr>
-                  </a:outerShdw>
-                </a:effectLst>
-              </a:rPr>
-              <a:t>회원탈퇴</a:t>
-            </a:r>
-            <a:endParaRPr lang="ko-KR" altLang="en-US" sz="800" dirty="0">
-              <a:ln w="0"/>
-              <a:solidFill>
-                <a:schemeClr val="tx1"/>
-              </a:solidFill>
-              <a:effectLst>
-                <a:outerShdw blurRad="38100" dist="19050" dir="2700000" algn="tl" rotWithShape="0">
-                  <a:schemeClr val="dk1">
-                    <a:alpha val="40000"/>
-                  </a:schemeClr>
-                </a:outerShdw>
-              </a:effectLst>
-            </a:endParaRPr>
-          </a:p>
-        </p:txBody>
-      </p:sp>
       <p:cxnSp>
         <p:nvCxnSpPr>
-          <p:cNvPr id="408" name="직선 화살표 연결선 407"/>
+          <p:cNvPr id="64" name="직선 화살표 연결선 63"/>
           <p:cNvCxnSpPr>
-            <a:stCxn id="232" idx="3"/>
-            <a:endCxn id="409" idx="1"/>
+            <a:stCxn id="53" idx="3"/>
+            <a:endCxn id="55" idx="1"/>
           </p:cNvCxnSpPr>
           <p:nvPr/>
         </p:nvCxnSpPr>
         <p:spPr>
           <a:xfrm>
-            <a:off x="5777022" y="4660220"/>
-            <a:ext cx="794180" cy="11598"/>
+            <a:off x="3478724" y="5202765"/>
+            <a:ext cx="794551" cy="22"/>
           </a:xfrm>
           <a:prstGeom prst="straightConnector1">
             <a:avLst/>
@@ -6656,151 +10814,19 @@
           </a:fontRef>
         </p:style>
       </p:cxnSp>
-      <p:sp>
-        <p:nvSpPr>
-          <p:cNvPr id="409" name="직사각형 408"/>
-          <p:cNvSpPr/>
-          <p:nvPr/>
-        </p:nvSpPr>
-        <p:spPr>
-          <a:xfrm>
-            <a:off x="6571202" y="4507350"/>
-            <a:ext cx="977211" cy="328936"/>
-          </a:xfrm>
-          <a:prstGeom prst="rect">
-            <a:avLst/>
-          </a:prstGeom>
-        </p:spPr>
-        <p:style>
-          <a:lnRef idx="2">
-            <a:schemeClr val="accent1">
-              <a:shade val="50000"/>
-            </a:schemeClr>
-          </a:lnRef>
-          <a:fillRef idx="1">
-            <a:schemeClr val="accent1"/>
-          </a:fillRef>
-          <a:effectRef idx="0">
-            <a:schemeClr val="accent1"/>
-          </a:effectRef>
-          <a:fontRef idx="minor">
-            <a:schemeClr val="lt1"/>
-          </a:fontRef>
-        </p:style>
-        <p:txBody>
-          <a:bodyPr rtlCol="0" anchor="ctr"/>
-          <a:lstStyle/>
-          <a:p>
-            <a:pPr algn="ctr"/>
-            <a:r>
-              <a:rPr lang="ko-KR" altLang="en-US" sz="800" dirty="0" err="1" smtClean="0">
-                <a:ln w="0"/>
-                <a:solidFill>
-                  <a:schemeClr val="tx1"/>
-                </a:solidFill>
-                <a:effectLst>
-                  <a:outerShdw blurRad="38100" dist="19050" dir="2700000" algn="tl" rotWithShape="0">
-                    <a:schemeClr val="dk1">
-                      <a:alpha val="40000"/>
-                    </a:schemeClr>
-                  </a:outerShdw>
-                </a:effectLst>
-              </a:rPr>
-              <a:t>글작성</a:t>
-            </a:r>
-            <a:r>
-              <a:rPr lang="en-US" altLang="ko-KR" sz="800" dirty="0" smtClean="0">
-                <a:ln w="0"/>
-                <a:solidFill>
-                  <a:schemeClr val="tx1"/>
-                </a:solidFill>
-                <a:effectLst>
-                  <a:outerShdw blurRad="38100" dist="19050" dir="2700000" algn="tl" rotWithShape="0">
-                    <a:schemeClr val="dk1">
-                      <a:alpha val="40000"/>
-                    </a:schemeClr>
-                  </a:outerShdw>
-                </a:effectLst>
-              </a:rPr>
-              <a:t>/</a:t>
-            </a:r>
-            <a:r>
-              <a:rPr lang="ko-KR" altLang="en-US" sz="800" dirty="0" smtClean="0">
-                <a:ln w="0"/>
-                <a:solidFill>
-                  <a:schemeClr val="tx1"/>
-                </a:solidFill>
-                <a:effectLst>
-                  <a:outerShdw blurRad="38100" dist="19050" dir="2700000" algn="tl" rotWithShape="0">
-                    <a:schemeClr val="dk1">
-                      <a:alpha val="40000"/>
-                    </a:schemeClr>
-                  </a:outerShdw>
-                </a:effectLst>
-              </a:rPr>
-              <a:t>삭제</a:t>
-            </a:r>
-            <a:r>
-              <a:rPr lang="en-US" altLang="ko-KR" sz="800" dirty="0" smtClean="0">
-                <a:ln w="0"/>
-                <a:solidFill>
-                  <a:schemeClr val="tx1"/>
-                </a:solidFill>
-                <a:effectLst>
-                  <a:outerShdw blurRad="38100" dist="19050" dir="2700000" algn="tl" rotWithShape="0">
-                    <a:schemeClr val="dk1">
-                      <a:alpha val="40000"/>
-                    </a:schemeClr>
-                  </a:outerShdw>
-                </a:effectLst>
-              </a:rPr>
-              <a:t>/</a:t>
-            </a:r>
-            <a:r>
-              <a:rPr lang="ko-KR" altLang="en-US" sz="800" dirty="0" smtClean="0">
-                <a:ln w="0"/>
-                <a:solidFill>
-                  <a:schemeClr val="tx1"/>
-                </a:solidFill>
-                <a:effectLst>
-                  <a:outerShdw blurRad="38100" dist="19050" dir="2700000" algn="tl" rotWithShape="0">
-                    <a:schemeClr val="dk1">
-                      <a:alpha val="40000"/>
-                    </a:schemeClr>
-                  </a:outerShdw>
-                </a:effectLst>
-              </a:rPr>
-              <a:t>수정</a:t>
-            </a:r>
-            <a:endParaRPr lang="ko-KR" altLang="en-US" sz="800" dirty="0">
-              <a:ln w="0"/>
-              <a:solidFill>
-                <a:schemeClr val="tx1"/>
-              </a:solidFill>
-              <a:effectLst>
-                <a:outerShdw blurRad="38100" dist="19050" dir="2700000" algn="tl" rotWithShape="0">
-                  <a:schemeClr val="dk1">
-                    <a:alpha val="40000"/>
-                  </a:schemeClr>
-                </a:outerShdw>
-              </a:effectLst>
-            </a:endParaRPr>
-          </a:p>
-        </p:txBody>
-      </p:sp>
       <p:cxnSp>
         <p:nvCxnSpPr>
-          <p:cNvPr id="421" name="직선 화살표 연결선 420"/>
+          <p:cNvPr id="66" name="직선 화살표 연결선 65"/>
           <p:cNvCxnSpPr>
-            <a:stCxn id="320" idx="3"/>
-            <a:endCxn id="422" idx="1"/>
+            <a:stCxn id="53" idx="3"/>
+            <a:endCxn id="50" idx="1"/>
           </p:cNvCxnSpPr>
           <p:nvPr/>
         </p:nvCxnSpPr>
         <p:spPr>
-          <a:xfrm flipV="1">
-            <a:off x="9896135" y="3539947"/>
-            <a:ext cx="506924" cy="4722"/>
+          <a:xfrm>
+            <a:off x="3478724" y="5202765"/>
+            <a:ext cx="820788" cy="956917"/>
           </a:xfrm>
           <a:prstGeom prst="straightConnector1">
             <a:avLst/>
@@ -6824,103 +10850,19 @@
           </a:fontRef>
         </p:style>
       </p:cxnSp>
-      <p:sp>
-        <p:nvSpPr>
-          <p:cNvPr id="422" name="직사각형 421"/>
-          <p:cNvSpPr/>
-          <p:nvPr/>
-        </p:nvSpPr>
-        <p:spPr>
-          <a:xfrm>
-            <a:off x="10403059" y="3387616"/>
-            <a:ext cx="1013848" cy="304662"/>
-          </a:xfrm>
-          <a:prstGeom prst="rect">
-            <a:avLst/>
-          </a:prstGeom>
-        </p:spPr>
-        <p:style>
-          <a:lnRef idx="2">
-            <a:schemeClr val="accent1">
-              <a:shade val="50000"/>
-            </a:schemeClr>
-          </a:lnRef>
-          <a:fillRef idx="1">
-            <a:schemeClr val="accent1"/>
-          </a:fillRef>
-          <a:effectRef idx="0">
-            <a:schemeClr val="accent1"/>
-          </a:effectRef>
-          <a:fontRef idx="minor">
-            <a:schemeClr val="lt1"/>
-          </a:fontRef>
-        </p:style>
-        <p:txBody>
-          <a:bodyPr rtlCol="0" anchor="ctr"/>
-          <a:lstStyle/>
-          <a:p>
-            <a:pPr algn="ctr"/>
-            <a:r>
-              <a:rPr lang="ko-KR" altLang="en-US" sz="800" dirty="0" smtClean="0">
-                <a:ln w="0"/>
-                <a:solidFill>
-                  <a:schemeClr val="tx1"/>
-                </a:solidFill>
-                <a:effectLst>
-                  <a:outerShdw blurRad="38100" dist="19050" dir="2700000" algn="tl" rotWithShape="0">
-                    <a:schemeClr val="dk1">
-                      <a:alpha val="40000"/>
-                    </a:schemeClr>
-                  </a:outerShdw>
-                </a:effectLst>
-              </a:rPr>
-              <a:t>내 </a:t>
-            </a:r>
-            <a:r>
-              <a:rPr lang="ko-KR" altLang="en-US" sz="800" dirty="0" err="1" smtClean="0">
-                <a:ln w="0"/>
-                <a:solidFill>
-                  <a:schemeClr val="tx1"/>
-                </a:solidFill>
-                <a:effectLst>
-                  <a:outerShdw blurRad="38100" dist="19050" dir="2700000" algn="tl" rotWithShape="0">
-                    <a:schemeClr val="dk1">
-                      <a:alpha val="40000"/>
-                    </a:schemeClr>
-                  </a:outerShdw>
-                </a:effectLst>
-              </a:rPr>
-              <a:t>수업진행도</a:t>
-            </a:r>
-            <a:endParaRPr lang="ko-KR" altLang="en-US" sz="800" dirty="0">
-              <a:ln w="0"/>
-              <a:solidFill>
-                <a:schemeClr val="tx1"/>
-              </a:solidFill>
-              <a:effectLst>
-                <a:outerShdw blurRad="38100" dist="19050" dir="2700000" algn="tl" rotWithShape="0">
-                  <a:schemeClr val="dk1">
-                    <a:alpha val="40000"/>
-                  </a:schemeClr>
-                </a:outerShdw>
-              </a:effectLst>
-            </a:endParaRPr>
-          </a:p>
-        </p:txBody>
-      </p:sp>
       <p:cxnSp>
         <p:nvCxnSpPr>
-          <p:cNvPr id="426" name="직선 화살표 연결선 425"/>
+          <p:cNvPr id="68" name="직선 화살표 연결선 67"/>
           <p:cNvCxnSpPr>
-            <a:stCxn id="221" idx="3"/>
-            <a:endCxn id="427" idx="1"/>
+            <a:stCxn id="47" idx="3"/>
+            <a:endCxn id="49" idx="1"/>
           </p:cNvCxnSpPr>
           <p:nvPr/>
         </p:nvCxnSpPr>
         <p:spPr>
-          <a:xfrm>
-            <a:off x="5962076" y="3555859"/>
-            <a:ext cx="609126" cy="546316"/>
+          <a:xfrm flipV="1">
+            <a:off x="5962076" y="3543722"/>
+            <a:ext cx="609126" cy="12137"/>
           </a:xfrm>
           <a:prstGeom prst="straightConnector1">
             <a:avLst/>
@@ -6944,74 +10886,150 @@
           </a:fontRef>
         </p:style>
       </p:cxnSp>
-      <p:sp>
-        <p:nvSpPr>
-          <p:cNvPr id="427" name="직사각형 426"/>
-          <p:cNvSpPr/>
+      <p:cxnSp>
+        <p:nvCxnSpPr>
+          <p:cNvPr id="70" name="직선 화살표 연결선 69"/>
+          <p:cNvCxnSpPr>
+            <a:stCxn id="49" idx="2"/>
+            <a:endCxn id="50" idx="0"/>
+          </p:cNvCxnSpPr>
           <p:nvPr/>
-        </p:nvSpPr>
-        <p:spPr>
-          <a:xfrm>
-            <a:off x="6571202" y="3949844"/>
-            <a:ext cx="1013848" cy="304662"/>
-          </a:xfrm>
-          <a:prstGeom prst="rect">
+        </p:nvCxnSpPr>
+        <p:spPr>
+          <a:xfrm flipH="1">
+            <a:off x="4806436" y="3696053"/>
+            <a:ext cx="2271690" cy="2311298"/>
+          </a:xfrm>
+          <a:prstGeom prst="straightConnector1">
             <a:avLst/>
           </a:prstGeom>
+          <a:ln>
+            <a:tailEnd type="triangle"/>
+          </a:ln>
         </p:spPr>
         <p:style>
-          <a:lnRef idx="2">
-            <a:schemeClr val="accent1">
-              <a:shade val="50000"/>
-            </a:schemeClr>
+          <a:lnRef idx="1">
+            <a:schemeClr val="accent1"/>
           </a:lnRef>
-          <a:fillRef idx="1">
+          <a:fillRef idx="0">
             <a:schemeClr val="accent1"/>
           </a:fillRef>
           <a:effectRef idx="0">
             <a:schemeClr val="accent1"/>
           </a:effectRef>
           <a:fontRef idx="minor">
-            <a:schemeClr val="lt1"/>
+            <a:schemeClr val="tx1"/>
           </a:fontRef>
         </p:style>
-        <p:txBody>
-          <a:bodyPr rtlCol="0" anchor="ctr"/>
-          <a:lstStyle/>
-          <a:p>
-            <a:pPr algn="ctr"/>
-            <a:r>
-              <a:rPr lang="ko-KR" altLang="en-US" sz="800" dirty="0" err="1" smtClean="0">
-                <a:ln w="0"/>
-                <a:solidFill>
-                  <a:schemeClr val="tx1"/>
-                </a:solidFill>
-                <a:effectLst>
-                  <a:outerShdw blurRad="38100" dist="19050" dir="2700000" algn="tl" rotWithShape="0">
-                    <a:schemeClr val="dk1">
-                      <a:alpha val="40000"/>
-                    </a:schemeClr>
-                  </a:outerShdw>
-                </a:effectLst>
-              </a:rPr>
-              <a:t>강사소개</a:t>
-            </a:r>
-            <a:endParaRPr lang="ko-KR" altLang="en-US" sz="800" dirty="0">
-              <a:ln w="0"/>
-              <a:solidFill>
-                <a:schemeClr val="tx1"/>
-              </a:solidFill>
-              <a:effectLst>
-                <a:outerShdw blurRad="38100" dist="19050" dir="2700000" algn="tl" rotWithShape="0">
-                  <a:schemeClr val="dk1">
-                    <a:alpha val="40000"/>
-                  </a:schemeClr>
-                </a:outerShdw>
-              </a:effectLst>
-            </a:endParaRPr>
-          </a:p>
-        </p:txBody>
-      </p:sp>
+      </p:cxnSp>
+      <p:cxnSp>
+        <p:nvCxnSpPr>
+          <p:cNvPr id="74" name="직선 화살표 연결선 73"/>
+          <p:cNvCxnSpPr>
+            <a:stCxn id="50" idx="3"/>
+            <a:endCxn id="56" idx="1"/>
+          </p:cNvCxnSpPr>
+          <p:nvPr/>
+        </p:nvCxnSpPr>
+        <p:spPr>
+          <a:xfrm>
+            <a:off x="5313360" y="6159682"/>
+            <a:ext cx="770615" cy="25900"/>
+          </a:xfrm>
+          <a:prstGeom prst="straightConnector1">
+            <a:avLst/>
+          </a:prstGeom>
+          <a:ln>
+            <a:tailEnd type="triangle"/>
+          </a:ln>
+        </p:spPr>
+        <p:style>
+          <a:lnRef idx="1">
+            <a:schemeClr val="accent1"/>
+          </a:lnRef>
+          <a:fillRef idx="0">
+            <a:schemeClr val="accent1"/>
+          </a:fillRef>
+          <a:effectRef idx="0">
+            <a:schemeClr val="accent1"/>
+          </a:effectRef>
+          <a:fontRef idx="minor">
+            <a:schemeClr val="tx1"/>
+          </a:fontRef>
+        </p:style>
+      </p:cxnSp>
+      <p:cxnSp>
+        <p:nvCxnSpPr>
+          <p:cNvPr id="79" name="직선 화살표 연결선 78"/>
+          <p:cNvCxnSpPr>
+            <a:stCxn id="56" idx="3"/>
+            <a:endCxn id="52" idx="1"/>
+          </p:cNvCxnSpPr>
+          <p:nvPr/>
+        </p:nvCxnSpPr>
+        <p:spPr>
+          <a:xfrm>
+            <a:off x="7097823" y="6185582"/>
+            <a:ext cx="770615" cy="12137"/>
+          </a:xfrm>
+          <a:prstGeom prst="straightConnector1">
+            <a:avLst/>
+          </a:prstGeom>
+          <a:ln>
+            <a:tailEnd type="triangle"/>
+          </a:ln>
+        </p:spPr>
+        <p:style>
+          <a:lnRef idx="1">
+            <a:schemeClr val="accent1"/>
+          </a:lnRef>
+          <a:fillRef idx="0">
+            <a:schemeClr val="accent1"/>
+          </a:fillRef>
+          <a:effectRef idx="0">
+            <a:schemeClr val="accent1"/>
+          </a:effectRef>
+          <a:fontRef idx="minor">
+            <a:schemeClr val="tx1"/>
+          </a:fontRef>
+        </p:style>
+      </p:cxnSp>
+      <p:cxnSp>
+        <p:nvCxnSpPr>
+          <p:cNvPr id="113" name="직선 화살표 연결선 112"/>
+          <p:cNvCxnSpPr>
+            <a:stCxn id="47" idx="2"/>
+            <a:endCxn id="56" idx="0"/>
+          </p:cNvCxnSpPr>
+          <p:nvPr/>
+        </p:nvCxnSpPr>
+        <p:spPr>
+          <a:xfrm>
+            <a:off x="5390496" y="3720327"/>
+            <a:ext cx="1200403" cy="2312924"/>
+          </a:xfrm>
+          <a:prstGeom prst="straightConnector1">
+            <a:avLst/>
+          </a:prstGeom>
+          <a:ln>
+            <a:tailEnd type="triangle"/>
+          </a:ln>
+        </p:spPr>
+        <p:style>
+          <a:lnRef idx="1">
+            <a:schemeClr val="accent1"/>
+          </a:lnRef>
+          <a:fillRef idx="0">
+            <a:schemeClr val="accent1"/>
+          </a:fillRef>
+          <a:effectRef idx="0">
+            <a:schemeClr val="accent1"/>
+          </a:effectRef>
+          <a:fontRef idx="minor">
+            <a:schemeClr val="tx1"/>
+          </a:fontRef>
+        </p:style>
+      </p:cxnSp>
     </p:spTree>
     <p:extLst>
       <p:ext uri="{BB962C8B-B14F-4D97-AF65-F5344CB8AC3E}">
@@ -7022,6 +11040,13 @@
   <p:clrMapOvr>
     <a:masterClrMapping/>
   </p:clrMapOvr>
+  <p:timing>
+    <p:tnLst>
+      <p:par>
+        <p:cTn id="1" dur="indefinite" restart="never" nodeType="tmRoot"/>
+      </p:par>
+    </p:tnLst>
+  </p:timing>
 </p:sld>
 </file>
 
@@ -7061,6 +11086,10 @@
               <a:rPr lang="en-US" altLang="ko-KR" dirty="0" smtClean="0"/>
               <a:t>3.UI/UX</a:t>
             </a:r>
+            <a:r>
+              <a:rPr lang="ko-KR" altLang="en-US" dirty="0" smtClean="0"/>
+              <a:t>기능</a:t>
+            </a:r>
             <a:endParaRPr lang="ko-KR" altLang="en-US" dirty="0"/>
           </a:p>
         </p:txBody>
@@ -7085,52 +11114,97 @@
             </a:pPr>
             <a:r>
               <a:rPr lang="en-US" altLang="ko-KR" dirty="0" smtClean="0"/>
-              <a:t>-home</a:t>
-            </a:r>
-            <a:endParaRPr lang="ko-KR" altLang="en-US" dirty="0"/>
-          </a:p>
-        </p:txBody>
-      </p:sp>
-      <p:pic>
-        <p:nvPicPr>
-          <p:cNvPr id="4" name="그림 3"/>
-          <p:cNvPicPr>
-            <a:picLocks noChangeAspect="1"/>
-          </p:cNvPicPr>
-          <p:nvPr/>
-        </p:nvPicPr>
-        <p:blipFill>
-          <a:blip r:embed="rId2" cstate="print">
-            <a:extLst>
-              <a:ext uri="{28A0092B-C50C-407E-A947-70E740481C1C}">
-                <a14:useLocalDpi xmlns:a14="http://schemas.microsoft.com/office/drawing/2010/main" val="0"/>
-              </a:ext>
-            </a:extLst>
-          </a:blip>
-          <a:stretch>
-            <a:fillRect/>
-          </a:stretch>
-        </p:blipFill>
-        <p:spPr>
-          <a:xfrm>
-            <a:off x="838200" y="2345266"/>
-            <a:ext cx="5660231" cy="4025053"/>
-          </a:xfrm>
-          <a:prstGeom prst="rect">
-            <a:avLst/>
-          </a:prstGeom>
-        </p:spPr>
-      </p:pic>
+              <a:t>3-1. </a:t>
+            </a:r>
+            <a:r>
+              <a:rPr lang="ko-KR" altLang="en-US" dirty="0" err="1" smtClean="0"/>
+              <a:t>메인화면</a:t>
+            </a:r>
+            <a:endParaRPr lang="en-US" altLang="ko-KR" dirty="0" smtClean="0"/>
+          </a:p>
+          <a:p>
+            <a:pPr marL="0" indent="0">
+              <a:buNone/>
+            </a:pPr>
+            <a:r>
+              <a:rPr lang="en-US" altLang="ko-KR" dirty="0" smtClean="0"/>
+              <a:t>3-2. </a:t>
+            </a:r>
+            <a:r>
+              <a:rPr lang="ko-KR" altLang="en-US" dirty="0" smtClean="0"/>
+              <a:t>로그인 및 회원가입</a:t>
+            </a:r>
+            <a:endParaRPr lang="en-US" altLang="ko-KR" dirty="0" smtClean="0"/>
+          </a:p>
+          <a:p>
+            <a:pPr marL="0" indent="0">
+              <a:buNone/>
+            </a:pPr>
+            <a:r>
+              <a:rPr lang="en-US" altLang="ko-KR" dirty="0" smtClean="0"/>
+              <a:t>3-3. </a:t>
+            </a:r>
+            <a:r>
+              <a:rPr lang="ko-KR" altLang="en-US" dirty="0" smtClean="0"/>
+              <a:t>공지사항</a:t>
+            </a:r>
+            <a:endParaRPr lang="en-US" altLang="ko-KR" dirty="0" smtClean="0"/>
+          </a:p>
+          <a:p>
+            <a:pPr marL="0" indent="0">
+              <a:buNone/>
+            </a:pPr>
+            <a:r>
+              <a:rPr lang="en-US" altLang="ko-KR" dirty="0" smtClean="0"/>
+              <a:t>3-4.</a:t>
+            </a:r>
+            <a:r>
+              <a:rPr lang="ko-KR" altLang="en-US" dirty="0"/>
+              <a:t> 강의 </a:t>
+            </a:r>
+            <a:r>
+              <a:rPr lang="ko-KR" altLang="en-US" dirty="0" smtClean="0"/>
+              <a:t>목록</a:t>
+            </a:r>
+            <a:endParaRPr lang="en-US" altLang="ko-KR" dirty="0" smtClean="0"/>
+          </a:p>
+          <a:p>
+            <a:pPr marL="0" indent="0">
+              <a:buNone/>
+            </a:pPr>
+            <a:r>
+              <a:rPr lang="en-US" altLang="ko-KR" dirty="0" smtClean="0"/>
+              <a:t>3-5.</a:t>
+            </a:r>
+            <a:r>
+              <a:rPr lang="ko-KR" altLang="en-US" dirty="0"/>
+              <a:t> </a:t>
+            </a:r>
+            <a:r>
+              <a:rPr lang="ko-KR" altLang="en-US" dirty="0" err="1" smtClean="0"/>
+              <a:t>마이페이지</a:t>
+            </a:r>
+            <a:endParaRPr lang="en-US" altLang="ko-KR" dirty="0" smtClean="0"/>
+          </a:p>
+        </p:txBody>
+      </p:sp>
     </p:spTree>
     <p:extLst>
       <p:ext uri="{BB962C8B-B14F-4D97-AF65-F5344CB8AC3E}">
-        <p14:creationId xmlns:p14="http://schemas.microsoft.com/office/powerpoint/2010/main" val="449266685"/>
+        <p14:creationId xmlns:p14="http://schemas.microsoft.com/office/powerpoint/2010/main" val="1014071345"/>
       </p:ext>
     </p:extLst>
   </p:cSld>
   <p:clrMapOvr>
     <a:masterClrMapping/>
   </p:clrMapOvr>
+  <p:timing>
+    <p:tnLst>
+      <p:par>
+        <p:cTn id="1" dur="indefinite" restart="never" nodeType="tmRoot"/>
+      </p:par>
+    </p:tnLst>
+  </p:timing>
 </p:sld>
 </file>
 
@@ -7153,25 +11227,6 @@
       </p:grpSpPr>
       <p:sp>
         <p:nvSpPr>
-          <p:cNvPr id="2" name="제목 1"/>
-          <p:cNvSpPr>
-            <a:spLocks noGrp="1"/>
-          </p:cNvSpPr>
-          <p:nvPr>
-            <p:ph type="title"/>
-          </p:nvPr>
-        </p:nvSpPr>
-        <p:spPr/>
-        <p:txBody>
-          <a:bodyPr/>
-          <a:lstStyle/>
-          <a:p>
-            <a:endParaRPr lang="ko-KR" altLang="en-US"/>
-          </a:p>
-        </p:txBody>
-      </p:sp>
-      <p:sp>
-        <p:nvSpPr>
           <p:cNvPr id="3" name="내용 개체 틀 2"/>
           <p:cNvSpPr>
             <a:spLocks noGrp="1"/>
@@ -7180,25 +11235,533 @@
             <p:ph idx="1"/>
           </p:nvPr>
         </p:nvSpPr>
-        <p:spPr/>
+        <p:spPr>
+          <a:xfrm>
+            <a:off x="472440" y="283518"/>
+            <a:ext cx="10515600" cy="519641"/>
+          </a:xfrm>
+        </p:spPr>
         <p:txBody>
           <a:bodyPr/>
           <a:lstStyle/>
           <a:p>
-            <a:endParaRPr lang="ko-KR" altLang="en-US"/>
-          </a:p>
-        </p:txBody>
-      </p:sp>
+            <a:pPr marL="0" indent="0">
+              <a:buNone/>
+            </a:pPr>
+            <a:r>
+              <a:rPr lang="en-US" altLang="ko-KR" dirty="0" smtClean="0"/>
+              <a:t>3-1.</a:t>
+            </a:r>
+            <a:r>
+              <a:rPr lang="ko-KR" altLang="en-US" dirty="0" err="1" smtClean="0"/>
+              <a:t>메인화면</a:t>
+            </a:r>
+            <a:endParaRPr lang="ko-KR" altLang="en-US" dirty="0"/>
+          </a:p>
+        </p:txBody>
+      </p:sp>
+      <p:sp>
+        <p:nvSpPr>
+          <p:cNvPr id="6" name="TextBox 5"/>
+          <p:cNvSpPr txBox="1"/>
+          <p:nvPr/>
+        </p:nvSpPr>
+        <p:spPr>
+          <a:xfrm>
+            <a:off x="6491008" y="1623289"/>
+            <a:ext cx="4996565" cy="2585323"/>
+          </a:xfrm>
+          <a:prstGeom prst="rect">
+            <a:avLst/>
+          </a:prstGeom>
+          <a:noFill/>
+        </p:spPr>
+        <p:txBody>
+          <a:bodyPr wrap="square" rtlCol="0">
+            <a:spAutoFit/>
+          </a:bodyPr>
+          <a:lstStyle/>
+          <a:p>
+            <a:r>
+              <a:rPr lang="en-US" altLang="ko-KR" dirty="0" smtClean="0"/>
+              <a:t>-Home</a:t>
+            </a:r>
+            <a:r>
+              <a:rPr lang="ko-KR" altLang="en-US" dirty="0" smtClean="0"/>
+              <a:t>화면으로 로그인시</a:t>
+            </a:r>
+            <a:r>
+              <a:rPr lang="en-US" altLang="ko-KR" dirty="0" smtClean="0"/>
+              <a:t>, </a:t>
+            </a:r>
+          </a:p>
+          <a:p>
+            <a:r>
+              <a:rPr lang="ko-KR" altLang="en-US" dirty="0" err="1" smtClean="0"/>
+              <a:t>메뉴바가</a:t>
+            </a:r>
+            <a:r>
+              <a:rPr lang="ko-KR" altLang="en-US" dirty="0" smtClean="0"/>
+              <a:t> 변경된다</a:t>
+            </a:r>
+            <a:r>
+              <a:rPr lang="en-US" altLang="ko-KR" dirty="0" smtClean="0"/>
+              <a:t>.</a:t>
+            </a:r>
+          </a:p>
+          <a:p>
+            <a:r>
+              <a:rPr lang="en-US" altLang="ko-KR" dirty="0" smtClean="0"/>
+              <a:t>-</a:t>
+            </a:r>
+            <a:r>
+              <a:rPr lang="ko-KR" altLang="en-US" dirty="0" smtClean="0"/>
+              <a:t>로그인 전 </a:t>
+            </a:r>
+            <a:r>
+              <a:rPr lang="en-US" altLang="ko-KR" dirty="0" smtClean="0"/>
+              <a:t>-&gt; </a:t>
+            </a:r>
+            <a:r>
+              <a:rPr lang="ko-KR" altLang="en-US" dirty="0" smtClean="0"/>
+              <a:t>공지사항 </a:t>
+            </a:r>
+            <a:r>
+              <a:rPr lang="en-US" altLang="ko-KR" dirty="0" smtClean="0"/>
+              <a:t>-&gt; </a:t>
+            </a:r>
+            <a:r>
+              <a:rPr lang="ko-KR" altLang="en-US" dirty="0" err="1" smtClean="0"/>
+              <a:t>강의목록</a:t>
+            </a:r>
+            <a:r>
+              <a:rPr lang="ko-KR" altLang="en-US" dirty="0" smtClean="0"/>
+              <a:t> </a:t>
+            </a:r>
+            <a:r>
+              <a:rPr lang="en-US" altLang="ko-KR" dirty="0" smtClean="0"/>
+              <a:t>-&gt; </a:t>
+            </a:r>
+            <a:r>
+              <a:rPr lang="en-US" altLang="ko-KR" dirty="0" err="1" smtClean="0"/>
+              <a:t>QnA</a:t>
+            </a:r>
+            <a:r>
+              <a:rPr lang="en-US" altLang="ko-KR" dirty="0" smtClean="0"/>
+              <a:t> -&gt; </a:t>
+            </a:r>
+            <a:r>
+              <a:rPr lang="ko-KR" altLang="en-US" dirty="0" smtClean="0"/>
+              <a:t>로그인 및 회원가입 </a:t>
+            </a:r>
+            <a:r>
+              <a:rPr lang="en-US" altLang="ko-KR" dirty="0" smtClean="0"/>
+              <a:t>-&gt; </a:t>
+            </a:r>
+            <a:r>
+              <a:rPr lang="ko-KR" altLang="en-US" dirty="0" err="1" smtClean="0"/>
+              <a:t>강의후기</a:t>
+            </a:r>
+            <a:endParaRPr lang="en-US" altLang="ko-KR" dirty="0" smtClean="0"/>
+          </a:p>
+          <a:p>
+            <a:r>
+              <a:rPr lang="en-US" altLang="ko-KR" dirty="0" smtClean="0"/>
+              <a:t>-</a:t>
+            </a:r>
+            <a:r>
+              <a:rPr lang="ko-KR" altLang="en-US" dirty="0" smtClean="0"/>
+              <a:t>로그인 후 </a:t>
+            </a:r>
+            <a:r>
+              <a:rPr lang="en-US" altLang="ko-KR" dirty="0" smtClean="0"/>
+              <a:t>-&gt; </a:t>
+            </a:r>
+            <a:r>
+              <a:rPr lang="ko-KR" altLang="en-US" dirty="0" smtClean="0"/>
+              <a:t>공지사항 </a:t>
+            </a:r>
+            <a:r>
+              <a:rPr lang="en-US" altLang="ko-KR" dirty="0" smtClean="0"/>
+              <a:t>-&gt; </a:t>
+            </a:r>
+            <a:r>
+              <a:rPr lang="ko-KR" altLang="en-US" dirty="0" err="1" smtClean="0"/>
+              <a:t>강의목록</a:t>
+            </a:r>
+            <a:r>
+              <a:rPr lang="ko-KR" altLang="en-US" dirty="0" smtClean="0"/>
+              <a:t> </a:t>
+            </a:r>
+            <a:r>
+              <a:rPr lang="en-US" altLang="ko-KR" dirty="0" smtClean="0"/>
+              <a:t>-&gt; </a:t>
+            </a:r>
+            <a:r>
+              <a:rPr lang="en-US" altLang="ko-KR" dirty="0" err="1" smtClean="0"/>
+              <a:t>QnA</a:t>
+            </a:r>
+            <a:r>
+              <a:rPr lang="en-US" altLang="ko-KR" dirty="0" smtClean="0"/>
+              <a:t> -&gt; </a:t>
+            </a:r>
+            <a:r>
+              <a:rPr lang="ko-KR" altLang="en-US" dirty="0" smtClean="0"/>
+              <a:t>로그아웃</a:t>
+            </a:r>
+            <a:r>
+              <a:rPr lang="en-US" altLang="ko-KR" dirty="0" smtClean="0"/>
+              <a:t>(</a:t>
+            </a:r>
+            <a:r>
+              <a:rPr lang="ko-KR" altLang="en-US" dirty="0" err="1" smtClean="0"/>
+              <a:t>강의들으러가기</a:t>
+            </a:r>
+            <a:r>
+              <a:rPr lang="en-US" altLang="ko-KR" dirty="0" smtClean="0"/>
+              <a:t>)</a:t>
+            </a:r>
+            <a:r>
+              <a:rPr lang="ko-KR" altLang="en-US" dirty="0" smtClean="0"/>
+              <a:t> </a:t>
+            </a:r>
+            <a:r>
+              <a:rPr lang="en-US" altLang="ko-KR" dirty="0" smtClean="0"/>
+              <a:t>-&gt; </a:t>
+            </a:r>
+            <a:r>
+              <a:rPr lang="ko-KR" altLang="en-US" dirty="0" err="1" smtClean="0"/>
+              <a:t>강의후기</a:t>
+            </a:r>
+            <a:endParaRPr lang="en-US" altLang="ko-KR" dirty="0" smtClean="0"/>
+          </a:p>
+          <a:p>
+            <a:endParaRPr lang="en-US" altLang="ko-KR" dirty="0"/>
+          </a:p>
+          <a:p>
+            <a:r>
+              <a:rPr lang="ko-KR" altLang="en-US" dirty="0" err="1" smtClean="0"/>
+              <a:t>인기강의는</a:t>
+            </a:r>
+            <a:r>
+              <a:rPr lang="ko-KR" altLang="en-US" dirty="0"/>
+              <a:t> </a:t>
+            </a:r>
+            <a:r>
+              <a:rPr lang="ko-KR" altLang="en-US" dirty="0" smtClean="0"/>
+              <a:t>사람들이 가장 많이 들은 강의중에 </a:t>
+            </a:r>
+            <a:r>
+              <a:rPr lang="en-US" altLang="ko-KR" dirty="0" smtClean="0"/>
+              <a:t>5</a:t>
+            </a:r>
+            <a:r>
+              <a:rPr lang="ko-KR" altLang="en-US" dirty="0" smtClean="0"/>
+              <a:t>개를 선정해서 넣었다</a:t>
+            </a:r>
+            <a:r>
+              <a:rPr lang="en-US" altLang="ko-KR" dirty="0" smtClean="0"/>
+              <a:t>.</a:t>
+            </a:r>
+          </a:p>
+        </p:txBody>
+      </p:sp>
+      <p:sp>
+        <p:nvSpPr>
+          <p:cNvPr id="8" name="TextBox 7"/>
+          <p:cNvSpPr txBox="1"/>
+          <p:nvPr/>
+        </p:nvSpPr>
+        <p:spPr>
+          <a:xfrm>
+            <a:off x="6509173" y="5247049"/>
+            <a:ext cx="4978400" cy="369332"/>
+          </a:xfrm>
+          <a:prstGeom prst="rect">
+            <a:avLst/>
+          </a:prstGeom>
+          <a:noFill/>
+        </p:spPr>
+        <p:txBody>
+          <a:bodyPr wrap="square" rtlCol="0">
+            <a:spAutoFit/>
+          </a:bodyPr>
+          <a:lstStyle/>
+          <a:p>
+            <a:r>
+              <a:rPr lang="en-US" altLang="ko-KR" dirty="0" smtClean="0"/>
+              <a:t>API : localhost/home</a:t>
+            </a:r>
+            <a:endParaRPr lang="ko-KR" altLang="en-US" dirty="0"/>
+          </a:p>
+        </p:txBody>
+      </p:sp>
+      <p:sp>
+        <p:nvSpPr>
+          <p:cNvPr id="10" name="내용 개체 틀 2"/>
+          <p:cNvSpPr txBox="1">
+            <a:spLocks/>
+          </p:cNvSpPr>
+          <p:nvPr/>
+        </p:nvSpPr>
+        <p:spPr>
+          <a:xfrm>
+            <a:off x="472440" y="953248"/>
+            <a:ext cx="4505960" cy="519952"/>
+          </a:xfrm>
+          <a:prstGeom prst="rect">
+            <a:avLst/>
+          </a:prstGeom>
+        </p:spPr>
+        <p:txBody>
+          <a:bodyPr vert="horz" lIns="91440" tIns="45720" rIns="91440" bIns="45720" rtlCol="0">
+            <a:normAutofit/>
+          </a:bodyPr>
+          <a:lstStyle>
+            <a:lvl1pPr marL="228600" indent="-228600" algn="l" defTabSz="914400" rtl="0" eaLnBrk="1" latinLnBrk="1" hangingPunct="1">
+              <a:lnSpc>
+                <a:spcPct val="90000"/>
+              </a:lnSpc>
+              <a:spcBef>
+                <a:spcPts val="1000"/>
+              </a:spcBef>
+              <a:buFont typeface="Arial" panose="020B0604020202020204" pitchFamily="34" charset="0"/>
+              <a:buChar char="•"/>
+              <a:defRPr sz="2800" kern="1200">
+                <a:solidFill>
+                  <a:schemeClr val="tx1"/>
+                </a:solidFill>
+                <a:latin typeface="+mn-lt"/>
+                <a:ea typeface="+mn-ea"/>
+                <a:cs typeface="+mn-cs"/>
+              </a:defRPr>
+            </a:lvl1pPr>
+            <a:lvl2pPr marL="685800" indent="-228600" algn="l" defTabSz="914400" rtl="0" eaLnBrk="1" latinLnBrk="1" hangingPunct="1">
+              <a:lnSpc>
+                <a:spcPct val="90000"/>
+              </a:lnSpc>
+              <a:spcBef>
+                <a:spcPts val="500"/>
+              </a:spcBef>
+              <a:buFont typeface="Arial" panose="020B0604020202020204" pitchFamily="34" charset="0"/>
+              <a:buChar char="•"/>
+              <a:defRPr sz="2400" kern="1200">
+                <a:solidFill>
+                  <a:schemeClr val="tx1"/>
+                </a:solidFill>
+                <a:latin typeface="+mn-lt"/>
+                <a:ea typeface="+mn-ea"/>
+                <a:cs typeface="+mn-cs"/>
+              </a:defRPr>
+            </a:lvl2pPr>
+            <a:lvl3pPr marL="1143000" indent="-228600" algn="l" defTabSz="914400" rtl="0" eaLnBrk="1" latinLnBrk="1" hangingPunct="1">
+              <a:lnSpc>
+                <a:spcPct val="90000"/>
+              </a:lnSpc>
+              <a:spcBef>
+                <a:spcPts val="500"/>
+              </a:spcBef>
+              <a:buFont typeface="Arial" panose="020B0604020202020204" pitchFamily="34" charset="0"/>
+              <a:buChar char="•"/>
+              <a:defRPr sz="2000" kern="1200">
+                <a:solidFill>
+                  <a:schemeClr val="tx1"/>
+                </a:solidFill>
+                <a:latin typeface="+mn-lt"/>
+                <a:ea typeface="+mn-ea"/>
+                <a:cs typeface="+mn-cs"/>
+              </a:defRPr>
+            </a:lvl3pPr>
+            <a:lvl4pPr marL="1600200" indent="-228600" algn="l" defTabSz="914400" rtl="0" eaLnBrk="1" latinLnBrk="1" hangingPunct="1">
+              <a:lnSpc>
+                <a:spcPct val="90000"/>
+              </a:lnSpc>
+              <a:spcBef>
+                <a:spcPts val="500"/>
+              </a:spcBef>
+              <a:buFont typeface="Arial" panose="020B0604020202020204" pitchFamily="34" charset="0"/>
+              <a:buChar char="•"/>
+              <a:defRPr sz="1800" kern="1200">
+                <a:solidFill>
+                  <a:schemeClr val="tx1"/>
+                </a:solidFill>
+                <a:latin typeface="+mn-lt"/>
+                <a:ea typeface="+mn-ea"/>
+                <a:cs typeface="+mn-cs"/>
+              </a:defRPr>
+            </a:lvl4pPr>
+            <a:lvl5pPr marL="2057400" indent="-228600" algn="l" defTabSz="914400" rtl="0" eaLnBrk="1" latinLnBrk="1" hangingPunct="1">
+              <a:lnSpc>
+                <a:spcPct val="90000"/>
+              </a:lnSpc>
+              <a:spcBef>
+                <a:spcPts val="500"/>
+              </a:spcBef>
+              <a:buFont typeface="Arial" panose="020B0604020202020204" pitchFamily="34" charset="0"/>
+              <a:buChar char="•"/>
+              <a:defRPr sz="1800" kern="1200">
+                <a:solidFill>
+                  <a:schemeClr val="tx1"/>
+                </a:solidFill>
+                <a:latin typeface="+mn-lt"/>
+                <a:ea typeface="+mn-ea"/>
+                <a:cs typeface="+mn-cs"/>
+              </a:defRPr>
+            </a:lvl5pPr>
+            <a:lvl6pPr marL="2514600" indent="-228600" algn="l" defTabSz="914400" rtl="0" eaLnBrk="1" latinLnBrk="1" hangingPunct="1">
+              <a:lnSpc>
+                <a:spcPct val="90000"/>
+              </a:lnSpc>
+              <a:spcBef>
+                <a:spcPts val="500"/>
+              </a:spcBef>
+              <a:buFont typeface="Arial" panose="020B0604020202020204" pitchFamily="34" charset="0"/>
+              <a:buChar char="•"/>
+              <a:defRPr sz="1800" kern="1200">
+                <a:solidFill>
+                  <a:schemeClr val="tx1"/>
+                </a:solidFill>
+                <a:latin typeface="+mn-lt"/>
+                <a:ea typeface="+mn-ea"/>
+                <a:cs typeface="+mn-cs"/>
+              </a:defRPr>
+            </a:lvl6pPr>
+            <a:lvl7pPr marL="2971800" indent="-228600" algn="l" defTabSz="914400" rtl="0" eaLnBrk="1" latinLnBrk="1" hangingPunct="1">
+              <a:lnSpc>
+                <a:spcPct val="90000"/>
+              </a:lnSpc>
+              <a:spcBef>
+                <a:spcPts val="500"/>
+              </a:spcBef>
+              <a:buFont typeface="Arial" panose="020B0604020202020204" pitchFamily="34" charset="0"/>
+              <a:buChar char="•"/>
+              <a:defRPr sz="1800" kern="1200">
+                <a:solidFill>
+                  <a:schemeClr val="tx1"/>
+                </a:solidFill>
+                <a:latin typeface="+mn-lt"/>
+                <a:ea typeface="+mn-ea"/>
+                <a:cs typeface="+mn-cs"/>
+              </a:defRPr>
+            </a:lvl7pPr>
+            <a:lvl8pPr marL="3429000" indent="-228600" algn="l" defTabSz="914400" rtl="0" eaLnBrk="1" latinLnBrk="1" hangingPunct="1">
+              <a:lnSpc>
+                <a:spcPct val="90000"/>
+              </a:lnSpc>
+              <a:spcBef>
+                <a:spcPts val="500"/>
+              </a:spcBef>
+              <a:buFont typeface="Arial" panose="020B0604020202020204" pitchFamily="34" charset="0"/>
+              <a:buChar char="•"/>
+              <a:defRPr sz="1800" kern="1200">
+                <a:solidFill>
+                  <a:schemeClr val="tx1"/>
+                </a:solidFill>
+                <a:latin typeface="+mn-lt"/>
+                <a:ea typeface="+mn-ea"/>
+                <a:cs typeface="+mn-cs"/>
+              </a:defRPr>
+            </a:lvl8pPr>
+            <a:lvl9pPr marL="3886200" indent="-228600" algn="l" defTabSz="914400" rtl="0" eaLnBrk="1" latinLnBrk="1" hangingPunct="1">
+              <a:lnSpc>
+                <a:spcPct val="90000"/>
+              </a:lnSpc>
+              <a:spcBef>
+                <a:spcPts val="500"/>
+              </a:spcBef>
+              <a:buFont typeface="Arial" panose="020B0604020202020204" pitchFamily="34" charset="0"/>
+              <a:buChar char="•"/>
+              <a:defRPr sz="1800" kern="1200">
+                <a:solidFill>
+                  <a:schemeClr val="tx1"/>
+                </a:solidFill>
+                <a:latin typeface="+mn-lt"/>
+                <a:ea typeface="+mn-ea"/>
+                <a:cs typeface="+mn-cs"/>
+              </a:defRPr>
+            </a:lvl9pPr>
+          </a:lstStyle>
+          <a:p>
+            <a:pPr marL="0" indent="0">
+              <a:buFont typeface="Arial" panose="020B0604020202020204" pitchFamily="34" charset="0"/>
+              <a:buNone/>
+            </a:pPr>
+            <a:r>
+              <a:rPr lang="en-US" altLang="ko-KR" sz="1800" dirty="0" smtClean="0"/>
+              <a:t>*</a:t>
+            </a:r>
+            <a:r>
+              <a:rPr lang="ko-KR" altLang="en-US" sz="1800" dirty="0" smtClean="0"/>
+              <a:t>로그인 상태가 아닌</a:t>
+            </a:r>
+            <a:r>
+              <a:rPr lang="en-US" altLang="ko-KR" sz="1800" dirty="0" smtClean="0"/>
+              <a:t>,home</a:t>
+            </a:r>
+            <a:r>
+              <a:rPr lang="ko-KR" altLang="en-US" sz="1800" dirty="0" smtClean="0"/>
+              <a:t>화면 및 </a:t>
+            </a:r>
+            <a:r>
+              <a:rPr lang="ko-KR" altLang="en-US" sz="1800" dirty="0" err="1" smtClean="0"/>
+              <a:t>메뉴바</a:t>
+            </a:r>
+            <a:endParaRPr lang="ko-KR" altLang="en-US" sz="1800" dirty="0"/>
+          </a:p>
+        </p:txBody>
+      </p:sp>
+      <p:pic>
+        <p:nvPicPr>
+          <p:cNvPr id="2" name="그림 1"/>
+          <p:cNvPicPr>
+            <a:picLocks noChangeAspect="1"/>
+          </p:cNvPicPr>
+          <p:nvPr/>
+        </p:nvPicPr>
+        <p:blipFill>
+          <a:blip r:embed="rId2" cstate="print">
+            <a:extLst>
+              <a:ext uri="{28A0092B-C50C-407E-A947-70E740481C1C}">
+                <a14:useLocalDpi xmlns:a14="http://schemas.microsoft.com/office/drawing/2010/main" val="0"/>
+              </a:ext>
+            </a:extLst>
+          </a:blip>
+          <a:stretch>
+            <a:fillRect/>
+          </a:stretch>
+        </p:blipFill>
+        <p:spPr>
+          <a:xfrm>
+            <a:off x="472441" y="1619786"/>
+            <a:ext cx="5598160" cy="3980914"/>
+          </a:xfrm>
+          <a:prstGeom prst="rect">
+            <a:avLst/>
+          </a:prstGeom>
+          <a:ln>
+            <a:solidFill>
+              <a:schemeClr val="tx1"/>
+            </a:solidFill>
+          </a:ln>
+        </p:spPr>
+      </p:pic>
     </p:spTree>
     <p:extLst>
       <p:ext uri="{BB962C8B-B14F-4D97-AF65-F5344CB8AC3E}">
-        <p14:creationId xmlns:p14="http://schemas.microsoft.com/office/powerpoint/2010/main" val="3484782310"/>
+        <p14:creationId xmlns:p14="http://schemas.microsoft.com/office/powerpoint/2010/main" val="449266685"/>
       </p:ext>
     </p:extLst>
   </p:cSld>
   <p:clrMapOvr>
     <a:masterClrMapping/>
   </p:clrMapOvr>
+  <p:timing>
+    <p:tnLst>
+      <p:par>
+        <p:cTn id="1" dur="indefinite" restart="never" nodeType="tmRoot"/>
+      </p:par>
+    </p:tnLst>
+  </p:timing>
 </p:sld>
 </file>
 
